--- a/ppt/Kerekegyensúly.pptx
+++ b/ppt/Kerekegyensúly.pptx
@@ -9,6 +9,10 @@
     <p:sldId id="257" r:id="rId3"/>
     <p:sldId id="258" r:id="rId4"/>
     <p:sldId id="259" r:id="rId5"/>
+    <p:sldId id="260" r:id="rId6"/>
+    <p:sldId id="261" r:id="rId7"/>
+    <p:sldId id="262" r:id="rId8"/>
+    <p:sldId id="263" r:id="rId9"/>
   </p:sldIdLst>
   <p:sldSz cx="12192000" cy="6858000"/>
   <p:notesSz cx="6858000" cy="9144000"/>
@@ -273,7 +277,7 @@
           <a:p>
             <a:fld id="{8C6D02AD-C958-4436-BF8A-989B812C545C}" type="datetimeFigureOut">
               <a:rPr lang="hu-HU" smtClean="0"/>
-              <a:t>2023. 11. 04.</a:t>
+              <a:t>2023. 11. 06.</a:t>
             </a:fld>
             <a:endParaRPr lang="hu-HU"/>
           </a:p>
@@ -471,7 +475,7 @@
           <a:p>
             <a:fld id="{8C6D02AD-C958-4436-BF8A-989B812C545C}" type="datetimeFigureOut">
               <a:rPr lang="hu-HU" smtClean="0"/>
-              <a:t>2023. 11. 04.</a:t>
+              <a:t>2023. 11. 06.</a:t>
             </a:fld>
             <a:endParaRPr lang="hu-HU"/>
           </a:p>
@@ -679,7 +683,7 @@
           <a:p>
             <a:fld id="{8C6D02AD-C958-4436-BF8A-989B812C545C}" type="datetimeFigureOut">
               <a:rPr lang="hu-HU" smtClean="0"/>
-              <a:t>2023. 11. 04.</a:t>
+              <a:t>2023. 11. 06.</a:t>
             </a:fld>
             <a:endParaRPr lang="hu-HU"/>
           </a:p>
@@ -877,7 +881,7 @@
           <a:p>
             <a:fld id="{8C6D02AD-C958-4436-BF8A-989B812C545C}" type="datetimeFigureOut">
               <a:rPr lang="hu-HU" smtClean="0"/>
-              <a:t>2023. 11. 04.</a:t>
+              <a:t>2023. 11. 06.</a:t>
             </a:fld>
             <a:endParaRPr lang="hu-HU"/>
           </a:p>
@@ -1152,7 +1156,7 @@
           <a:p>
             <a:fld id="{8C6D02AD-C958-4436-BF8A-989B812C545C}" type="datetimeFigureOut">
               <a:rPr lang="hu-HU" smtClean="0"/>
-              <a:t>2023. 11. 04.</a:t>
+              <a:t>2023. 11. 06.</a:t>
             </a:fld>
             <a:endParaRPr lang="hu-HU"/>
           </a:p>
@@ -1417,7 +1421,7 @@
           <a:p>
             <a:fld id="{8C6D02AD-C958-4436-BF8A-989B812C545C}" type="datetimeFigureOut">
               <a:rPr lang="hu-HU" smtClean="0"/>
-              <a:t>2023. 11. 04.</a:t>
+              <a:t>2023. 11. 06.</a:t>
             </a:fld>
             <a:endParaRPr lang="hu-HU"/>
           </a:p>
@@ -1829,7 +1833,7 @@
           <a:p>
             <a:fld id="{8C6D02AD-C958-4436-BF8A-989B812C545C}" type="datetimeFigureOut">
               <a:rPr lang="hu-HU" smtClean="0"/>
-              <a:t>2023. 11. 04.</a:t>
+              <a:t>2023. 11. 06.</a:t>
             </a:fld>
             <a:endParaRPr lang="hu-HU"/>
           </a:p>
@@ -1970,7 +1974,7 @@
           <a:p>
             <a:fld id="{8C6D02AD-C958-4436-BF8A-989B812C545C}" type="datetimeFigureOut">
               <a:rPr lang="hu-HU" smtClean="0"/>
-              <a:t>2023. 11. 04.</a:t>
+              <a:t>2023. 11. 06.</a:t>
             </a:fld>
             <a:endParaRPr lang="hu-HU"/>
           </a:p>
@@ -2083,7 +2087,7 @@
           <a:p>
             <a:fld id="{8C6D02AD-C958-4436-BF8A-989B812C545C}" type="datetimeFigureOut">
               <a:rPr lang="hu-HU" smtClean="0"/>
-              <a:t>2023. 11. 04.</a:t>
+              <a:t>2023. 11. 06.</a:t>
             </a:fld>
             <a:endParaRPr lang="hu-HU"/>
           </a:p>
@@ -2394,7 +2398,7 @@
           <a:p>
             <a:fld id="{8C6D02AD-C958-4436-BF8A-989B812C545C}" type="datetimeFigureOut">
               <a:rPr lang="hu-HU" smtClean="0"/>
-              <a:t>2023. 11. 04.</a:t>
+              <a:t>2023. 11. 06.</a:t>
             </a:fld>
             <a:endParaRPr lang="hu-HU"/>
           </a:p>
@@ -2682,7 +2686,7 @@
           <a:p>
             <a:fld id="{8C6D02AD-C958-4436-BF8A-989B812C545C}" type="datetimeFigureOut">
               <a:rPr lang="hu-HU" smtClean="0"/>
-              <a:t>2023. 11. 04.</a:t>
+              <a:t>2023. 11. 06.</a:t>
             </a:fld>
             <a:endParaRPr lang="hu-HU"/>
           </a:p>
@@ -2923,7 +2927,7 @@
           <a:p>
             <a:fld id="{8C6D02AD-C958-4436-BF8A-989B812C545C}" type="datetimeFigureOut">
               <a:rPr lang="hu-HU" smtClean="0"/>
-              <a:t>2023. 11. 04.</a:t>
+              <a:t>2023. 11. 06.</a:t>
             </a:fld>
             <a:endParaRPr lang="hu-HU"/>
           </a:p>
@@ -3356,7 +3360,7 @@
                 <a16:creationId xmlns:a16="http://schemas.microsoft.com/office/drawing/2014/main" id="{71B2258F-86CA-4D4D-8270-BC05FCDEBFB3}"/>
               </a:ext>
               <a:ext uri="{C183D7F6-B498-43B3-948B-1728B52AA6E4}">
-                <adec:decorative xmlns:adec="http://schemas.microsoft.com/office/drawing/2017/decorative" val="1"/>
+                <adec:decorative xmlns:adec="http://schemas.microsoft.com/office/drawing/2017/decorative" xmlns="" val="1"/>
               </a:ext>
             </a:extLst>
           </p:cNvPr>
@@ -3787,7 +3791,7 @@
                 <a16:creationId xmlns:a16="http://schemas.microsoft.com/office/drawing/2014/main" id="{9228552E-C8B1-4A80-8448-0787CE0FC704}"/>
               </a:ext>
               <a:ext uri="{C183D7F6-B498-43B3-948B-1728B52AA6E4}">
-                <adec:decorative xmlns:adec="http://schemas.microsoft.com/office/drawing/2017/decorative" val="1"/>
+                <adec:decorative xmlns:adec="http://schemas.microsoft.com/office/drawing/2017/decorative" xmlns="" val="1"/>
               </a:ext>
             </a:extLst>
           </p:cNvPr>
@@ -4337,7 +4341,7 @@
                 <a16:creationId xmlns:a16="http://schemas.microsoft.com/office/drawing/2014/main" id="{9228552E-C8B1-4A80-8448-0787CE0FC704}"/>
               </a:ext>
               <a:ext uri="{C183D7F6-B498-43B3-948B-1728B52AA6E4}">
-                <adec:decorative xmlns:adec="http://schemas.microsoft.com/office/drawing/2017/decorative" val="1"/>
+                <adec:decorative xmlns:adec="http://schemas.microsoft.com/office/drawing/2017/decorative" xmlns="" val="1"/>
               </a:ext>
             </a:extLst>
           </p:cNvPr>
@@ -4659,7 +4663,7 @@
                 <a16:creationId xmlns:a16="http://schemas.microsoft.com/office/drawing/2014/main" id="{9228552E-C8B1-4A80-8448-0787CE0FC704}"/>
               </a:ext>
               <a:ext uri="{C183D7F6-B498-43B3-948B-1728B52AA6E4}">
-                <adec:decorative xmlns:adec="http://schemas.microsoft.com/office/drawing/2017/decorative" val="1"/>
+                <adec:decorative xmlns:adec="http://schemas.microsoft.com/office/drawing/2017/decorative" xmlns="" val="1"/>
               </a:ext>
             </a:extLst>
           </p:cNvPr>
@@ -5621,6 +5625,1420 @@
 </p:sld>
 </file>
 
+<file path=ppt/slides/slide5.xml><?xml version="1.0" encoding="utf-8"?>
+<p:sld xmlns:a="http://schemas.openxmlformats.org/drawingml/2006/main" xmlns:r="http://schemas.openxmlformats.org/officeDocument/2006/relationships" xmlns:p="http://schemas.openxmlformats.org/presentationml/2006/main">
+  <p:cSld>
+    <p:bg>
+      <p:bgPr>
+        <a:solidFill>
+          <a:schemeClr val="bg1"/>
+        </a:solidFill>
+        <a:effectLst/>
+      </p:bgPr>
+    </p:bg>
+    <p:spTree>
+      <p:nvGrpSpPr>
+        <p:cNvPr id="1" name=""/>
+        <p:cNvGrpSpPr/>
+        <p:nvPr/>
+      </p:nvGrpSpPr>
+      <p:grpSpPr>
+        <a:xfrm>
+          <a:off x="0" y="0"/>
+          <a:ext cx="0" cy="0"/>
+          <a:chOff x="0" y="0"/>
+          <a:chExt cx="0" cy="0"/>
+        </a:xfrm>
+      </p:grpSpPr>
+      <p:sp>
+        <p:nvSpPr>
+          <p:cNvPr id="36" name="Rectangle 21">
+            <a:extLst>
+              <a:ext uri="{FF2B5EF4-FFF2-40B4-BE49-F238E27FC236}">
+                <a16:creationId xmlns:a16="http://schemas.microsoft.com/office/drawing/2014/main" id="{9228552E-C8B1-4A80-8448-0787CE0FC704}"/>
+              </a:ext>
+              <a:ext uri="{C183D7F6-B498-43B3-948B-1728B52AA6E4}">
+                <adec:decorative xmlns:adec="http://schemas.microsoft.com/office/drawing/2017/decorative" xmlns="" val="1"/>
+              </a:ext>
+            </a:extLst>
+          </p:cNvPr>
+          <p:cNvSpPr>
+            <a:spLocks noGrp="1" noRot="1" noChangeAspect="1" noMove="1" noResize="1" noEditPoints="1" noAdjustHandles="1" noChangeArrowheads="1" noChangeShapeType="1" noTextEdit="1"/>
+          </p:cNvSpPr>
+          <p:nvPr>
+            <p:extLst>
+              <p:ext uri="{386F3935-93C4-4BCD-93E2-E3B085C9AB24}">
+                <p16:designElem xmlns:p16="http://schemas.microsoft.com/office/powerpoint/2015/main" val="1"/>
+              </p:ext>
+            </p:extLst>
+          </p:nvPr>
+        </p:nvSpPr>
+        <p:spPr>
+          <a:xfrm>
+            <a:off x="0" y="0"/>
+            <a:ext cx="12192000" cy="6858000"/>
+          </a:xfrm>
+          <a:prstGeom prst="rect">
+            <a:avLst/>
+          </a:prstGeom>
+          <a:solidFill>
+            <a:srgbClr val="000000"/>
+          </a:solidFill>
+          <a:ln>
+            <a:noFill/>
+          </a:ln>
+        </p:spPr>
+        <p:style>
+          <a:lnRef idx="2">
+            <a:schemeClr val="accent1">
+              <a:shade val="50000"/>
+            </a:schemeClr>
+          </a:lnRef>
+          <a:fillRef idx="1">
+            <a:schemeClr val="accent1"/>
+          </a:fillRef>
+          <a:effectRef idx="0">
+            <a:schemeClr val="accent1"/>
+          </a:effectRef>
+          <a:fontRef idx="minor">
+            <a:schemeClr val="lt1"/>
+          </a:fontRef>
+        </p:style>
+        <p:txBody>
+          <a:bodyPr rtlCol="0" anchor="ctr"/>
+          <a:lstStyle/>
+          <a:p>
+            <a:pPr algn="ctr"/>
+            <a:endParaRPr lang="en-US" dirty="0"/>
+          </a:p>
+        </p:txBody>
+      </p:sp>
+      <p:pic>
+        <p:nvPicPr>
+          <p:cNvPr id="10" name="Kép 9" descr="A képen bicikli, Biciklikerék, kerék, Bicikliváz látható&#10;&#10;Automatikusan generált leírás">
+            <a:extLst>
+              <a:ext uri="{FF2B5EF4-FFF2-40B4-BE49-F238E27FC236}">
+                <a16:creationId xmlns:a16="http://schemas.microsoft.com/office/drawing/2014/main" id="{66611E25-3099-AE31-C3F6-CA91CF4E89C9}"/>
+              </a:ext>
+            </a:extLst>
+          </p:cNvPr>
+          <p:cNvPicPr>
+            <a:picLocks noChangeAspect="1"/>
+          </p:cNvPicPr>
+          <p:nvPr/>
+        </p:nvPicPr>
+        <p:blipFill rotWithShape="1">
+          <a:blip r:embed="rId2">
+            <a:alphaModFix amt="35000"/>
+            <a:extLst>
+              <a:ext uri="{28A0092B-C50C-407E-A947-70E740481C1C}">
+                <a14:useLocalDpi xmlns:a14="http://schemas.microsoft.com/office/drawing/2010/main" val="0"/>
+              </a:ext>
+            </a:extLst>
+          </a:blip>
+          <a:srcRect/>
+          <a:stretch/>
+        </p:blipFill>
+        <p:spPr>
+          <a:xfrm>
+            <a:off x="20" y="10"/>
+            <a:ext cx="12191980" cy="6857990"/>
+          </a:xfrm>
+          <a:prstGeom prst="rect">
+            <a:avLst/>
+          </a:prstGeom>
+        </p:spPr>
+      </p:pic>
+      <p:sp>
+        <p:nvSpPr>
+          <p:cNvPr id="7" name="Szövegdoboz 6">
+            <a:extLst>
+              <a:ext uri="{FF2B5EF4-FFF2-40B4-BE49-F238E27FC236}">
+                <a16:creationId xmlns:a16="http://schemas.microsoft.com/office/drawing/2014/main" id="{3A615D6D-1CBA-5895-4A85-F39E0EF0F14B}"/>
+              </a:ext>
+            </a:extLst>
+          </p:cNvPr>
+          <p:cNvSpPr txBox="1"/>
+          <p:nvPr/>
+        </p:nvSpPr>
+        <p:spPr>
+          <a:xfrm>
+            <a:off x="297024" y="486423"/>
+            <a:ext cx="10515600" cy="1325563"/>
+          </a:xfrm>
+          <a:prstGeom prst="rect">
+            <a:avLst/>
+          </a:prstGeom>
+        </p:spPr>
+        <p:txBody>
+          <a:bodyPr vert="horz" lIns="91440" tIns="45720" rIns="91440" bIns="45720" rtlCol="0" anchor="ctr">
+            <a:normAutofit/>
+          </a:bodyPr>
+          <a:lstStyle/>
+          <a:p>
+            <a:pPr>
+              <a:lnSpc>
+                <a:spcPct val="90000"/>
+              </a:lnSpc>
+              <a:spcBef>
+                <a:spcPct val="0"/>
+              </a:spcBef>
+              <a:spcAft>
+                <a:spcPts val="600"/>
+              </a:spcAft>
+            </a:pPr>
+            <a:endParaRPr lang="en-US" sz="4400" dirty="0">
+              <a:solidFill>
+                <a:srgbClr val="FFFFFF"/>
+              </a:solidFill>
+              <a:latin typeface="Arial Rounded MT Bold" panose="020F0704030504030204" pitchFamily="34" charset="0"/>
+              <a:ea typeface="+mj-ea"/>
+              <a:cs typeface="+mj-cs"/>
+            </a:endParaRPr>
+          </a:p>
+        </p:txBody>
+      </p:sp>
+      <p:sp>
+        <p:nvSpPr>
+          <p:cNvPr id="8" name="Szövegdoboz 7">
+            <a:extLst>
+              <a:ext uri="{FF2B5EF4-FFF2-40B4-BE49-F238E27FC236}">
+                <a16:creationId xmlns:a16="http://schemas.microsoft.com/office/drawing/2014/main" id="{2541CE1A-BE08-DFE6-4EA5-C8934FC0C2C1}"/>
+              </a:ext>
+            </a:extLst>
+          </p:cNvPr>
+          <p:cNvSpPr txBox="1"/>
+          <p:nvPr/>
+        </p:nvSpPr>
+        <p:spPr>
+          <a:xfrm>
+            <a:off x="191146" y="1811986"/>
+            <a:ext cx="10515600" cy="4351338"/>
+          </a:xfrm>
+          <a:prstGeom prst="rect">
+            <a:avLst/>
+          </a:prstGeom>
+        </p:spPr>
+        <p:txBody>
+          <a:bodyPr vert="horz" lIns="91440" tIns="45720" rIns="91440" bIns="45720" rtlCol="0">
+            <a:normAutofit/>
+          </a:bodyPr>
+          <a:lstStyle/>
+          <a:p>
+            <a:pPr marL="57150">
+              <a:lnSpc>
+                <a:spcPct val="90000"/>
+              </a:lnSpc>
+              <a:spcAft>
+                <a:spcPts val="600"/>
+              </a:spcAft>
+            </a:pPr>
+            <a:endParaRPr lang="en-US" dirty="0">
+              <a:solidFill>
+                <a:srgbClr val="FFFFFF"/>
+              </a:solidFill>
+              <a:latin typeface="Arial Rounded MT Bold" panose="020F0704030504030204" pitchFamily="34" charset="0"/>
+            </a:endParaRPr>
+          </a:p>
+        </p:txBody>
+      </p:sp>
+      <p:sp>
+        <p:nvSpPr>
+          <p:cNvPr id="2" name="Szövegdoboz 1">
+            <a:extLst>
+              <a:ext uri="{FF2B5EF4-FFF2-40B4-BE49-F238E27FC236}">
+                <a16:creationId xmlns:a16="http://schemas.microsoft.com/office/drawing/2014/main" id="{3B91AF8C-E048-EF1E-084B-A3849B327365}"/>
+              </a:ext>
+            </a:extLst>
+          </p:cNvPr>
+          <p:cNvSpPr txBox="1"/>
+          <p:nvPr/>
+        </p:nvSpPr>
+        <p:spPr>
+          <a:xfrm>
+            <a:off x="297025" y="1953928"/>
+            <a:ext cx="6883422" cy="369332"/>
+          </a:xfrm>
+          <a:prstGeom prst="rect">
+            <a:avLst/>
+          </a:prstGeom>
+          <a:noFill/>
+        </p:spPr>
+        <p:txBody>
+          <a:bodyPr wrap="square" rtlCol="0">
+            <a:spAutoFit/>
+          </a:bodyPr>
+          <a:lstStyle/>
+          <a:p>
+            <a:endParaRPr lang="hu-HU" dirty="0">
+              <a:latin typeface="Arial Rounded MT Bold" panose="020F0704030504030204" pitchFamily="34" charset="0"/>
+            </a:endParaRPr>
+          </a:p>
+        </p:txBody>
+      </p:sp>
+      <p:sp>
+        <p:nvSpPr>
+          <p:cNvPr id="3" name="Szövegdoboz 2"/>
+          <p:cNvSpPr txBox="1"/>
+          <p:nvPr/>
+        </p:nvSpPr>
+        <p:spPr>
+          <a:xfrm>
+            <a:off x="419450" y="486422"/>
+            <a:ext cx="10499052" cy="769441"/>
+          </a:xfrm>
+          <a:prstGeom prst="rect">
+            <a:avLst/>
+          </a:prstGeom>
+          <a:noFill/>
+        </p:spPr>
+        <p:txBody>
+          <a:bodyPr wrap="square" rtlCol="0">
+            <a:spAutoFit/>
+          </a:bodyPr>
+          <a:lstStyle/>
+          <a:p>
+            <a:r>
+              <a:rPr lang="hu-HU" sz="4400" b="1" dirty="0" smtClean="0">
+                <a:latin typeface="Arial Rounded MT Bold" panose="020F0704030504030204" pitchFamily="34" charset="0"/>
+              </a:rPr>
+              <a:t>A projekt részletesen</a:t>
+            </a:r>
+            <a:endParaRPr lang="hu-HU" sz="4400" b="1" dirty="0">
+              <a:latin typeface="Arial Rounded MT Bold" panose="020F0704030504030204" pitchFamily="34" charset="0"/>
+            </a:endParaRPr>
+          </a:p>
+        </p:txBody>
+      </p:sp>
+      <p:sp>
+        <p:nvSpPr>
+          <p:cNvPr id="5" name="Szövegdoboz 4"/>
+          <p:cNvSpPr txBox="1"/>
+          <p:nvPr/>
+        </p:nvSpPr>
+        <p:spPr>
+          <a:xfrm>
+            <a:off x="486561" y="1661020"/>
+            <a:ext cx="10638169" cy="923330"/>
+          </a:xfrm>
+          <a:prstGeom prst="rect">
+            <a:avLst/>
+          </a:prstGeom>
+          <a:noFill/>
+        </p:spPr>
+        <p:txBody>
+          <a:bodyPr wrap="none" rtlCol="0">
+            <a:spAutoFit/>
+          </a:bodyPr>
+          <a:lstStyle/>
+          <a:p>
+            <a:r>
+              <a:rPr lang="hu-HU" dirty="0" smtClean="0">
+                <a:latin typeface="Arial Rounded MT Bold" panose="020F0704030504030204" pitchFamily="34" charset="0"/>
+              </a:rPr>
+              <a:t>Jelenleg a projektnek az adatbázis, belépő és regisztrációs oldala van készen. </a:t>
+            </a:r>
+          </a:p>
+          <a:p>
+            <a:r>
+              <a:rPr lang="hu-HU" dirty="0" smtClean="0">
+                <a:latin typeface="Arial Rounded MT Bold" panose="020F0704030504030204" pitchFamily="34" charset="0"/>
+              </a:rPr>
+              <a:t>A projekt elkészítéséhez </a:t>
+            </a:r>
+            <a:r>
+              <a:rPr lang="hu-HU" dirty="0" err="1" smtClean="0">
+                <a:latin typeface="Arial Rounded MT Bold" panose="020F0704030504030204" pitchFamily="34" charset="0"/>
+              </a:rPr>
+              <a:t>Intellij</a:t>
+            </a:r>
+            <a:r>
+              <a:rPr lang="hu-HU" dirty="0">
+                <a:latin typeface="Arial Rounded MT Bold" panose="020F0704030504030204" pitchFamily="34" charset="0"/>
+              </a:rPr>
+              <a:t> </a:t>
+            </a:r>
+            <a:r>
+              <a:rPr lang="hu-HU" dirty="0" smtClean="0">
+                <a:latin typeface="Arial Rounded MT Bold" panose="020F0704030504030204" pitchFamily="34" charset="0"/>
+              </a:rPr>
+              <a:t>IDEA, </a:t>
+            </a:r>
+            <a:r>
+              <a:rPr lang="hu-HU" dirty="0" err="1" smtClean="0">
+                <a:latin typeface="Arial Rounded MT Bold" panose="020F0704030504030204" pitchFamily="34" charset="0"/>
+              </a:rPr>
+              <a:t>xampp</a:t>
+            </a:r>
+            <a:r>
+              <a:rPr lang="hu-HU" dirty="0" smtClean="0">
+                <a:latin typeface="Arial Rounded MT Bold" panose="020F0704030504030204" pitchFamily="34" charset="0"/>
+              </a:rPr>
+              <a:t> és Visual </a:t>
+            </a:r>
+            <a:r>
+              <a:rPr lang="hu-HU" dirty="0" err="1" smtClean="0">
+                <a:latin typeface="Arial Rounded MT Bold" panose="020F0704030504030204" pitchFamily="34" charset="0"/>
+              </a:rPr>
+              <a:t>Studio</a:t>
+            </a:r>
+            <a:r>
+              <a:rPr lang="hu-HU" dirty="0" smtClean="0">
+                <a:latin typeface="Arial Rounded MT Bold" panose="020F0704030504030204" pitchFamily="34" charset="0"/>
+              </a:rPr>
+              <a:t> </a:t>
+            </a:r>
+            <a:r>
+              <a:rPr lang="hu-HU" dirty="0" err="1" smtClean="0">
+                <a:latin typeface="Arial Rounded MT Bold" panose="020F0704030504030204" pitchFamily="34" charset="0"/>
+              </a:rPr>
+              <a:t>Code</a:t>
+            </a:r>
+            <a:r>
+              <a:rPr lang="hu-HU" dirty="0" smtClean="0">
+                <a:latin typeface="Arial Rounded MT Bold" panose="020F0704030504030204" pitchFamily="34" charset="0"/>
+              </a:rPr>
+              <a:t> programokban dolgozunk.</a:t>
+            </a:r>
+          </a:p>
+          <a:p>
+            <a:r>
+              <a:rPr lang="hu-HU" dirty="0" smtClean="0">
+                <a:latin typeface="Arial Rounded MT Bold" panose="020F0704030504030204" pitchFamily="34" charset="0"/>
+              </a:rPr>
+              <a:t>A projektet asztali számítógépre, laptopra és mobileszközre is fejlesztjük.</a:t>
+            </a:r>
+            <a:endParaRPr lang="hu-HU" dirty="0">
+              <a:latin typeface="Arial Rounded MT Bold" panose="020F0704030504030204" pitchFamily="34" charset="0"/>
+            </a:endParaRPr>
+          </a:p>
+        </p:txBody>
+      </p:sp>
+    </p:spTree>
+    <p:extLst>
+      <p:ext uri="{BB962C8B-B14F-4D97-AF65-F5344CB8AC3E}">
+        <p14:creationId xmlns:p14="http://schemas.microsoft.com/office/powerpoint/2010/main" val="1616549087"/>
+      </p:ext>
+    </p:extLst>
+  </p:cSld>
+  <p:clrMapOvr>
+    <a:overrideClrMapping bg1="dk1" tx1="lt1" bg2="dk2" tx2="lt2" accent1="accent1" accent2="accent2" accent3="accent3" accent4="accent4" accent5="accent5" accent6="accent6" hlink="hlink" folHlink="folHlink"/>
+  </p:clrMapOvr>
+</p:sld>
+</file>
+
+<file path=ppt/slides/slide6.xml><?xml version="1.0" encoding="utf-8"?>
+<p:sld xmlns:a="http://schemas.openxmlformats.org/drawingml/2006/main" xmlns:r="http://schemas.openxmlformats.org/officeDocument/2006/relationships" xmlns:p="http://schemas.openxmlformats.org/presentationml/2006/main">
+  <p:cSld>
+    <p:bg>
+      <p:bgPr>
+        <a:solidFill>
+          <a:schemeClr val="bg1"/>
+        </a:solidFill>
+        <a:effectLst/>
+      </p:bgPr>
+    </p:bg>
+    <p:spTree>
+      <p:nvGrpSpPr>
+        <p:cNvPr id="1" name=""/>
+        <p:cNvGrpSpPr/>
+        <p:nvPr/>
+      </p:nvGrpSpPr>
+      <p:grpSpPr>
+        <a:xfrm>
+          <a:off x="0" y="0"/>
+          <a:ext cx="0" cy="0"/>
+          <a:chOff x="0" y="0"/>
+          <a:chExt cx="0" cy="0"/>
+        </a:xfrm>
+      </p:grpSpPr>
+      <p:sp>
+        <p:nvSpPr>
+          <p:cNvPr id="36" name="Rectangle 21">
+            <a:extLst>
+              <a:ext uri="{FF2B5EF4-FFF2-40B4-BE49-F238E27FC236}">
+                <a16:creationId xmlns:a16="http://schemas.microsoft.com/office/drawing/2014/main" id="{9228552E-C8B1-4A80-8448-0787CE0FC704}"/>
+              </a:ext>
+              <a:ext uri="{C183D7F6-B498-43B3-948B-1728B52AA6E4}">
+                <adec:decorative xmlns:adec="http://schemas.microsoft.com/office/drawing/2017/decorative" xmlns="" val="1"/>
+              </a:ext>
+            </a:extLst>
+          </p:cNvPr>
+          <p:cNvSpPr>
+            <a:spLocks noGrp="1" noRot="1" noChangeAspect="1" noMove="1" noResize="1" noEditPoints="1" noAdjustHandles="1" noChangeArrowheads="1" noChangeShapeType="1" noTextEdit="1"/>
+          </p:cNvSpPr>
+          <p:nvPr>
+            <p:extLst>
+              <p:ext uri="{386F3935-93C4-4BCD-93E2-E3B085C9AB24}">
+                <p16:designElem xmlns:p16="http://schemas.microsoft.com/office/powerpoint/2015/main" val="1"/>
+              </p:ext>
+            </p:extLst>
+          </p:nvPr>
+        </p:nvSpPr>
+        <p:spPr>
+          <a:xfrm>
+            <a:off x="0" y="0"/>
+            <a:ext cx="12192000" cy="6858000"/>
+          </a:xfrm>
+          <a:prstGeom prst="rect">
+            <a:avLst/>
+          </a:prstGeom>
+          <a:solidFill>
+            <a:srgbClr val="000000"/>
+          </a:solidFill>
+          <a:ln>
+            <a:noFill/>
+          </a:ln>
+        </p:spPr>
+        <p:style>
+          <a:lnRef idx="2">
+            <a:schemeClr val="accent1">
+              <a:shade val="50000"/>
+            </a:schemeClr>
+          </a:lnRef>
+          <a:fillRef idx="1">
+            <a:schemeClr val="accent1"/>
+          </a:fillRef>
+          <a:effectRef idx="0">
+            <a:schemeClr val="accent1"/>
+          </a:effectRef>
+          <a:fontRef idx="minor">
+            <a:schemeClr val="lt1"/>
+          </a:fontRef>
+        </p:style>
+        <p:txBody>
+          <a:bodyPr rtlCol="0" anchor="ctr"/>
+          <a:lstStyle/>
+          <a:p>
+            <a:pPr algn="ctr"/>
+            <a:endParaRPr lang="en-US" dirty="0"/>
+          </a:p>
+        </p:txBody>
+      </p:sp>
+      <p:pic>
+        <p:nvPicPr>
+          <p:cNvPr id="10" name="Kép 9" descr="A képen bicikli, Biciklikerék, kerék, Bicikliváz látható&#10;&#10;Automatikusan generált leírás">
+            <a:extLst>
+              <a:ext uri="{FF2B5EF4-FFF2-40B4-BE49-F238E27FC236}">
+                <a16:creationId xmlns:a16="http://schemas.microsoft.com/office/drawing/2014/main" id="{66611E25-3099-AE31-C3F6-CA91CF4E89C9}"/>
+              </a:ext>
+            </a:extLst>
+          </p:cNvPr>
+          <p:cNvPicPr>
+            <a:picLocks noChangeAspect="1"/>
+          </p:cNvPicPr>
+          <p:nvPr/>
+        </p:nvPicPr>
+        <p:blipFill rotWithShape="1">
+          <a:blip r:embed="rId2">
+            <a:alphaModFix amt="35000"/>
+            <a:extLst>
+              <a:ext uri="{28A0092B-C50C-407E-A947-70E740481C1C}">
+                <a14:useLocalDpi xmlns:a14="http://schemas.microsoft.com/office/drawing/2010/main" val="0"/>
+              </a:ext>
+            </a:extLst>
+          </a:blip>
+          <a:srcRect/>
+          <a:stretch/>
+        </p:blipFill>
+        <p:spPr>
+          <a:xfrm>
+            <a:off x="20" y="10"/>
+            <a:ext cx="12191980" cy="6857990"/>
+          </a:xfrm>
+          <a:prstGeom prst="rect">
+            <a:avLst/>
+          </a:prstGeom>
+        </p:spPr>
+      </p:pic>
+      <p:sp>
+        <p:nvSpPr>
+          <p:cNvPr id="7" name="Szövegdoboz 6">
+            <a:extLst>
+              <a:ext uri="{FF2B5EF4-FFF2-40B4-BE49-F238E27FC236}">
+                <a16:creationId xmlns:a16="http://schemas.microsoft.com/office/drawing/2014/main" id="{3A615D6D-1CBA-5895-4A85-F39E0EF0F14B}"/>
+              </a:ext>
+            </a:extLst>
+          </p:cNvPr>
+          <p:cNvSpPr txBox="1"/>
+          <p:nvPr/>
+        </p:nvSpPr>
+        <p:spPr>
+          <a:xfrm>
+            <a:off x="297024" y="486423"/>
+            <a:ext cx="10515600" cy="1325563"/>
+          </a:xfrm>
+          <a:prstGeom prst="rect">
+            <a:avLst/>
+          </a:prstGeom>
+        </p:spPr>
+        <p:txBody>
+          <a:bodyPr vert="horz" lIns="91440" tIns="45720" rIns="91440" bIns="45720" rtlCol="0" anchor="ctr">
+            <a:normAutofit/>
+          </a:bodyPr>
+          <a:lstStyle/>
+          <a:p>
+            <a:pPr>
+              <a:lnSpc>
+                <a:spcPct val="90000"/>
+              </a:lnSpc>
+              <a:spcBef>
+                <a:spcPct val="0"/>
+              </a:spcBef>
+              <a:spcAft>
+                <a:spcPts val="600"/>
+              </a:spcAft>
+            </a:pPr>
+            <a:endParaRPr lang="en-US" sz="4400" dirty="0">
+              <a:solidFill>
+                <a:srgbClr val="FFFFFF"/>
+              </a:solidFill>
+              <a:latin typeface="Arial Rounded MT Bold" panose="020F0704030504030204" pitchFamily="34" charset="0"/>
+              <a:ea typeface="+mj-ea"/>
+              <a:cs typeface="+mj-cs"/>
+            </a:endParaRPr>
+          </a:p>
+        </p:txBody>
+      </p:sp>
+      <p:sp>
+        <p:nvSpPr>
+          <p:cNvPr id="8" name="Szövegdoboz 7">
+            <a:extLst>
+              <a:ext uri="{FF2B5EF4-FFF2-40B4-BE49-F238E27FC236}">
+                <a16:creationId xmlns:a16="http://schemas.microsoft.com/office/drawing/2014/main" id="{2541CE1A-BE08-DFE6-4EA5-C8934FC0C2C1}"/>
+              </a:ext>
+            </a:extLst>
+          </p:cNvPr>
+          <p:cNvSpPr txBox="1"/>
+          <p:nvPr/>
+        </p:nvSpPr>
+        <p:spPr>
+          <a:xfrm>
+            <a:off x="191146" y="1811986"/>
+            <a:ext cx="10515600" cy="4351338"/>
+          </a:xfrm>
+          <a:prstGeom prst="rect">
+            <a:avLst/>
+          </a:prstGeom>
+        </p:spPr>
+        <p:txBody>
+          <a:bodyPr vert="horz" lIns="91440" tIns="45720" rIns="91440" bIns="45720" rtlCol="0">
+            <a:normAutofit/>
+          </a:bodyPr>
+          <a:lstStyle/>
+          <a:p>
+            <a:pPr marL="57150">
+              <a:lnSpc>
+                <a:spcPct val="90000"/>
+              </a:lnSpc>
+              <a:spcAft>
+                <a:spcPts val="600"/>
+              </a:spcAft>
+            </a:pPr>
+            <a:endParaRPr lang="en-US" dirty="0">
+              <a:solidFill>
+                <a:srgbClr val="FFFFFF"/>
+              </a:solidFill>
+              <a:latin typeface="Arial Rounded MT Bold" panose="020F0704030504030204" pitchFamily="34" charset="0"/>
+            </a:endParaRPr>
+          </a:p>
+        </p:txBody>
+      </p:sp>
+      <p:sp>
+        <p:nvSpPr>
+          <p:cNvPr id="2" name="Szövegdoboz 1">
+            <a:extLst>
+              <a:ext uri="{FF2B5EF4-FFF2-40B4-BE49-F238E27FC236}">
+                <a16:creationId xmlns:a16="http://schemas.microsoft.com/office/drawing/2014/main" id="{3B91AF8C-E048-EF1E-084B-A3849B327365}"/>
+              </a:ext>
+            </a:extLst>
+          </p:cNvPr>
+          <p:cNvSpPr txBox="1"/>
+          <p:nvPr/>
+        </p:nvSpPr>
+        <p:spPr>
+          <a:xfrm>
+            <a:off x="297025" y="1953928"/>
+            <a:ext cx="6883422" cy="369332"/>
+          </a:xfrm>
+          <a:prstGeom prst="rect">
+            <a:avLst/>
+          </a:prstGeom>
+          <a:noFill/>
+        </p:spPr>
+        <p:txBody>
+          <a:bodyPr wrap="square" rtlCol="0">
+            <a:spAutoFit/>
+          </a:bodyPr>
+          <a:lstStyle/>
+          <a:p>
+            <a:endParaRPr lang="hu-HU" dirty="0">
+              <a:latin typeface="Arial Rounded MT Bold" panose="020F0704030504030204" pitchFamily="34" charset="0"/>
+            </a:endParaRPr>
+          </a:p>
+        </p:txBody>
+      </p:sp>
+      <p:sp>
+        <p:nvSpPr>
+          <p:cNvPr id="3" name="Szövegdoboz 2"/>
+          <p:cNvSpPr txBox="1"/>
+          <p:nvPr/>
+        </p:nvSpPr>
+        <p:spPr>
+          <a:xfrm>
+            <a:off x="419450" y="486422"/>
+            <a:ext cx="10499052" cy="769441"/>
+          </a:xfrm>
+          <a:prstGeom prst="rect">
+            <a:avLst/>
+          </a:prstGeom>
+          <a:noFill/>
+        </p:spPr>
+        <p:txBody>
+          <a:bodyPr wrap="square" rtlCol="0">
+            <a:spAutoFit/>
+          </a:bodyPr>
+          <a:lstStyle/>
+          <a:p>
+            <a:r>
+              <a:rPr lang="hu-HU" sz="4400" b="1" dirty="0" smtClean="0">
+                <a:latin typeface="Arial Rounded MT Bold" panose="020F0704030504030204" pitchFamily="34" charset="0"/>
+              </a:rPr>
+              <a:t>A projekt részletesen</a:t>
+            </a:r>
+            <a:endParaRPr lang="hu-HU" sz="4400" b="1" dirty="0">
+              <a:latin typeface="Arial Rounded MT Bold" panose="020F0704030504030204" pitchFamily="34" charset="0"/>
+            </a:endParaRPr>
+          </a:p>
+        </p:txBody>
+      </p:sp>
+      <p:sp>
+        <p:nvSpPr>
+          <p:cNvPr id="6" name="Szövegdoboz 5"/>
+          <p:cNvSpPr txBox="1"/>
+          <p:nvPr/>
+        </p:nvSpPr>
+        <p:spPr>
+          <a:xfrm>
+            <a:off x="4814052" y="5983575"/>
+            <a:ext cx="2553136" cy="369332"/>
+          </a:xfrm>
+          <a:prstGeom prst="rect">
+            <a:avLst/>
+          </a:prstGeom>
+          <a:noFill/>
+        </p:spPr>
+        <p:txBody>
+          <a:bodyPr wrap="none" rtlCol="0">
+            <a:spAutoFit/>
+          </a:bodyPr>
+          <a:lstStyle/>
+          <a:p>
+            <a:pPr algn="ctr"/>
+            <a:r>
+              <a:rPr lang="hu-HU" dirty="0" smtClean="0">
+                <a:latin typeface="Arial Rounded MT Bold" panose="020F0704030504030204" pitchFamily="34" charset="0"/>
+              </a:rPr>
+              <a:t>A regisztrációs oldal.</a:t>
+            </a:r>
+            <a:endParaRPr lang="hu-HU" dirty="0">
+              <a:latin typeface="Arial Rounded MT Bold" panose="020F0704030504030204" pitchFamily="34" charset="0"/>
+            </a:endParaRPr>
+          </a:p>
+        </p:txBody>
+      </p:sp>
+      <p:pic>
+        <p:nvPicPr>
+          <p:cNvPr id="9" name="Kép 8"/>
+          <p:cNvPicPr>
+            <a:picLocks noChangeAspect="1"/>
+          </p:cNvPicPr>
+          <p:nvPr/>
+        </p:nvPicPr>
+        <p:blipFill>
+          <a:blip r:embed="rId3"/>
+          <a:stretch>
+            <a:fillRect/>
+          </a:stretch>
+        </p:blipFill>
+        <p:spPr>
+          <a:xfrm>
+            <a:off x="1421556" y="1320286"/>
+            <a:ext cx="9338129" cy="4473706"/>
+          </a:xfrm>
+          <a:prstGeom prst="rect">
+            <a:avLst/>
+          </a:prstGeom>
+        </p:spPr>
+      </p:pic>
+    </p:spTree>
+    <p:extLst>
+      <p:ext uri="{BB962C8B-B14F-4D97-AF65-F5344CB8AC3E}">
+        <p14:creationId xmlns:p14="http://schemas.microsoft.com/office/powerpoint/2010/main" val="2761077229"/>
+      </p:ext>
+    </p:extLst>
+  </p:cSld>
+  <p:clrMapOvr>
+    <a:overrideClrMapping bg1="dk1" tx1="lt1" bg2="dk2" tx2="lt2" accent1="accent1" accent2="accent2" accent3="accent3" accent4="accent4" accent5="accent5" accent6="accent6" hlink="hlink" folHlink="folHlink"/>
+  </p:clrMapOvr>
+</p:sld>
+</file>
+
+<file path=ppt/slides/slide7.xml><?xml version="1.0" encoding="utf-8"?>
+<p:sld xmlns:a="http://schemas.openxmlformats.org/drawingml/2006/main" xmlns:r="http://schemas.openxmlformats.org/officeDocument/2006/relationships" xmlns:p="http://schemas.openxmlformats.org/presentationml/2006/main">
+  <p:cSld>
+    <p:bg>
+      <p:bgPr>
+        <a:solidFill>
+          <a:schemeClr val="bg1"/>
+        </a:solidFill>
+        <a:effectLst/>
+      </p:bgPr>
+    </p:bg>
+    <p:spTree>
+      <p:nvGrpSpPr>
+        <p:cNvPr id="1" name=""/>
+        <p:cNvGrpSpPr/>
+        <p:nvPr/>
+      </p:nvGrpSpPr>
+      <p:grpSpPr>
+        <a:xfrm>
+          <a:off x="0" y="0"/>
+          <a:ext cx="0" cy="0"/>
+          <a:chOff x="0" y="0"/>
+          <a:chExt cx="0" cy="0"/>
+        </a:xfrm>
+      </p:grpSpPr>
+      <p:sp>
+        <p:nvSpPr>
+          <p:cNvPr id="36" name="Rectangle 21">
+            <a:extLst>
+              <a:ext uri="{FF2B5EF4-FFF2-40B4-BE49-F238E27FC236}">
+                <a16:creationId xmlns:a16="http://schemas.microsoft.com/office/drawing/2014/main" id="{9228552E-C8B1-4A80-8448-0787CE0FC704}"/>
+              </a:ext>
+              <a:ext uri="{C183D7F6-B498-43B3-948B-1728B52AA6E4}">
+                <adec:decorative xmlns:adec="http://schemas.microsoft.com/office/drawing/2017/decorative" xmlns="" val="1"/>
+              </a:ext>
+            </a:extLst>
+          </p:cNvPr>
+          <p:cNvSpPr>
+            <a:spLocks noGrp="1" noRot="1" noChangeAspect="1" noMove="1" noResize="1" noEditPoints="1" noAdjustHandles="1" noChangeArrowheads="1" noChangeShapeType="1" noTextEdit="1"/>
+          </p:cNvSpPr>
+          <p:nvPr>
+            <p:extLst>
+              <p:ext uri="{386F3935-93C4-4BCD-93E2-E3B085C9AB24}">
+                <p16:designElem xmlns:p16="http://schemas.microsoft.com/office/powerpoint/2015/main" val="1"/>
+              </p:ext>
+            </p:extLst>
+          </p:nvPr>
+        </p:nvSpPr>
+        <p:spPr>
+          <a:xfrm>
+            <a:off x="0" y="0"/>
+            <a:ext cx="12192000" cy="6858000"/>
+          </a:xfrm>
+          <a:prstGeom prst="rect">
+            <a:avLst/>
+          </a:prstGeom>
+          <a:solidFill>
+            <a:srgbClr val="000000"/>
+          </a:solidFill>
+          <a:ln>
+            <a:noFill/>
+          </a:ln>
+        </p:spPr>
+        <p:style>
+          <a:lnRef idx="2">
+            <a:schemeClr val="accent1">
+              <a:shade val="50000"/>
+            </a:schemeClr>
+          </a:lnRef>
+          <a:fillRef idx="1">
+            <a:schemeClr val="accent1"/>
+          </a:fillRef>
+          <a:effectRef idx="0">
+            <a:schemeClr val="accent1"/>
+          </a:effectRef>
+          <a:fontRef idx="minor">
+            <a:schemeClr val="lt1"/>
+          </a:fontRef>
+        </p:style>
+        <p:txBody>
+          <a:bodyPr rtlCol="0" anchor="ctr"/>
+          <a:lstStyle/>
+          <a:p>
+            <a:pPr algn="ctr"/>
+            <a:endParaRPr lang="en-US" dirty="0"/>
+          </a:p>
+        </p:txBody>
+      </p:sp>
+      <p:pic>
+        <p:nvPicPr>
+          <p:cNvPr id="10" name="Kép 9" descr="A képen bicikli, Biciklikerék, kerék, Bicikliváz látható&#10;&#10;Automatikusan generált leírás">
+            <a:extLst>
+              <a:ext uri="{FF2B5EF4-FFF2-40B4-BE49-F238E27FC236}">
+                <a16:creationId xmlns:a16="http://schemas.microsoft.com/office/drawing/2014/main" id="{66611E25-3099-AE31-C3F6-CA91CF4E89C9}"/>
+              </a:ext>
+            </a:extLst>
+          </p:cNvPr>
+          <p:cNvPicPr>
+            <a:picLocks noChangeAspect="1"/>
+          </p:cNvPicPr>
+          <p:nvPr/>
+        </p:nvPicPr>
+        <p:blipFill rotWithShape="1">
+          <a:blip r:embed="rId2">
+            <a:alphaModFix amt="35000"/>
+            <a:extLst>
+              <a:ext uri="{28A0092B-C50C-407E-A947-70E740481C1C}">
+                <a14:useLocalDpi xmlns:a14="http://schemas.microsoft.com/office/drawing/2010/main" val="0"/>
+              </a:ext>
+            </a:extLst>
+          </a:blip>
+          <a:srcRect/>
+          <a:stretch/>
+        </p:blipFill>
+        <p:spPr>
+          <a:xfrm>
+            <a:off x="20" y="10"/>
+            <a:ext cx="12191980" cy="6857990"/>
+          </a:xfrm>
+          <a:prstGeom prst="rect">
+            <a:avLst/>
+          </a:prstGeom>
+        </p:spPr>
+      </p:pic>
+      <p:sp>
+        <p:nvSpPr>
+          <p:cNvPr id="7" name="Szövegdoboz 6">
+            <a:extLst>
+              <a:ext uri="{FF2B5EF4-FFF2-40B4-BE49-F238E27FC236}">
+                <a16:creationId xmlns:a16="http://schemas.microsoft.com/office/drawing/2014/main" id="{3A615D6D-1CBA-5895-4A85-F39E0EF0F14B}"/>
+              </a:ext>
+            </a:extLst>
+          </p:cNvPr>
+          <p:cNvSpPr txBox="1"/>
+          <p:nvPr/>
+        </p:nvSpPr>
+        <p:spPr>
+          <a:xfrm>
+            <a:off x="297024" y="486423"/>
+            <a:ext cx="10515600" cy="1325563"/>
+          </a:xfrm>
+          <a:prstGeom prst="rect">
+            <a:avLst/>
+          </a:prstGeom>
+        </p:spPr>
+        <p:txBody>
+          <a:bodyPr vert="horz" lIns="91440" tIns="45720" rIns="91440" bIns="45720" rtlCol="0" anchor="ctr">
+            <a:normAutofit/>
+          </a:bodyPr>
+          <a:lstStyle/>
+          <a:p>
+            <a:pPr>
+              <a:lnSpc>
+                <a:spcPct val="90000"/>
+              </a:lnSpc>
+              <a:spcBef>
+                <a:spcPct val="0"/>
+              </a:spcBef>
+              <a:spcAft>
+                <a:spcPts val="600"/>
+              </a:spcAft>
+            </a:pPr>
+            <a:endParaRPr lang="en-US" sz="4400" dirty="0">
+              <a:solidFill>
+                <a:srgbClr val="FFFFFF"/>
+              </a:solidFill>
+              <a:latin typeface="Arial Rounded MT Bold" panose="020F0704030504030204" pitchFamily="34" charset="0"/>
+              <a:ea typeface="+mj-ea"/>
+              <a:cs typeface="+mj-cs"/>
+            </a:endParaRPr>
+          </a:p>
+        </p:txBody>
+      </p:sp>
+      <p:sp>
+        <p:nvSpPr>
+          <p:cNvPr id="8" name="Szövegdoboz 7">
+            <a:extLst>
+              <a:ext uri="{FF2B5EF4-FFF2-40B4-BE49-F238E27FC236}">
+                <a16:creationId xmlns:a16="http://schemas.microsoft.com/office/drawing/2014/main" id="{2541CE1A-BE08-DFE6-4EA5-C8934FC0C2C1}"/>
+              </a:ext>
+            </a:extLst>
+          </p:cNvPr>
+          <p:cNvSpPr txBox="1"/>
+          <p:nvPr/>
+        </p:nvSpPr>
+        <p:spPr>
+          <a:xfrm>
+            <a:off x="191146" y="1811986"/>
+            <a:ext cx="10515600" cy="4351338"/>
+          </a:xfrm>
+          <a:prstGeom prst="rect">
+            <a:avLst/>
+          </a:prstGeom>
+        </p:spPr>
+        <p:txBody>
+          <a:bodyPr vert="horz" lIns="91440" tIns="45720" rIns="91440" bIns="45720" rtlCol="0">
+            <a:normAutofit/>
+          </a:bodyPr>
+          <a:lstStyle/>
+          <a:p>
+            <a:pPr marL="57150">
+              <a:lnSpc>
+                <a:spcPct val="90000"/>
+              </a:lnSpc>
+              <a:spcAft>
+                <a:spcPts val="600"/>
+              </a:spcAft>
+            </a:pPr>
+            <a:endParaRPr lang="en-US" dirty="0">
+              <a:solidFill>
+                <a:srgbClr val="FFFFFF"/>
+              </a:solidFill>
+              <a:latin typeface="Arial Rounded MT Bold" panose="020F0704030504030204" pitchFamily="34" charset="0"/>
+            </a:endParaRPr>
+          </a:p>
+        </p:txBody>
+      </p:sp>
+      <p:sp>
+        <p:nvSpPr>
+          <p:cNvPr id="2" name="Szövegdoboz 1">
+            <a:extLst>
+              <a:ext uri="{FF2B5EF4-FFF2-40B4-BE49-F238E27FC236}">
+                <a16:creationId xmlns:a16="http://schemas.microsoft.com/office/drawing/2014/main" id="{3B91AF8C-E048-EF1E-084B-A3849B327365}"/>
+              </a:ext>
+            </a:extLst>
+          </p:cNvPr>
+          <p:cNvSpPr txBox="1"/>
+          <p:nvPr/>
+        </p:nvSpPr>
+        <p:spPr>
+          <a:xfrm>
+            <a:off x="297025" y="1953928"/>
+            <a:ext cx="6883422" cy="369332"/>
+          </a:xfrm>
+          <a:prstGeom prst="rect">
+            <a:avLst/>
+          </a:prstGeom>
+          <a:noFill/>
+        </p:spPr>
+        <p:txBody>
+          <a:bodyPr wrap="square" rtlCol="0">
+            <a:spAutoFit/>
+          </a:bodyPr>
+          <a:lstStyle/>
+          <a:p>
+            <a:endParaRPr lang="hu-HU" dirty="0">
+              <a:latin typeface="Arial Rounded MT Bold" panose="020F0704030504030204" pitchFamily="34" charset="0"/>
+            </a:endParaRPr>
+          </a:p>
+        </p:txBody>
+      </p:sp>
+      <p:sp>
+        <p:nvSpPr>
+          <p:cNvPr id="3" name="Szövegdoboz 2"/>
+          <p:cNvSpPr txBox="1"/>
+          <p:nvPr/>
+        </p:nvSpPr>
+        <p:spPr>
+          <a:xfrm>
+            <a:off x="419450" y="486422"/>
+            <a:ext cx="10499052" cy="769441"/>
+          </a:xfrm>
+          <a:prstGeom prst="rect">
+            <a:avLst/>
+          </a:prstGeom>
+          <a:noFill/>
+        </p:spPr>
+        <p:txBody>
+          <a:bodyPr wrap="square" rtlCol="0">
+            <a:spAutoFit/>
+          </a:bodyPr>
+          <a:lstStyle/>
+          <a:p>
+            <a:r>
+              <a:rPr lang="hu-HU" sz="4400" b="1" dirty="0" smtClean="0">
+                <a:latin typeface="Arial Rounded MT Bold" panose="020F0704030504030204" pitchFamily="34" charset="0"/>
+              </a:rPr>
+              <a:t>A projekt részletesen</a:t>
+            </a:r>
+            <a:endParaRPr lang="hu-HU" sz="4400" b="1" dirty="0">
+              <a:latin typeface="Arial Rounded MT Bold" panose="020F0704030504030204" pitchFamily="34" charset="0"/>
+            </a:endParaRPr>
+          </a:p>
+        </p:txBody>
+      </p:sp>
+      <p:sp>
+        <p:nvSpPr>
+          <p:cNvPr id="6" name="Szövegdoboz 5"/>
+          <p:cNvSpPr txBox="1"/>
+          <p:nvPr/>
+        </p:nvSpPr>
+        <p:spPr>
+          <a:xfrm>
+            <a:off x="4774686" y="5983575"/>
+            <a:ext cx="2631875" cy="369332"/>
+          </a:xfrm>
+          <a:prstGeom prst="rect">
+            <a:avLst/>
+          </a:prstGeom>
+          <a:noFill/>
+        </p:spPr>
+        <p:txBody>
+          <a:bodyPr wrap="none" rtlCol="0">
+            <a:spAutoFit/>
+          </a:bodyPr>
+          <a:lstStyle/>
+          <a:p>
+            <a:pPr algn="ctr"/>
+            <a:r>
+              <a:rPr lang="hu-HU" dirty="0" smtClean="0">
+                <a:latin typeface="Arial Rounded MT Bold" panose="020F0704030504030204" pitchFamily="34" charset="0"/>
+              </a:rPr>
+              <a:t>A bejelentkezés oldal.</a:t>
+            </a:r>
+            <a:endParaRPr lang="hu-HU" dirty="0">
+              <a:latin typeface="Arial Rounded MT Bold" panose="020F0704030504030204" pitchFamily="34" charset="0"/>
+            </a:endParaRPr>
+          </a:p>
+        </p:txBody>
+      </p:sp>
+      <p:pic>
+        <p:nvPicPr>
+          <p:cNvPr id="11" name="Kép 10"/>
+          <p:cNvPicPr>
+            <a:picLocks noChangeAspect="1"/>
+          </p:cNvPicPr>
+          <p:nvPr/>
+        </p:nvPicPr>
+        <p:blipFill>
+          <a:blip r:embed="rId3"/>
+          <a:stretch>
+            <a:fillRect/>
+          </a:stretch>
+        </p:blipFill>
+        <p:spPr>
+          <a:xfrm>
+            <a:off x="1421556" y="1320286"/>
+            <a:ext cx="9338129" cy="4473706"/>
+          </a:xfrm>
+          <a:prstGeom prst="rect">
+            <a:avLst/>
+          </a:prstGeom>
+        </p:spPr>
+      </p:pic>
+    </p:spTree>
+    <p:extLst>
+      <p:ext uri="{BB962C8B-B14F-4D97-AF65-F5344CB8AC3E}">
+        <p14:creationId xmlns:p14="http://schemas.microsoft.com/office/powerpoint/2010/main" val="1876370004"/>
+      </p:ext>
+    </p:extLst>
+  </p:cSld>
+  <p:clrMapOvr>
+    <a:overrideClrMapping bg1="dk1" tx1="lt1" bg2="dk2" tx2="lt2" accent1="accent1" accent2="accent2" accent3="accent3" accent4="accent4" accent5="accent5" accent6="accent6" hlink="hlink" folHlink="folHlink"/>
+  </p:clrMapOvr>
+</p:sld>
+</file>
+
+<file path=ppt/slides/slide8.xml><?xml version="1.0" encoding="utf-8"?>
+<p:sld xmlns:a="http://schemas.openxmlformats.org/drawingml/2006/main" xmlns:r="http://schemas.openxmlformats.org/officeDocument/2006/relationships" xmlns:p="http://schemas.openxmlformats.org/presentationml/2006/main">
+  <p:cSld>
+    <p:bg>
+      <p:bgPr>
+        <a:solidFill>
+          <a:schemeClr val="bg1"/>
+        </a:solidFill>
+        <a:effectLst/>
+      </p:bgPr>
+    </p:bg>
+    <p:spTree>
+      <p:nvGrpSpPr>
+        <p:cNvPr id="1" name=""/>
+        <p:cNvGrpSpPr/>
+        <p:nvPr/>
+      </p:nvGrpSpPr>
+      <p:grpSpPr>
+        <a:xfrm>
+          <a:off x="0" y="0"/>
+          <a:ext cx="0" cy="0"/>
+          <a:chOff x="0" y="0"/>
+          <a:chExt cx="0" cy="0"/>
+        </a:xfrm>
+      </p:grpSpPr>
+      <p:sp>
+        <p:nvSpPr>
+          <p:cNvPr id="36" name="Rectangle 21">
+            <a:extLst>
+              <a:ext uri="{FF2B5EF4-FFF2-40B4-BE49-F238E27FC236}">
+                <a16:creationId xmlns:a16="http://schemas.microsoft.com/office/drawing/2014/main" id="{9228552E-C8B1-4A80-8448-0787CE0FC704}"/>
+              </a:ext>
+              <a:ext uri="{C183D7F6-B498-43B3-948B-1728B52AA6E4}">
+                <adec:decorative xmlns:adec="http://schemas.microsoft.com/office/drawing/2017/decorative" xmlns="" val="1"/>
+              </a:ext>
+            </a:extLst>
+          </p:cNvPr>
+          <p:cNvSpPr>
+            <a:spLocks noGrp="1" noRot="1" noChangeAspect="1" noMove="1" noResize="1" noEditPoints="1" noAdjustHandles="1" noChangeArrowheads="1" noChangeShapeType="1" noTextEdit="1"/>
+          </p:cNvSpPr>
+          <p:nvPr>
+            <p:extLst>
+              <p:ext uri="{386F3935-93C4-4BCD-93E2-E3B085C9AB24}">
+                <p16:designElem xmlns:p16="http://schemas.microsoft.com/office/powerpoint/2015/main" val="1"/>
+              </p:ext>
+            </p:extLst>
+          </p:nvPr>
+        </p:nvSpPr>
+        <p:spPr>
+          <a:xfrm>
+            <a:off x="0" y="0"/>
+            <a:ext cx="12192000" cy="6858000"/>
+          </a:xfrm>
+          <a:prstGeom prst="rect">
+            <a:avLst/>
+          </a:prstGeom>
+          <a:solidFill>
+            <a:srgbClr val="000000"/>
+          </a:solidFill>
+          <a:ln>
+            <a:noFill/>
+          </a:ln>
+        </p:spPr>
+        <p:style>
+          <a:lnRef idx="2">
+            <a:schemeClr val="accent1">
+              <a:shade val="50000"/>
+            </a:schemeClr>
+          </a:lnRef>
+          <a:fillRef idx="1">
+            <a:schemeClr val="accent1"/>
+          </a:fillRef>
+          <a:effectRef idx="0">
+            <a:schemeClr val="accent1"/>
+          </a:effectRef>
+          <a:fontRef idx="minor">
+            <a:schemeClr val="lt1"/>
+          </a:fontRef>
+        </p:style>
+        <p:txBody>
+          <a:bodyPr rtlCol="0" anchor="ctr"/>
+          <a:lstStyle/>
+          <a:p>
+            <a:pPr algn="ctr"/>
+            <a:endParaRPr lang="en-US" dirty="0"/>
+          </a:p>
+        </p:txBody>
+      </p:sp>
+      <p:pic>
+        <p:nvPicPr>
+          <p:cNvPr id="10" name="Kép 9" descr="A képen bicikli, Biciklikerék, kerék, Bicikliváz látható&#10;&#10;Automatikusan generált leírás">
+            <a:extLst>
+              <a:ext uri="{FF2B5EF4-FFF2-40B4-BE49-F238E27FC236}">
+                <a16:creationId xmlns:a16="http://schemas.microsoft.com/office/drawing/2014/main" id="{66611E25-3099-AE31-C3F6-CA91CF4E89C9}"/>
+              </a:ext>
+            </a:extLst>
+          </p:cNvPr>
+          <p:cNvPicPr>
+            <a:picLocks noChangeAspect="1"/>
+          </p:cNvPicPr>
+          <p:nvPr/>
+        </p:nvPicPr>
+        <p:blipFill rotWithShape="1">
+          <a:blip r:embed="rId2">
+            <a:alphaModFix amt="35000"/>
+            <a:extLst>
+              <a:ext uri="{28A0092B-C50C-407E-A947-70E740481C1C}">
+                <a14:useLocalDpi xmlns:a14="http://schemas.microsoft.com/office/drawing/2010/main" val="0"/>
+              </a:ext>
+            </a:extLst>
+          </a:blip>
+          <a:srcRect/>
+          <a:stretch/>
+        </p:blipFill>
+        <p:spPr>
+          <a:xfrm>
+            <a:off x="0" y="10"/>
+            <a:ext cx="12191980" cy="6857990"/>
+          </a:xfrm>
+          <a:prstGeom prst="rect">
+            <a:avLst/>
+          </a:prstGeom>
+        </p:spPr>
+      </p:pic>
+      <p:sp>
+        <p:nvSpPr>
+          <p:cNvPr id="7" name="Szövegdoboz 6">
+            <a:extLst>
+              <a:ext uri="{FF2B5EF4-FFF2-40B4-BE49-F238E27FC236}">
+                <a16:creationId xmlns:a16="http://schemas.microsoft.com/office/drawing/2014/main" id="{3A615D6D-1CBA-5895-4A85-F39E0EF0F14B}"/>
+              </a:ext>
+            </a:extLst>
+          </p:cNvPr>
+          <p:cNvSpPr txBox="1"/>
+          <p:nvPr/>
+        </p:nvSpPr>
+        <p:spPr>
+          <a:xfrm>
+            <a:off x="297024" y="486423"/>
+            <a:ext cx="10515600" cy="1325563"/>
+          </a:xfrm>
+          <a:prstGeom prst="rect">
+            <a:avLst/>
+          </a:prstGeom>
+        </p:spPr>
+        <p:txBody>
+          <a:bodyPr vert="horz" lIns="91440" tIns="45720" rIns="91440" bIns="45720" rtlCol="0" anchor="ctr">
+            <a:normAutofit/>
+          </a:bodyPr>
+          <a:lstStyle/>
+          <a:p>
+            <a:pPr>
+              <a:lnSpc>
+                <a:spcPct val="90000"/>
+              </a:lnSpc>
+              <a:spcBef>
+                <a:spcPct val="0"/>
+              </a:spcBef>
+              <a:spcAft>
+                <a:spcPts val="600"/>
+              </a:spcAft>
+            </a:pPr>
+            <a:endParaRPr lang="en-US" sz="4400" dirty="0">
+              <a:solidFill>
+                <a:srgbClr val="FFFFFF"/>
+              </a:solidFill>
+              <a:latin typeface="Arial Rounded MT Bold" panose="020F0704030504030204" pitchFamily="34" charset="0"/>
+              <a:ea typeface="+mj-ea"/>
+              <a:cs typeface="+mj-cs"/>
+            </a:endParaRPr>
+          </a:p>
+        </p:txBody>
+      </p:sp>
+      <p:sp>
+        <p:nvSpPr>
+          <p:cNvPr id="8" name="Szövegdoboz 7">
+            <a:extLst>
+              <a:ext uri="{FF2B5EF4-FFF2-40B4-BE49-F238E27FC236}">
+                <a16:creationId xmlns:a16="http://schemas.microsoft.com/office/drawing/2014/main" id="{2541CE1A-BE08-DFE6-4EA5-C8934FC0C2C1}"/>
+              </a:ext>
+            </a:extLst>
+          </p:cNvPr>
+          <p:cNvSpPr txBox="1"/>
+          <p:nvPr/>
+        </p:nvSpPr>
+        <p:spPr>
+          <a:xfrm>
+            <a:off x="191146" y="1811986"/>
+            <a:ext cx="10515600" cy="4351338"/>
+          </a:xfrm>
+          <a:prstGeom prst="rect">
+            <a:avLst/>
+          </a:prstGeom>
+        </p:spPr>
+        <p:txBody>
+          <a:bodyPr vert="horz" lIns="91440" tIns="45720" rIns="91440" bIns="45720" rtlCol="0">
+            <a:normAutofit/>
+          </a:bodyPr>
+          <a:lstStyle/>
+          <a:p>
+            <a:pPr marL="57150">
+              <a:lnSpc>
+                <a:spcPct val="90000"/>
+              </a:lnSpc>
+              <a:spcAft>
+                <a:spcPts val="600"/>
+              </a:spcAft>
+            </a:pPr>
+            <a:endParaRPr lang="en-US" dirty="0">
+              <a:solidFill>
+                <a:srgbClr val="FFFFFF"/>
+              </a:solidFill>
+              <a:latin typeface="Arial Rounded MT Bold" panose="020F0704030504030204" pitchFamily="34" charset="0"/>
+            </a:endParaRPr>
+          </a:p>
+        </p:txBody>
+      </p:sp>
+      <p:sp>
+        <p:nvSpPr>
+          <p:cNvPr id="2" name="Szövegdoboz 1">
+            <a:extLst>
+              <a:ext uri="{FF2B5EF4-FFF2-40B4-BE49-F238E27FC236}">
+                <a16:creationId xmlns:a16="http://schemas.microsoft.com/office/drawing/2014/main" id="{3B91AF8C-E048-EF1E-084B-A3849B327365}"/>
+              </a:ext>
+            </a:extLst>
+          </p:cNvPr>
+          <p:cNvSpPr txBox="1"/>
+          <p:nvPr/>
+        </p:nvSpPr>
+        <p:spPr>
+          <a:xfrm>
+            <a:off x="297024" y="1996652"/>
+            <a:ext cx="6883422" cy="369332"/>
+          </a:xfrm>
+          <a:prstGeom prst="rect">
+            <a:avLst/>
+          </a:prstGeom>
+          <a:noFill/>
+        </p:spPr>
+        <p:txBody>
+          <a:bodyPr wrap="square" rtlCol="0">
+            <a:spAutoFit/>
+          </a:bodyPr>
+          <a:lstStyle/>
+          <a:p>
+            <a:endParaRPr lang="hu-HU" dirty="0">
+              <a:latin typeface="Arial Rounded MT Bold" panose="020F0704030504030204" pitchFamily="34" charset="0"/>
+            </a:endParaRPr>
+          </a:p>
+        </p:txBody>
+      </p:sp>
+      <p:sp>
+        <p:nvSpPr>
+          <p:cNvPr id="3" name="Szövegdoboz 2"/>
+          <p:cNvSpPr txBox="1"/>
+          <p:nvPr/>
+        </p:nvSpPr>
+        <p:spPr>
+          <a:xfrm>
+            <a:off x="2868010" y="3044279"/>
+            <a:ext cx="10499052" cy="769441"/>
+          </a:xfrm>
+          <a:prstGeom prst="rect">
+            <a:avLst/>
+          </a:prstGeom>
+          <a:noFill/>
+        </p:spPr>
+        <p:txBody>
+          <a:bodyPr wrap="square" rtlCol="0">
+            <a:spAutoFit/>
+          </a:bodyPr>
+          <a:lstStyle/>
+          <a:p>
+            <a:r>
+              <a:rPr lang="hu-HU" sz="4400" b="1" dirty="0" smtClean="0">
+                <a:latin typeface="Arial Rounded MT Bold" panose="020F0704030504030204" pitchFamily="34" charset="0"/>
+              </a:rPr>
+              <a:t>Köszönjük a figyelmet!</a:t>
+            </a:r>
+            <a:endParaRPr lang="hu-HU" sz="4400" b="1" dirty="0">
+              <a:latin typeface="Arial Rounded MT Bold" panose="020F0704030504030204" pitchFamily="34" charset="0"/>
+            </a:endParaRPr>
+          </a:p>
+        </p:txBody>
+      </p:sp>
+    </p:spTree>
+    <p:extLst>
+      <p:ext uri="{BB962C8B-B14F-4D97-AF65-F5344CB8AC3E}">
+        <p14:creationId xmlns:p14="http://schemas.microsoft.com/office/powerpoint/2010/main" val="3432928219"/>
+      </p:ext>
+    </p:extLst>
+  </p:cSld>
+  <p:clrMapOvr>
+    <a:overrideClrMapping bg1="dk1" tx1="lt1" bg2="dk2" tx2="lt2" accent1="accent1" accent2="accent2" accent3="accent3" accent4="accent4" accent5="accent5" accent6="accent6" hlink="hlink" folHlink="folHlink"/>
+  </p:clrMapOvr>
+</p:sld>
+</file>
+
 <file path=ppt/theme/theme1.xml><?xml version="1.0" encoding="utf-8"?>
 <a:theme xmlns:a="http://schemas.openxmlformats.org/drawingml/2006/main" name="Office-téma">
   <a:themeElements>

--- a/ppt/Kerekegyensúly.pptx
+++ b/ppt/Kerekegyensúly.pptx
@@ -9,10 +9,11 @@
     <p:sldId id="257" r:id="rId3"/>
     <p:sldId id="258" r:id="rId4"/>
     <p:sldId id="259" r:id="rId5"/>
-    <p:sldId id="260" r:id="rId6"/>
-    <p:sldId id="261" r:id="rId7"/>
-    <p:sldId id="262" r:id="rId8"/>
-    <p:sldId id="263" r:id="rId9"/>
+    <p:sldId id="264" r:id="rId6"/>
+    <p:sldId id="260" r:id="rId7"/>
+    <p:sldId id="261" r:id="rId8"/>
+    <p:sldId id="262" r:id="rId9"/>
+    <p:sldId id="263" r:id="rId10"/>
   </p:sldIdLst>
   <p:sldSz cx="12192000" cy="6858000"/>
   <p:notesSz cx="6858000" cy="9144000"/>
@@ -128,6 +129,1069 @@
     </p:ext>
   </p:extLst>
 </p:presentation>
+</file>
+
+<file path=ppt/charts/chart1.xml><?xml version="1.0" encoding="utf-8"?>
+<c:chartSpace xmlns:c="http://schemas.openxmlformats.org/drawingml/2006/chart" xmlns:a="http://schemas.openxmlformats.org/drawingml/2006/main" xmlns:r="http://schemas.openxmlformats.org/officeDocument/2006/relationships" xmlns:c16r2="http://schemas.microsoft.com/office/drawing/2015/06/chart">
+  <c:date1904 val="0"/>
+  <c:lang val="hu-HU"/>
+  <c:roundedCorners val="0"/>
+  <mc:AlternateContent xmlns:mc="http://schemas.openxmlformats.org/markup-compatibility/2006">
+    <mc:Choice xmlns:c14="http://schemas.microsoft.com/office/drawing/2007/8/2/chart" Requires="c14">
+      <c14:style val="102"/>
+    </mc:Choice>
+    <mc:Fallback>
+      <c:style val="2"/>
+    </mc:Fallback>
+  </mc:AlternateContent>
+  <c:chart>
+    <c:title>
+      <c:tx>
+        <c:rich>
+          <a:bodyPr rot="0" spcFirstLastPara="1" vertOverflow="ellipsis" vert="horz" wrap="square" anchor="ctr" anchorCtr="1"/>
+          <a:lstStyle/>
+          <a:p>
+            <a:pPr>
+              <a:defRPr sz="2128" b="1" i="0" u="none" strike="noStrike" kern="1200" spc="100" baseline="0">
+                <a:solidFill>
+                  <a:schemeClr val="lt1">
+                    <a:lumMod val="95000"/>
+                  </a:schemeClr>
+                </a:solidFill>
+                <a:effectLst>
+                  <a:outerShdw blurRad="50800" dist="38100" dir="5400000" algn="t" rotWithShape="0">
+                    <a:prstClr val="black">
+                      <a:alpha val="40000"/>
+                    </a:prstClr>
+                  </a:outerShdw>
+                </a:effectLst>
+                <a:latin typeface="+mn-lt"/>
+                <a:ea typeface="+mn-ea"/>
+                <a:cs typeface="+mn-cs"/>
+              </a:defRPr>
+            </a:pPr>
+            <a:r>
+              <a:rPr lang="hu-HU" dirty="0"/>
+              <a:t>Idő Diagram</a:t>
+            </a:r>
+          </a:p>
+        </c:rich>
+      </c:tx>
+      <c:overlay val="0"/>
+      <c:spPr>
+        <a:noFill/>
+        <a:ln>
+          <a:noFill/>
+        </a:ln>
+        <a:effectLst/>
+      </c:spPr>
+      <c:txPr>
+        <a:bodyPr rot="0" spcFirstLastPara="1" vertOverflow="ellipsis" vert="horz" wrap="square" anchor="ctr" anchorCtr="1"/>
+        <a:lstStyle/>
+        <a:p>
+          <a:pPr>
+            <a:defRPr sz="2128" b="1" i="0" u="none" strike="noStrike" kern="1200" spc="100" baseline="0">
+              <a:solidFill>
+                <a:schemeClr val="lt1">
+                  <a:lumMod val="95000"/>
+                </a:schemeClr>
+              </a:solidFill>
+              <a:effectLst>
+                <a:outerShdw blurRad="50800" dist="38100" dir="5400000" algn="t" rotWithShape="0">
+                  <a:prstClr val="black">
+                    <a:alpha val="40000"/>
+                  </a:prstClr>
+                </a:outerShdw>
+              </a:effectLst>
+              <a:latin typeface="+mn-lt"/>
+              <a:ea typeface="+mn-ea"/>
+              <a:cs typeface="+mn-cs"/>
+            </a:defRPr>
+          </a:pPr>
+          <a:endParaRPr lang="hu-HU"/>
+        </a:p>
+      </c:txPr>
+    </c:title>
+    <c:autoTitleDeleted val="0"/>
+    <c:plotArea>
+      <c:layout/>
+      <c:lineChart>
+        <c:grouping val="standard"/>
+        <c:varyColors val="0"/>
+        <c:ser>
+          <c:idx val="0"/>
+          <c:order val="0"/>
+          <c:tx>
+            <c:strRef>
+              <c:f>Munka1!$B$2</c:f>
+              <c:strCache>
+                <c:ptCount val="1"/>
+                <c:pt idx="0">
+                  <c:v>Project</c:v>
+                </c:pt>
+              </c:strCache>
+            </c:strRef>
+          </c:tx>
+          <c:spPr>
+            <a:ln w="34925" cap="rnd">
+              <a:solidFill>
+                <a:schemeClr val="accent1"/>
+              </a:solidFill>
+              <a:round/>
+            </a:ln>
+            <a:effectLst>
+              <a:outerShdw blurRad="57150" dist="19050" dir="5400000" algn="ctr" rotWithShape="0">
+                <a:srgbClr val="000000">
+                  <a:alpha val="63000"/>
+                </a:srgbClr>
+              </a:outerShdw>
+            </a:effectLst>
+          </c:spPr>
+          <c:marker>
+            <c:symbol val="none"/>
+          </c:marker>
+          <c:cat>
+            <c:strRef>
+              <c:f>Munka1!$A$3:$A$6</c:f>
+              <c:strCache>
+                <c:ptCount val="3"/>
+                <c:pt idx="0">
+                  <c:v>Project tervezés</c:v>
+                </c:pt>
+                <c:pt idx="1">
+                  <c:v>Project megvalósítása</c:v>
+                </c:pt>
+                <c:pt idx="2">
+                  <c:v>Utolsó simítások</c:v>
+                </c:pt>
+              </c:strCache>
+            </c:strRef>
+          </c:cat>
+          <c:val>
+            <c:numRef>
+              <c:f>Munka1!$B$3:$B$6</c:f>
+              <c:numCache>
+                <c:formatCode>General</c:formatCode>
+                <c:ptCount val="4"/>
+                <c:pt idx="0">
+                  <c:v>2</c:v>
+                </c:pt>
+                <c:pt idx="1">
+                  <c:v>4</c:v>
+                </c:pt>
+                <c:pt idx="2">
+                  <c:v>1</c:v>
+                </c:pt>
+              </c:numCache>
+            </c:numRef>
+          </c:val>
+          <c:smooth val="0"/>
+          <c:extLst>
+            <c:ext xmlns:c16="http://schemas.microsoft.com/office/drawing/2014/chart" uri="{C3380CC4-5D6E-409C-BE32-E72D297353CC}">
+              <c16:uniqueId val="{00000000-7E96-4112-AA29-48CABCFF372A}"/>
+            </c:ext>
+          </c:extLst>
+        </c:ser>
+        <c:ser>
+          <c:idx val="1"/>
+          <c:order val="1"/>
+          <c:tx>
+            <c:strRef>
+              <c:f>Munka1!$C$2</c:f>
+              <c:strCache>
+                <c:ptCount val="1"/>
+                <c:pt idx="0">
+                  <c:v>Dokumentáció</c:v>
+                </c:pt>
+              </c:strCache>
+            </c:strRef>
+          </c:tx>
+          <c:spPr>
+            <a:ln w="34925" cap="rnd">
+              <a:solidFill>
+                <a:schemeClr val="accent2"/>
+              </a:solidFill>
+              <a:round/>
+            </a:ln>
+            <a:effectLst>
+              <a:outerShdw blurRad="57150" dist="19050" dir="5400000" algn="ctr" rotWithShape="0">
+                <a:srgbClr val="000000">
+                  <a:alpha val="63000"/>
+                </a:srgbClr>
+              </a:outerShdw>
+            </a:effectLst>
+          </c:spPr>
+          <c:marker>
+            <c:symbol val="none"/>
+          </c:marker>
+          <c:cat>
+            <c:strRef>
+              <c:f>Munka1!$A$3:$A$6</c:f>
+              <c:strCache>
+                <c:ptCount val="3"/>
+                <c:pt idx="0">
+                  <c:v>Project tervezés</c:v>
+                </c:pt>
+                <c:pt idx="1">
+                  <c:v>Project megvalósítása</c:v>
+                </c:pt>
+                <c:pt idx="2">
+                  <c:v>Utolsó simítások</c:v>
+                </c:pt>
+              </c:strCache>
+            </c:strRef>
+          </c:cat>
+          <c:val>
+            <c:numRef>
+              <c:f>Munka1!$C$3:$C$6</c:f>
+              <c:numCache>
+                <c:formatCode>General</c:formatCode>
+                <c:ptCount val="4"/>
+                <c:pt idx="0">
+                  <c:v>1</c:v>
+                </c:pt>
+                <c:pt idx="1">
+                  <c:v>2</c:v>
+                </c:pt>
+                <c:pt idx="2">
+                  <c:v>3</c:v>
+                </c:pt>
+              </c:numCache>
+            </c:numRef>
+          </c:val>
+          <c:smooth val="0"/>
+          <c:extLst>
+            <c:ext xmlns:c16="http://schemas.microsoft.com/office/drawing/2014/chart" uri="{C3380CC4-5D6E-409C-BE32-E72D297353CC}">
+              <c16:uniqueId val="{00000001-7E96-4112-AA29-48CABCFF372A}"/>
+            </c:ext>
+          </c:extLst>
+        </c:ser>
+        <c:ser>
+          <c:idx val="2"/>
+          <c:order val="2"/>
+          <c:tx>
+            <c:strRef>
+              <c:f>Munka1!$D$2</c:f>
+              <c:strCache>
+                <c:ptCount val="1"/>
+                <c:pt idx="0">
+                  <c:v>Bemutatás</c:v>
+                </c:pt>
+              </c:strCache>
+            </c:strRef>
+          </c:tx>
+          <c:spPr>
+            <a:ln w="34925" cap="rnd">
+              <a:solidFill>
+                <a:schemeClr val="accent3"/>
+              </a:solidFill>
+              <a:round/>
+            </a:ln>
+            <a:effectLst>
+              <a:outerShdw blurRad="57150" dist="19050" dir="5400000" algn="ctr" rotWithShape="0">
+                <a:srgbClr val="000000">
+                  <a:alpha val="63000"/>
+                </a:srgbClr>
+              </a:outerShdw>
+            </a:effectLst>
+          </c:spPr>
+          <c:marker>
+            <c:symbol val="none"/>
+          </c:marker>
+          <c:cat>
+            <c:strRef>
+              <c:f>Munka1!$A$3:$A$6</c:f>
+              <c:strCache>
+                <c:ptCount val="3"/>
+                <c:pt idx="0">
+                  <c:v>Project tervezés</c:v>
+                </c:pt>
+                <c:pt idx="1">
+                  <c:v>Project megvalósítása</c:v>
+                </c:pt>
+                <c:pt idx="2">
+                  <c:v>Utolsó simítások</c:v>
+                </c:pt>
+              </c:strCache>
+            </c:strRef>
+          </c:cat>
+          <c:val>
+            <c:numRef>
+              <c:f>Munka1!$D$3:$D$6</c:f>
+              <c:numCache>
+                <c:formatCode>General</c:formatCode>
+                <c:ptCount val="4"/>
+                <c:pt idx="0">
+                  <c:v>0</c:v>
+                </c:pt>
+                <c:pt idx="1">
+                  <c:v>0</c:v>
+                </c:pt>
+                <c:pt idx="2">
+                  <c:v>4</c:v>
+                </c:pt>
+              </c:numCache>
+            </c:numRef>
+          </c:val>
+          <c:smooth val="0"/>
+          <c:extLst>
+            <c:ext xmlns:c16="http://schemas.microsoft.com/office/drawing/2014/chart" uri="{C3380CC4-5D6E-409C-BE32-E72D297353CC}">
+              <c16:uniqueId val="{00000002-7E96-4112-AA29-48CABCFF372A}"/>
+            </c:ext>
+          </c:extLst>
+        </c:ser>
+        <c:dLbls>
+          <c:showLegendKey val="0"/>
+          <c:showVal val="0"/>
+          <c:showCatName val="0"/>
+          <c:showSerName val="0"/>
+          <c:showPercent val="0"/>
+          <c:showBubbleSize val="0"/>
+        </c:dLbls>
+        <c:smooth val="0"/>
+        <c:axId val="696651072"/>
+        <c:axId val="6452336"/>
+      </c:lineChart>
+      <c:catAx>
+        <c:axId val="696651072"/>
+        <c:scaling>
+          <c:orientation val="minMax"/>
+        </c:scaling>
+        <c:delete val="0"/>
+        <c:axPos val="b"/>
+        <c:numFmt formatCode="General" sourceLinked="1"/>
+        <c:majorTickMark val="none"/>
+        <c:minorTickMark val="none"/>
+        <c:tickLblPos val="low"/>
+        <c:spPr>
+          <a:noFill/>
+          <a:ln w="9525" cap="flat" cmpd="sng" algn="ctr">
+            <a:solidFill>
+              <a:schemeClr val="lt1">
+                <a:lumMod val="95000"/>
+                <a:alpha val="10000"/>
+              </a:schemeClr>
+            </a:solidFill>
+            <a:round/>
+          </a:ln>
+          <a:effectLst/>
+        </c:spPr>
+        <c:txPr>
+          <a:bodyPr rot="0" spcFirstLastPara="1" vertOverflow="ellipsis" wrap="square" anchor="ctr" anchorCtr="1"/>
+          <a:lstStyle/>
+          <a:p>
+            <a:pPr>
+              <a:defRPr sz="1197" b="0" i="0" u="none" strike="noStrike" kern="1200" baseline="0">
+                <a:solidFill>
+                  <a:schemeClr val="lt1">
+                    <a:lumMod val="85000"/>
+                  </a:schemeClr>
+                </a:solidFill>
+                <a:latin typeface="+mn-lt"/>
+                <a:ea typeface="+mn-ea"/>
+                <a:cs typeface="+mn-cs"/>
+              </a:defRPr>
+            </a:pPr>
+            <a:endParaRPr lang="hu-HU"/>
+          </a:p>
+        </c:txPr>
+        <c:crossAx val="6452336"/>
+        <c:crosses val="autoZero"/>
+        <c:auto val="1"/>
+        <c:lblAlgn val="ctr"/>
+        <c:lblOffset val="100"/>
+        <c:noMultiLvlLbl val="0"/>
+      </c:catAx>
+      <c:valAx>
+        <c:axId val="6452336"/>
+        <c:scaling>
+          <c:orientation val="minMax"/>
+        </c:scaling>
+        <c:delete val="0"/>
+        <c:axPos val="l"/>
+        <c:majorGridlines>
+          <c:spPr>
+            <a:ln w="9525" cap="flat" cmpd="sng" algn="ctr">
+              <a:solidFill>
+                <a:schemeClr val="lt1">
+                  <a:lumMod val="95000"/>
+                  <a:alpha val="10000"/>
+                </a:schemeClr>
+              </a:solidFill>
+              <a:round/>
+            </a:ln>
+            <a:effectLst/>
+          </c:spPr>
+        </c:majorGridlines>
+        <c:numFmt formatCode="General" sourceLinked="1"/>
+        <c:majorTickMark val="none"/>
+        <c:minorTickMark val="none"/>
+        <c:tickLblPos val="nextTo"/>
+        <c:spPr>
+          <a:noFill/>
+          <a:ln>
+            <a:noFill/>
+          </a:ln>
+          <a:effectLst/>
+        </c:spPr>
+        <c:txPr>
+          <a:bodyPr rot="-60000000" spcFirstLastPara="1" vertOverflow="ellipsis" vert="horz" wrap="square" anchor="ctr" anchorCtr="1"/>
+          <a:lstStyle/>
+          <a:p>
+            <a:pPr>
+              <a:defRPr sz="1197" b="0" i="0" u="none" strike="noStrike" kern="1200" baseline="0">
+                <a:solidFill>
+                  <a:schemeClr val="lt1">
+                    <a:lumMod val="85000"/>
+                  </a:schemeClr>
+                </a:solidFill>
+                <a:latin typeface="+mn-lt"/>
+                <a:ea typeface="+mn-ea"/>
+                <a:cs typeface="+mn-cs"/>
+              </a:defRPr>
+            </a:pPr>
+            <a:endParaRPr lang="hu-HU"/>
+          </a:p>
+        </c:txPr>
+        <c:crossAx val="696651072"/>
+        <c:crosses val="autoZero"/>
+        <c:crossBetween val="between"/>
+      </c:valAx>
+      <c:spPr>
+        <a:noFill/>
+        <a:ln>
+          <a:noFill/>
+        </a:ln>
+        <a:effectLst/>
+      </c:spPr>
+    </c:plotArea>
+    <c:legend>
+      <c:legendPos val="b"/>
+      <c:layout>
+        <c:manualLayout>
+          <c:xMode val="edge"/>
+          <c:yMode val="edge"/>
+          <c:x val="0.28426673228346455"/>
+          <c:y val="0.93797515145330024"/>
+          <c:w val="0.43104215830875126"/>
+          <c:h val="4.7962349411764922E-2"/>
+        </c:manualLayout>
+      </c:layout>
+      <c:overlay val="0"/>
+      <c:spPr>
+        <a:noFill/>
+        <a:ln>
+          <a:noFill/>
+        </a:ln>
+        <a:effectLst/>
+      </c:spPr>
+      <c:txPr>
+        <a:bodyPr rot="0" spcFirstLastPara="1" vertOverflow="ellipsis" vert="horz" wrap="square" anchor="ctr" anchorCtr="1"/>
+        <a:lstStyle/>
+        <a:p>
+          <a:pPr>
+            <a:defRPr sz="1197" b="0" i="0" u="none" strike="noStrike" kern="1200" baseline="0">
+              <a:solidFill>
+                <a:schemeClr val="lt1">
+                  <a:lumMod val="85000"/>
+                </a:schemeClr>
+              </a:solidFill>
+              <a:latin typeface="+mn-lt"/>
+              <a:ea typeface="+mn-ea"/>
+              <a:cs typeface="+mn-cs"/>
+            </a:defRPr>
+          </a:pPr>
+          <a:endParaRPr lang="hu-HU"/>
+        </a:p>
+      </c:txPr>
+    </c:legend>
+    <c:plotVisOnly val="1"/>
+    <c:dispBlanksAs val="gap"/>
+    <c:extLst>
+      <c:ext xmlns:c16r3="http://schemas.microsoft.com/office/drawing/2017/03/chart" uri="{56B9EC1D-385E-4148-901F-78D8002777C0}">
+        <c16r3:dataDisplayOptions16>
+          <c16r3:dispNaAsBlank val="1"/>
+        </c16r3:dataDisplayOptions16>
+      </c:ext>
+    </c:extLst>
+    <c:showDLblsOverMax val="0"/>
+  </c:chart>
+  <c:spPr>
+    <a:gradFill flip="none" rotWithShape="1">
+      <a:gsLst>
+        <a:gs pos="0">
+          <a:schemeClr val="dk1">
+            <a:lumMod val="65000"/>
+            <a:lumOff val="35000"/>
+          </a:schemeClr>
+        </a:gs>
+        <a:gs pos="100000">
+          <a:schemeClr val="dk1">
+            <a:lumMod val="85000"/>
+            <a:lumOff val="15000"/>
+          </a:schemeClr>
+        </a:gs>
+      </a:gsLst>
+      <a:path path="circle">
+        <a:fillToRect l="50000" t="50000" r="50000" b="50000"/>
+      </a:path>
+      <a:tileRect/>
+    </a:gradFill>
+    <a:ln>
+      <a:noFill/>
+    </a:ln>
+    <a:effectLst/>
+  </c:spPr>
+  <c:txPr>
+    <a:bodyPr/>
+    <a:lstStyle/>
+    <a:p>
+      <a:pPr>
+        <a:defRPr/>
+      </a:pPr>
+      <a:endParaRPr lang="hu-HU"/>
+    </a:p>
+  </c:txPr>
+  <c:externalData r:id="rId3">
+    <c:autoUpdate val="0"/>
+  </c:externalData>
+</c:chartSpace>
+</file>
+
+<file path=ppt/charts/colors1.xml><?xml version="1.0" encoding="utf-8"?>
+<cs:colorStyle xmlns:cs="http://schemas.microsoft.com/office/drawing/2012/chartStyle" xmlns:a="http://schemas.openxmlformats.org/drawingml/2006/main" meth="cycle" id="10">
+  <a:schemeClr val="accent1"/>
+  <a:schemeClr val="accent2"/>
+  <a:schemeClr val="accent3"/>
+  <a:schemeClr val="accent4"/>
+  <a:schemeClr val="accent5"/>
+  <a:schemeClr val="accent6"/>
+  <cs:variation/>
+  <cs:variation>
+    <a:lumMod val="60000"/>
+  </cs:variation>
+  <cs:variation>
+    <a:lumMod val="80000"/>
+    <a:lumOff val="20000"/>
+  </cs:variation>
+  <cs:variation>
+    <a:lumMod val="80000"/>
+  </cs:variation>
+  <cs:variation>
+    <a:lumMod val="60000"/>
+    <a:lumOff val="40000"/>
+  </cs:variation>
+  <cs:variation>
+    <a:lumMod val="50000"/>
+  </cs:variation>
+  <cs:variation>
+    <a:lumMod val="70000"/>
+    <a:lumOff val="30000"/>
+  </cs:variation>
+  <cs:variation>
+    <a:lumMod val="70000"/>
+  </cs:variation>
+  <cs:variation>
+    <a:lumMod val="50000"/>
+    <a:lumOff val="50000"/>
+  </cs:variation>
+</cs:colorStyle>
+</file>
+
+<file path=ppt/charts/style1.xml><?xml version="1.0" encoding="utf-8"?>
+<cs:chartStyle xmlns:cs="http://schemas.microsoft.com/office/drawing/2012/chartStyle" xmlns:a="http://schemas.openxmlformats.org/drawingml/2006/main" id="233">
+  <cs:axisTitle>
+    <cs:lnRef idx="0"/>
+    <cs:fillRef idx="0"/>
+    <cs:effectRef idx="0"/>
+    <cs:fontRef idx="minor">
+      <a:schemeClr val="lt1">
+        <a:lumMod val="85000"/>
+      </a:schemeClr>
+    </cs:fontRef>
+    <cs:defRPr sz="1197" b="1" kern="1200" cap="all"/>
+  </cs:axisTitle>
+  <cs:categoryAxis>
+    <cs:lnRef idx="0"/>
+    <cs:fillRef idx="0"/>
+    <cs:effectRef idx="0"/>
+    <cs:fontRef idx="minor">
+      <a:schemeClr val="lt1">
+        <a:lumMod val="85000"/>
+      </a:schemeClr>
+    </cs:fontRef>
+    <cs:spPr>
+      <a:ln w="9525" cap="flat" cmpd="sng" algn="ctr">
+        <a:solidFill>
+          <a:schemeClr val="lt1">
+            <a:lumMod val="95000"/>
+            <a:alpha val="10000"/>
+          </a:schemeClr>
+        </a:solidFill>
+        <a:round/>
+      </a:ln>
+    </cs:spPr>
+    <cs:defRPr sz="1197" kern="1200"/>
+  </cs:categoryAxis>
+  <cs:chartArea>
+    <cs:lnRef idx="0"/>
+    <cs:fillRef idx="0"/>
+    <cs:effectRef idx="0"/>
+    <cs:fontRef idx="minor">
+      <a:schemeClr val="dk1"/>
+    </cs:fontRef>
+    <cs:spPr>
+      <a:gradFill flip="none" rotWithShape="1">
+        <a:gsLst>
+          <a:gs pos="0">
+            <a:schemeClr val="dk1">
+              <a:lumMod val="65000"/>
+              <a:lumOff val="35000"/>
+            </a:schemeClr>
+          </a:gs>
+          <a:gs pos="100000">
+            <a:schemeClr val="dk1">
+              <a:lumMod val="85000"/>
+              <a:lumOff val="15000"/>
+            </a:schemeClr>
+          </a:gs>
+        </a:gsLst>
+        <a:path path="circle">
+          <a:fillToRect l="50000" t="50000" r="50000" b="50000"/>
+        </a:path>
+        <a:tileRect/>
+      </a:gradFill>
+    </cs:spPr>
+    <cs:defRPr sz="1330" kern="1200"/>
+  </cs:chartArea>
+  <cs:dataLabel>
+    <cs:lnRef idx="0"/>
+    <cs:fillRef idx="0"/>
+    <cs:effectRef idx="0"/>
+    <cs:fontRef idx="minor">
+      <a:schemeClr val="lt1">
+        <a:lumMod val="85000"/>
+      </a:schemeClr>
+    </cs:fontRef>
+    <cs:defRPr sz="1197" kern="1200"/>
+  </cs:dataLabel>
+  <cs:dataLabelCallout>
+    <cs:lnRef idx="0"/>
+    <cs:fillRef idx="0"/>
+    <cs:effectRef idx="0"/>
+    <cs:fontRef idx="minor">
+      <a:schemeClr val="dk1">
+        <a:lumMod val="65000"/>
+        <a:lumOff val="35000"/>
+      </a:schemeClr>
+    </cs:fontRef>
+    <cs:spPr>
+      <a:solidFill>
+        <a:schemeClr val="lt1"/>
+      </a:solidFill>
+    </cs:spPr>
+    <cs:defRPr sz="1197" kern="1200"/>
+    <cs:bodyPr rot="0" spcFirstLastPara="1" vertOverflow="clip" horzOverflow="clip" vert="horz" wrap="square" lIns="36576" tIns="18288" rIns="36576" bIns="18288" anchor="ctr" anchorCtr="1">
+      <a:spAutoFit/>
+    </cs:bodyPr>
+  </cs:dataLabelCallout>
+  <cs:dataPoint>
+    <cs:lnRef idx="0"/>
+    <cs:fillRef idx="3">
+      <cs:styleClr val="auto"/>
+    </cs:fillRef>
+    <cs:effectRef idx="3"/>
+    <cs:fontRef idx="minor">
+      <a:schemeClr val="tx1"/>
+    </cs:fontRef>
+  </cs:dataPoint>
+  <cs:dataPoint3D>
+    <cs:lnRef idx="0"/>
+    <cs:fillRef idx="3">
+      <cs:styleClr val="auto"/>
+    </cs:fillRef>
+    <cs:effectRef idx="3"/>
+    <cs:fontRef idx="minor">
+      <a:schemeClr val="tx1"/>
+    </cs:fontRef>
+  </cs:dataPoint3D>
+  <cs:dataPointLine>
+    <cs:lnRef idx="0">
+      <cs:styleClr val="auto"/>
+    </cs:lnRef>
+    <cs:fillRef idx="3"/>
+    <cs:effectRef idx="3"/>
+    <cs:fontRef idx="minor">
+      <a:schemeClr val="tx1"/>
+    </cs:fontRef>
+    <cs:spPr>
+      <a:ln w="34925" cap="rnd">
+        <a:solidFill>
+          <a:schemeClr val="phClr"/>
+        </a:solidFill>
+        <a:round/>
+      </a:ln>
+    </cs:spPr>
+  </cs:dataPointLine>
+  <cs:dataPointMarker>
+    <cs:lnRef idx="0">
+      <cs:styleClr val="auto"/>
+    </cs:lnRef>
+    <cs:fillRef idx="3">
+      <cs:styleClr val="auto"/>
+    </cs:fillRef>
+    <cs:effectRef idx="3"/>
+    <cs:fontRef idx="minor">
+      <a:schemeClr val="tx1"/>
+    </cs:fontRef>
+    <cs:spPr>
+      <a:ln w="9525">
+        <a:solidFill>
+          <a:schemeClr val="phClr"/>
+        </a:solidFill>
+        <a:round/>
+      </a:ln>
+    </cs:spPr>
+  </cs:dataPointMarker>
+  <cs:dataPointMarkerLayout symbol="circle" size="6"/>
+  <cs:dataPointWireframe>
+    <cs:lnRef idx="0">
+      <cs:styleClr val="auto"/>
+    </cs:lnRef>
+    <cs:fillRef idx="3"/>
+    <cs:effectRef idx="3"/>
+    <cs:fontRef idx="minor">
+      <a:schemeClr val="tx1"/>
+    </cs:fontRef>
+    <cs:spPr>
+      <a:ln w="9525" cap="rnd">
+        <a:solidFill>
+          <a:schemeClr val="phClr"/>
+        </a:solidFill>
+        <a:round/>
+      </a:ln>
+    </cs:spPr>
+  </cs:dataPointWireframe>
+  <cs:dataTable>
+    <cs:lnRef idx="0"/>
+    <cs:fillRef idx="0"/>
+    <cs:effectRef idx="0"/>
+    <cs:fontRef idx="minor">
+      <a:schemeClr val="lt1">
+        <a:lumMod val="85000"/>
+      </a:schemeClr>
+    </cs:fontRef>
+    <cs:spPr>
+      <a:ln w="9525">
+        <a:solidFill>
+          <a:schemeClr val="lt1">
+            <a:lumMod val="95000"/>
+            <a:alpha val="54000"/>
+          </a:schemeClr>
+        </a:solidFill>
+      </a:ln>
+    </cs:spPr>
+    <cs:defRPr sz="1197" kern="1200"/>
+  </cs:dataTable>
+  <cs:downBar>
+    <cs:lnRef idx="0"/>
+    <cs:fillRef idx="0"/>
+    <cs:effectRef idx="0"/>
+    <cs:fontRef idx="minor">
+      <a:schemeClr val="tx1"/>
+    </cs:fontRef>
+    <cs:spPr>
+      <a:solidFill>
+        <a:schemeClr val="dk1">
+          <a:lumMod val="75000"/>
+          <a:lumOff val="25000"/>
+        </a:schemeClr>
+      </a:solidFill>
+      <a:ln w="9525">
+        <a:solidFill>
+          <a:schemeClr val="lt1">
+            <a:lumMod val="95000"/>
+            <a:alpha val="54000"/>
+          </a:schemeClr>
+        </a:solidFill>
+      </a:ln>
+    </cs:spPr>
+  </cs:downBar>
+  <cs:dropLine>
+    <cs:lnRef idx="0"/>
+    <cs:fillRef idx="0"/>
+    <cs:effectRef idx="0"/>
+    <cs:fontRef idx="minor">
+      <a:schemeClr val="tx1"/>
+    </cs:fontRef>
+    <cs:spPr>
+      <a:ln w="9525">
+        <a:solidFill>
+          <a:schemeClr val="lt1">
+            <a:lumMod val="95000"/>
+            <a:alpha val="54000"/>
+          </a:schemeClr>
+        </a:solidFill>
+        <a:prstDash val="dash"/>
+      </a:ln>
+    </cs:spPr>
+  </cs:dropLine>
+  <cs:errorBar>
+    <cs:lnRef idx="0"/>
+    <cs:fillRef idx="0"/>
+    <cs:effectRef idx="0"/>
+    <cs:fontRef idx="minor">
+      <a:schemeClr val="tx1"/>
+    </cs:fontRef>
+    <cs:spPr>
+      <a:ln w="9525" cap="flat" cmpd="sng" algn="ctr">
+        <a:solidFill>
+          <a:schemeClr val="lt1">
+            <a:lumMod val="95000"/>
+          </a:schemeClr>
+        </a:solidFill>
+        <a:round/>
+      </a:ln>
+    </cs:spPr>
+  </cs:errorBar>
+  <cs:floor>
+    <cs:lnRef idx="0"/>
+    <cs:fillRef idx="0"/>
+    <cs:effectRef idx="0"/>
+    <cs:fontRef idx="minor">
+      <a:schemeClr val="tx1"/>
+    </cs:fontRef>
+  </cs:floor>
+  <cs:gridlineMajor>
+    <cs:lnRef idx="0"/>
+    <cs:fillRef idx="0"/>
+    <cs:effectRef idx="0"/>
+    <cs:fontRef idx="minor">
+      <a:schemeClr val="tx1"/>
+    </cs:fontRef>
+    <cs:spPr>
+      <a:ln w="9525" cap="flat" cmpd="sng" algn="ctr">
+        <a:solidFill>
+          <a:schemeClr val="lt1">
+            <a:lumMod val="95000"/>
+            <a:alpha val="10000"/>
+          </a:schemeClr>
+        </a:solidFill>
+        <a:round/>
+      </a:ln>
+    </cs:spPr>
+  </cs:gridlineMajor>
+  <cs:gridlineMinor>
+    <cs:lnRef idx="0"/>
+    <cs:fillRef idx="0"/>
+    <cs:effectRef idx="0"/>
+    <cs:fontRef idx="minor">
+      <a:schemeClr val="tx1"/>
+    </cs:fontRef>
+    <cs:spPr>
+      <a:ln>
+        <a:solidFill>
+          <a:schemeClr val="lt1">
+            <a:lumMod val="95000"/>
+            <a:alpha val="5000"/>
+          </a:schemeClr>
+        </a:solidFill>
+      </a:ln>
+    </cs:spPr>
+  </cs:gridlineMinor>
+  <cs:hiLoLine>
+    <cs:lnRef idx="0"/>
+    <cs:fillRef idx="0"/>
+    <cs:effectRef idx="0"/>
+    <cs:fontRef idx="minor">
+      <a:schemeClr val="tx1"/>
+    </cs:fontRef>
+    <cs:spPr>
+      <a:ln w="9525">
+        <a:solidFill>
+          <a:schemeClr val="lt1">
+            <a:lumMod val="95000"/>
+            <a:alpha val="54000"/>
+          </a:schemeClr>
+        </a:solidFill>
+        <a:prstDash val="dash"/>
+      </a:ln>
+    </cs:spPr>
+  </cs:hiLoLine>
+  <cs:leaderLine>
+    <cs:lnRef idx="0"/>
+    <cs:fillRef idx="0"/>
+    <cs:effectRef idx="0"/>
+    <cs:fontRef idx="minor">
+      <a:schemeClr val="tx1"/>
+    </cs:fontRef>
+    <cs:spPr>
+      <a:ln w="9525">
+        <a:solidFill>
+          <a:schemeClr val="lt1">
+            <a:lumMod val="95000"/>
+            <a:alpha val="54000"/>
+          </a:schemeClr>
+        </a:solidFill>
+      </a:ln>
+    </cs:spPr>
+  </cs:leaderLine>
+  <cs:legend>
+    <cs:lnRef idx="0"/>
+    <cs:fillRef idx="0"/>
+    <cs:effectRef idx="0"/>
+    <cs:fontRef idx="minor">
+      <a:schemeClr val="lt1">
+        <a:lumMod val="85000"/>
+      </a:schemeClr>
+    </cs:fontRef>
+    <cs:defRPr sz="1197" kern="1200"/>
+  </cs:legend>
+  <cs:plotArea>
+    <cs:lnRef idx="0"/>
+    <cs:fillRef idx="0"/>
+    <cs:effectRef idx="0"/>
+    <cs:fontRef idx="minor">
+      <a:schemeClr val="tx1"/>
+    </cs:fontRef>
+  </cs:plotArea>
+  <cs:plotArea3D>
+    <cs:lnRef idx="0"/>
+    <cs:fillRef idx="0"/>
+    <cs:effectRef idx="0"/>
+    <cs:fontRef idx="minor">
+      <a:schemeClr val="tx1"/>
+    </cs:fontRef>
+  </cs:plotArea3D>
+  <cs:seriesAxis>
+    <cs:lnRef idx="0"/>
+    <cs:fillRef idx="0"/>
+    <cs:effectRef idx="0"/>
+    <cs:fontRef idx="minor">
+      <a:schemeClr val="lt1">
+        <a:lumMod val="85000"/>
+      </a:schemeClr>
+    </cs:fontRef>
+    <cs:spPr>
+      <a:ln w="12700" cap="flat" cmpd="sng" algn="ctr">
+        <a:solidFill>
+          <a:schemeClr val="lt1">
+            <a:lumMod val="95000"/>
+            <a:alpha val="54000"/>
+          </a:schemeClr>
+        </a:solidFill>
+        <a:round/>
+      </a:ln>
+    </cs:spPr>
+    <cs:defRPr sz="1197" kern="1200"/>
+  </cs:seriesAxis>
+  <cs:seriesLine>
+    <cs:lnRef idx="0"/>
+    <cs:fillRef idx="0"/>
+    <cs:effectRef idx="0"/>
+    <cs:fontRef idx="minor">
+      <a:schemeClr val="lt1"/>
+    </cs:fontRef>
+    <cs:spPr>
+      <a:ln w="9525" cap="flat" cmpd="sng" algn="ctr">
+        <a:solidFill>
+          <a:schemeClr val="lt1">
+            <a:lumMod val="95000"/>
+            <a:alpha val="54000"/>
+          </a:schemeClr>
+        </a:solidFill>
+        <a:round/>
+      </a:ln>
+    </cs:spPr>
+  </cs:seriesLine>
+  <cs:title>
+    <cs:lnRef idx="0"/>
+    <cs:fillRef idx="0"/>
+    <cs:effectRef idx="0"/>
+    <cs:fontRef idx="minor">
+      <a:schemeClr val="lt1">
+        <a:lumMod val="95000"/>
+      </a:schemeClr>
+    </cs:fontRef>
+    <cs:defRPr sz="2128" b="1" kern="1200" spc="100" baseline="0">
+      <a:effectLst>
+        <a:outerShdw blurRad="50800" dist="38100" dir="5400000" algn="t" rotWithShape="0">
+          <a:prstClr val="black">
+            <a:alpha val="40000"/>
+          </a:prstClr>
+        </a:outerShdw>
+      </a:effectLst>
+    </cs:defRPr>
+  </cs:title>
+  <cs:trendline>
+    <cs:lnRef idx="0">
+      <cs:styleClr val="auto"/>
+    </cs:lnRef>
+    <cs:fillRef idx="0"/>
+    <cs:effectRef idx="0"/>
+    <cs:fontRef idx="minor">
+      <a:schemeClr val="tx1"/>
+    </cs:fontRef>
+    <cs:spPr>
+      <a:ln w="19050" cap="rnd">
+        <a:solidFill>
+          <a:schemeClr val="phClr"/>
+        </a:solidFill>
+      </a:ln>
+    </cs:spPr>
+  </cs:trendline>
+  <cs:trendlineLabel>
+    <cs:lnRef idx="0"/>
+    <cs:fillRef idx="0"/>
+    <cs:effectRef idx="0"/>
+    <cs:fontRef idx="minor">
+      <a:schemeClr val="lt1">
+        <a:lumMod val="85000"/>
+      </a:schemeClr>
+    </cs:fontRef>
+    <cs:defRPr sz="1197" kern="1200"/>
+  </cs:trendlineLabel>
+  <cs:upBar>
+    <cs:lnRef idx="0"/>
+    <cs:fillRef idx="0"/>
+    <cs:effectRef idx="0"/>
+    <cs:fontRef idx="minor">
+      <a:schemeClr val="tx1"/>
+    </cs:fontRef>
+    <cs:spPr>
+      <a:solidFill>
+        <a:schemeClr val="lt1"/>
+      </a:solidFill>
+      <a:ln w="9525">
+        <a:solidFill>
+          <a:schemeClr val="lt1">
+            <a:lumMod val="95000"/>
+            <a:alpha val="54000"/>
+          </a:schemeClr>
+        </a:solidFill>
+      </a:ln>
+    </cs:spPr>
+  </cs:upBar>
+  <cs:valueAxis>
+    <cs:lnRef idx="0"/>
+    <cs:fillRef idx="0"/>
+    <cs:effectRef idx="0"/>
+    <cs:fontRef idx="minor">
+      <a:schemeClr val="lt1">
+        <a:lumMod val="85000"/>
+      </a:schemeClr>
+    </cs:fontRef>
+    <cs:defRPr sz="1197" kern="1200"/>
+  </cs:valueAxis>
+  <cs:wall>
+    <cs:lnRef idx="0"/>
+    <cs:fillRef idx="0"/>
+    <cs:effectRef idx="0"/>
+    <cs:fontRef idx="minor">
+      <a:schemeClr val="tx1"/>
+    </cs:fontRef>
+  </cs:wall>
+</cs:chartStyle>
 </file>
 
 <file path=ppt/slideLayouts/slideLayout1.xml><?xml version="1.0" encoding="utf-8"?>
@@ -3360,7 +4424,7 @@
                 <a16:creationId xmlns:a16="http://schemas.microsoft.com/office/drawing/2014/main" id="{71B2258F-86CA-4D4D-8270-BC05FCDEBFB3}"/>
               </a:ext>
               <a:ext uri="{C183D7F6-B498-43B3-948B-1728B52AA6E4}">
-                <adec:decorative xmlns:adec="http://schemas.microsoft.com/office/drawing/2017/decorative" xmlns="" val="1"/>
+                <adec:decorative xmlns:adec="http://schemas.microsoft.com/office/drawing/2017/decorative" val="1"/>
               </a:ext>
             </a:extLst>
           </p:cNvPr>
@@ -3791,7 +4855,7 @@
                 <a16:creationId xmlns:a16="http://schemas.microsoft.com/office/drawing/2014/main" id="{9228552E-C8B1-4A80-8448-0787CE0FC704}"/>
               </a:ext>
               <a:ext uri="{C183D7F6-B498-43B3-948B-1728B52AA6E4}">
-                <adec:decorative xmlns:adec="http://schemas.microsoft.com/office/drawing/2017/decorative" xmlns="" val="1"/>
+                <adec:decorative xmlns:adec="http://schemas.microsoft.com/office/drawing/2017/decorative" val="1"/>
               </a:ext>
             </a:extLst>
           </p:cNvPr>
@@ -4305,6 +5369,275 @@
   <p:clrMapOvr>
     <a:overrideClrMapping bg1="dk1" tx1="lt1" bg2="dk2" tx2="lt2" accent1="accent1" accent2="accent2" accent3="accent3" accent4="accent4" accent5="accent5" accent6="accent6" hlink="hlink" folHlink="folHlink"/>
   </p:clrMapOvr>
+  <p:timing>
+    <p:tnLst>
+      <p:par>
+        <p:cTn id="1" dur="indefinite" restart="never" nodeType="tmRoot">
+          <p:childTnLst>
+            <p:seq concurrent="1" nextAc="seek">
+              <p:cTn id="2" dur="indefinite" nodeType="mainSeq">
+                <p:childTnLst>
+                  <p:par>
+                    <p:cTn id="3" fill="hold">
+                      <p:stCondLst>
+                        <p:cond delay="indefinite"/>
+                      </p:stCondLst>
+                      <p:childTnLst>
+                        <p:par>
+                          <p:cTn id="4" fill="hold">
+                            <p:stCondLst>
+                              <p:cond delay="0"/>
+                            </p:stCondLst>
+                            <p:childTnLst>
+                              <p:par>
+                                <p:cTn id="5" presetID="10" presetClass="entr" presetSubtype="0" fill="hold" grpId="0" nodeType="clickEffect">
+                                  <p:stCondLst>
+                                    <p:cond delay="0"/>
+                                  </p:stCondLst>
+                                  <p:childTnLst>
+                                    <p:set>
+                                      <p:cBhvr>
+                                        <p:cTn id="6" dur="1" fill="hold">
+                                          <p:stCondLst>
+                                            <p:cond delay="0"/>
+                                          </p:stCondLst>
+                                        </p:cTn>
+                                        <p:tgtEl>
+                                          <p:spTgt spid="7"/>
+                                        </p:tgtEl>
+                                        <p:attrNameLst>
+                                          <p:attrName>style.visibility</p:attrName>
+                                        </p:attrNameLst>
+                                      </p:cBhvr>
+                                      <p:to>
+                                        <p:strVal val="visible"/>
+                                      </p:to>
+                                    </p:set>
+                                    <p:animEffect transition="in" filter="fade">
+                                      <p:cBhvr>
+                                        <p:cTn id="7" dur="500"/>
+                                        <p:tgtEl>
+                                          <p:spTgt spid="7"/>
+                                        </p:tgtEl>
+                                      </p:cBhvr>
+                                    </p:animEffect>
+                                  </p:childTnLst>
+                                </p:cTn>
+                              </p:par>
+                            </p:childTnLst>
+                          </p:cTn>
+                        </p:par>
+                      </p:childTnLst>
+                    </p:cTn>
+                  </p:par>
+                  <p:par>
+                    <p:cTn id="8" fill="hold">
+                      <p:stCondLst>
+                        <p:cond delay="indefinite"/>
+                      </p:stCondLst>
+                      <p:childTnLst>
+                        <p:par>
+                          <p:cTn id="9" fill="hold">
+                            <p:stCondLst>
+                              <p:cond delay="0"/>
+                            </p:stCondLst>
+                            <p:childTnLst>
+                              <p:par>
+                                <p:cTn id="10" presetID="10" presetClass="entr" presetSubtype="0" fill="hold" nodeType="clickEffect">
+                                  <p:stCondLst>
+                                    <p:cond delay="0"/>
+                                  </p:stCondLst>
+                                  <p:childTnLst>
+                                    <p:set>
+                                      <p:cBhvr>
+                                        <p:cTn id="11" dur="1" fill="hold">
+                                          <p:stCondLst>
+                                            <p:cond delay="0"/>
+                                          </p:stCondLst>
+                                        </p:cTn>
+                                        <p:tgtEl>
+                                          <p:spTgt spid="8">
+                                            <p:txEl>
+                                              <p:pRg st="0" end="0"/>
+                                            </p:txEl>
+                                          </p:spTgt>
+                                        </p:tgtEl>
+                                        <p:attrNameLst>
+                                          <p:attrName>style.visibility</p:attrName>
+                                        </p:attrNameLst>
+                                      </p:cBhvr>
+                                      <p:to>
+                                        <p:strVal val="visible"/>
+                                      </p:to>
+                                    </p:set>
+                                    <p:animEffect transition="in" filter="fade">
+                                      <p:cBhvr>
+                                        <p:cTn id="12" dur="500"/>
+                                        <p:tgtEl>
+                                          <p:spTgt spid="8">
+                                            <p:txEl>
+                                              <p:pRg st="0" end="0"/>
+                                            </p:txEl>
+                                          </p:spTgt>
+                                        </p:tgtEl>
+                                      </p:cBhvr>
+                                    </p:animEffect>
+                                  </p:childTnLst>
+                                </p:cTn>
+                              </p:par>
+                            </p:childTnLst>
+                          </p:cTn>
+                        </p:par>
+                      </p:childTnLst>
+                    </p:cTn>
+                  </p:par>
+                  <p:par>
+                    <p:cTn id="13" fill="hold">
+                      <p:stCondLst>
+                        <p:cond delay="indefinite"/>
+                      </p:stCondLst>
+                      <p:childTnLst>
+                        <p:par>
+                          <p:cTn id="14" fill="hold">
+                            <p:stCondLst>
+                              <p:cond delay="0"/>
+                            </p:stCondLst>
+                            <p:childTnLst>
+                              <p:par>
+                                <p:cTn id="15" presetID="10" presetClass="entr" presetSubtype="0" fill="hold" nodeType="clickEffect">
+                                  <p:stCondLst>
+                                    <p:cond delay="0"/>
+                                  </p:stCondLst>
+                                  <p:childTnLst>
+                                    <p:set>
+                                      <p:cBhvr>
+                                        <p:cTn id="16" dur="1" fill="hold">
+                                          <p:stCondLst>
+                                            <p:cond delay="0"/>
+                                          </p:stCondLst>
+                                        </p:cTn>
+                                        <p:tgtEl>
+                                          <p:spTgt spid="8">
+                                            <p:txEl>
+                                              <p:pRg st="1" end="1"/>
+                                            </p:txEl>
+                                          </p:spTgt>
+                                        </p:tgtEl>
+                                        <p:attrNameLst>
+                                          <p:attrName>style.visibility</p:attrName>
+                                        </p:attrNameLst>
+                                      </p:cBhvr>
+                                      <p:to>
+                                        <p:strVal val="visible"/>
+                                      </p:to>
+                                    </p:set>
+                                    <p:animEffect transition="in" filter="fade">
+                                      <p:cBhvr>
+                                        <p:cTn id="17" dur="500"/>
+                                        <p:tgtEl>
+                                          <p:spTgt spid="8">
+                                            <p:txEl>
+                                              <p:pRg st="1" end="1"/>
+                                            </p:txEl>
+                                          </p:spTgt>
+                                        </p:tgtEl>
+                                      </p:cBhvr>
+                                    </p:animEffect>
+                                  </p:childTnLst>
+                                </p:cTn>
+                              </p:par>
+                            </p:childTnLst>
+                          </p:cTn>
+                        </p:par>
+                      </p:childTnLst>
+                    </p:cTn>
+                  </p:par>
+                  <p:par>
+                    <p:cTn id="18" fill="hold">
+                      <p:stCondLst>
+                        <p:cond delay="indefinite"/>
+                      </p:stCondLst>
+                      <p:childTnLst>
+                        <p:par>
+                          <p:cTn id="19" fill="hold">
+                            <p:stCondLst>
+                              <p:cond delay="0"/>
+                            </p:stCondLst>
+                            <p:childTnLst>
+                              <p:par>
+                                <p:cTn id="20" presetID="10" presetClass="entr" presetSubtype="0" fill="hold" nodeType="clickEffect">
+                                  <p:stCondLst>
+                                    <p:cond delay="0"/>
+                                  </p:stCondLst>
+                                  <p:childTnLst>
+                                    <p:set>
+                                      <p:cBhvr>
+                                        <p:cTn id="21" dur="1" fill="hold">
+                                          <p:stCondLst>
+                                            <p:cond delay="0"/>
+                                          </p:stCondLst>
+                                        </p:cTn>
+                                        <p:tgtEl>
+                                          <p:spTgt spid="8">
+                                            <p:txEl>
+                                              <p:pRg st="2" end="2"/>
+                                            </p:txEl>
+                                          </p:spTgt>
+                                        </p:tgtEl>
+                                        <p:attrNameLst>
+                                          <p:attrName>style.visibility</p:attrName>
+                                        </p:attrNameLst>
+                                      </p:cBhvr>
+                                      <p:to>
+                                        <p:strVal val="visible"/>
+                                      </p:to>
+                                    </p:set>
+                                    <p:animEffect transition="in" filter="fade">
+                                      <p:cBhvr>
+                                        <p:cTn id="22" dur="500"/>
+                                        <p:tgtEl>
+                                          <p:spTgt spid="8">
+                                            <p:txEl>
+                                              <p:pRg st="2" end="2"/>
+                                            </p:txEl>
+                                          </p:spTgt>
+                                        </p:tgtEl>
+                                      </p:cBhvr>
+                                    </p:animEffect>
+                                  </p:childTnLst>
+                                </p:cTn>
+                              </p:par>
+                            </p:childTnLst>
+                          </p:cTn>
+                        </p:par>
+                      </p:childTnLst>
+                    </p:cTn>
+                  </p:par>
+                </p:childTnLst>
+              </p:cTn>
+              <p:prevCondLst>
+                <p:cond evt="onPrev" delay="0">
+                  <p:tgtEl>
+                    <p:sldTgt/>
+                  </p:tgtEl>
+                </p:cond>
+              </p:prevCondLst>
+              <p:nextCondLst>
+                <p:cond evt="onNext" delay="0">
+                  <p:tgtEl>
+                    <p:sldTgt/>
+                  </p:tgtEl>
+                </p:cond>
+              </p:nextCondLst>
+            </p:seq>
+          </p:childTnLst>
+        </p:cTn>
+      </p:par>
+    </p:tnLst>
+    <p:bldLst>
+      <p:bldP spid="7" grpId="0"/>
+    </p:bldLst>
+  </p:timing>
 </p:sld>
 </file>
 
@@ -4341,7 +5674,7 @@
                 <a16:creationId xmlns:a16="http://schemas.microsoft.com/office/drawing/2014/main" id="{9228552E-C8B1-4A80-8448-0787CE0FC704}"/>
               </a:ext>
               <a:ext uri="{C183D7F6-B498-43B3-948B-1728B52AA6E4}">
-                <adec:decorative xmlns:adec="http://schemas.microsoft.com/office/drawing/2017/decorative" xmlns="" val="1"/>
+                <adec:decorative xmlns:adec="http://schemas.microsoft.com/office/drawing/2017/decorative" val="1"/>
               </a:ext>
             </a:extLst>
           </p:cNvPr>
@@ -4586,7 +5919,7 @@
         </p:nvSpPr>
         <p:spPr>
           <a:xfrm>
-            <a:off x="297025" y="1953928"/>
+            <a:off x="297024" y="1869636"/>
             <a:ext cx="6883422" cy="1754326"/>
           </a:xfrm>
           <a:prstGeom prst="rect">
@@ -4627,6 +5960,580 @@
   <p:clrMapOvr>
     <a:overrideClrMapping bg1="dk1" tx1="lt1" bg2="dk2" tx2="lt2" accent1="accent1" accent2="accent2" accent3="accent3" accent4="accent4" accent5="accent5" accent6="accent6" hlink="hlink" folHlink="folHlink"/>
   </p:clrMapOvr>
+  <p:timing>
+    <p:tnLst>
+      <p:par>
+        <p:cTn id="1" dur="indefinite" restart="never" nodeType="tmRoot">
+          <p:childTnLst>
+            <p:seq concurrent="1" nextAc="seek">
+              <p:cTn id="2" dur="indefinite" nodeType="mainSeq">
+                <p:childTnLst>
+                  <p:par>
+                    <p:cTn id="3" fill="hold">
+                      <p:stCondLst>
+                        <p:cond delay="indefinite"/>
+                      </p:stCondLst>
+                      <p:childTnLst>
+                        <p:par>
+                          <p:cTn id="4" fill="hold">
+                            <p:stCondLst>
+                              <p:cond delay="0"/>
+                            </p:stCondLst>
+                            <p:childTnLst>
+                              <p:par>
+                                <p:cTn id="5" presetID="26" presetClass="entr" presetSubtype="0" fill="hold" nodeType="clickEffect">
+                                  <p:stCondLst>
+                                    <p:cond delay="0"/>
+                                  </p:stCondLst>
+                                  <p:childTnLst>
+                                    <p:set>
+                                      <p:cBhvr>
+                                        <p:cTn id="6" dur="1" fill="hold">
+                                          <p:stCondLst>
+                                            <p:cond delay="0"/>
+                                          </p:stCondLst>
+                                        </p:cTn>
+                                        <p:tgtEl>
+                                          <p:spTgt spid="7">
+                                            <p:txEl>
+                                              <p:pRg st="0" end="0"/>
+                                            </p:txEl>
+                                          </p:spTgt>
+                                        </p:tgtEl>
+                                        <p:attrNameLst>
+                                          <p:attrName>style.visibility</p:attrName>
+                                        </p:attrNameLst>
+                                      </p:cBhvr>
+                                      <p:to>
+                                        <p:strVal val="visible"/>
+                                      </p:to>
+                                    </p:set>
+                                    <p:animEffect transition="in" filter="wipe(down)">
+                                      <p:cBhvr>
+                                        <p:cTn id="7" dur="580">
+                                          <p:stCondLst>
+                                            <p:cond delay="0"/>
+                                          </p:stCondLst>
+                                        </p:cTn>
+                                        <p:tgtEl>
+                                          <p:spTgt spid="7">
+                                            <p:txEl>
+                                              <p:pRg st="0" end="0"/>
+                                            </p:txEl>
+                                          </p:spTgt>
+                                        </p:tgtEl>
+                                      </p:cBhvr>
+                                    </p:animEffect>
+                                    <p:anim calcmode="lin" valueType="num">
+                                      <p:cBhvr>
+                                        <p:cTn id="8" dur="1822" tmFilter="0,0; 0.14,0.36; 0.43,0.73; 0.71,0.91; 1.0,1.0">
+                                          <p:stCondLst>
+                                            <p:cond delay="0"/>
+                                          </p:stCondLst>
+                                        </p:cTn>
+                                        <p:tgtEl>
+                                          <p:spTgt spid="7">
+                                            <p:txEl>
+                                              <p:pRg st="0" end="0"/>
+                                            </p:txEl>
+                                          </p:spTgt>
+                                        </p:tgtEl>
+                                        <p:attrNameLst>
+                                          <p:attrName>ppt_x</p:attrName>
+                                        </p:attrNameLst>
+                                      </p:cBhvr>
+                                      <p:tavLst>
+                                        <p:tav tm="0">
+                                          <p:val>
+                                            <p:strVal val="#ppt_x-0.25"/>
+                                          </p:val>
+                                        </p:tav>
+                                        <p:tav tm="100000">
+                                          <p:val>
+                                            <p:strVal val="#ppt_x"/>
+                                          </p:val>
+                                        </p:tav>
+                                      </p:tavLst>
+                                    </p:anim>
+                                    <p:anim calcmode="lin" valueType="num">
+                                      <p:cBhvr>
+                                        <p:cTn id="9" dur="664" tmFilter="0.0,0.0; 0.25,0.07; 0.50,0.2; 0.75,0.467; 1.0,1.0">
+                                          <p:stCondLst>
+                                            <p:cond delay="0"/>
+                                          </p:stCondLst>
+                                        </p:cTn>
+                                        <p:tgtEl>
+                                          <p:spTgt spid="7">
+                                            <p:txEl>
+                                              <p:pRg st="0" end="0"/>
+                                            </p:txEl>
+                                          </p:spTgt>
+                                        </p:tgtEl>
+                                        <p:attrNameLst>
+                                          <p:attrName>ppt_y</p:attrName>
+                                        </p:attrNameLst>
+                                      </p:cBhvr>
+                                      <p:tavLst>
+                                        <p:tav tm="0" fmla="#ppt_y-sin(pi*$)/3">
+                                          <p:val>
+                                            <p:fltVal val="0.5"/>
+                                          </p:val>
+                                        </p:tav>
+                                        <p:tav tm="100000">
+                                          <p:val>
+                                            <p:fltVal val="1"/>
+                                          </p:val>
+                                        </p:tav>
+                                      </p:tavLst>
+                                    </p:anim>
+                                    <p:anim calcmode="lin" valueType="num">
+                                      <p:cBhvr>
+                                        <p:cTn id="10" dur="664" tmFilter="0, 0; 0.125,0.2665; 0.25,0.4; 0.375,0.465; 0.5,0.5;  0.625,0.535; 0.75,0.6; 0.875,0.7335; 1,1">
+                                          <p:stCondLst>
+                                            <p:cond delay="664"/>
+                                          </p:stCondLst>
+                                        </p:cTn>
+                                        <p:tgtEl>
+                                          <p:spTgt spid="7">
+                                            <p:txEl>
+                                              <p:pRg st="0" end="0"/>
+                                            </p:txEl>
+                                          </p:spTgt>
+                                        </p:tgtEl>
+                                        <p:attrNameLst>
+                                          <p:attrName>ppt_y</p:attrName>
+                                        </p:attrNameLst>
+                                      </p:cBhvr>
+                                      <p:tavLst>
+                                        <p:tav tm="0" fmla="#ppt_y-sin(pi*$)/9">
+                                          <p:val>
+                                            <p:fltVal val="0"/>
+                                          </p:val>
+                                        </p:tav>
+                                        <p:tav tm="100000">
+                                          <p:val>
+                                            <p:fltVal val="1"/>
+                                          </p:val>
+                                        </p:tav>
+                                      </p:tavLst>
+                                    </p:anim>
+                                    <p:anim calcmode="lin" valueType="num">
+                                      <p:cBhvr>
+                                        <p:cTn id="11" dur="332" tmFilter="0, 0; 0.125,0.2665; 0.25,0.4; 0.375,0.465; 0.5,0.5;  0.625,0.535; 0.75,0.6; 0.875,0.7335; 1,1">
+                                          <p:stCondLst>
+                                            <p:cond delay="1324"/>
+                                          </p:stCondLst>
+                                        </p:cTn>
+                                        <p:tgtEl>
+                                          <p:spTgt spid="7">
+                                            <p:txEl>
+                                              <p:pRg st="0" end="0"/>
+                                            </p:txEl>
+                                          </p:spTgt>
+                                        </p:tgtEl>
+                                        <p:attrNameLst>
+                                          <p:attrName>ppt_y</p:attrName>
+                                        </p:attrNameLst>
+                                      </p:cBhvr>
+                                      <p:tavLst>
+                                        <p:tav tm="0" fmla="#ppt_y-sin(pi*$)/27">
+                                          <p:val>
+                                            <p:fltVal val="0"/>
+                                          </p:val>
+                                        </p:tav>
+                                        <p:tav tm="100000">
+                                          <p:val>
+                                            <p:fltVal val="1"/>
+                                          </p:val>
+                                        </p:tav>
+                                      </p:tavLst>
+                                    </p:anim>
+                                    <p:anim calcmode="lin" valueType="num">
+                                      <p:cBhvr>
+                                        <p:cTn id="12" dur="164" tmFilter="0, 0; 0.125,0.2665; 0.25,0.4; 0.375,0.465; 0.5,0.5;  0.625,0.535; 0.75,0.6; 0.875,0.7335; 1,1">
+                                          <p:stCondLst>
+                                            <p:cond delay="1656"/>
+                                          </p:stCondLst>
+                                        </p:cTn>
+                                        <p:tgtEl>
+                                          <p:spTgt spid="7">
+                                            <p:txEl>
+                                              <p:pRg st="0" end="0"/>
+                                            </p:txEl>
+                                          </p:spTgt>
+                                        </p:tgtEl>
+                                        <p:attrNameLst>
+                                          <p:attrName>ppt_y</p:attrName>
+                                        </p:attrNameLst>
+                                      </p:cBhvr>
+                                      <p:tavLst>
+                                        <p:tav tm="0" fmla="#ppt_y-sin(pi*$)/81">
+                                          <p:val>
+                                            <p:fltVal val="0"/>
+                                          </p:val>
+                                        </p:tav>
+                                        <p:tav tm="100000">
+                                          <p:val>
+                                            <p:fltVal val="1"/>
+                                          </p:val>
+                                        </p:tav>
+                                      </p:tavLst>
+                                    </p:anim>
+                                    <p:animScale>
+                                      <p:cBhvr>
+                                        <p:cTn id="13" dur="26">
+                                          <p:stCondLst>
+                                            <p:cond delay="650"/>
+                                          </p:stCondLst>
+                                        </p:cTn>
+                                        <p:tgtEl>
+                                          <p:spTgt spid="7">
+                                            <p:txEl>
+                                              <p:pRg st="0" end="0"/>
+                                            </p:txEl>
+                                          </p:spTgt>
+                                        </p:tgtEl>
+                                      </p:cBhvr>
+                                      <p:to x="100000" y="60000"/>
+                                    </p:animScale>
+                                    <p:animScale>
+                                      <p:cBhvr>
+                                        <p:cTn id="14" dur="166" decel="50000">
+                                          <p:stCondLst>
+                                            <p:cond delay="676"/>
+                                          </p:stCondLst>
+                                        </p:cTn>
+                                        <p:tgtEl>
+                                          <p:spTgt spid="7">
+                                            <p:txEl>
+                                              <p:pRg st="0" end="0"/>
+                                            </p:txEl>
+                                          </p:spTgt>
+                                        </p:tgtEl>
+                                      </p:cBhvr>
+                                      <p:to x="100000" y="100000"/>
+                                    </p:animScale>
+                                    <p:animScale>
+                                      <p:cBhvr>
+                                        <p:cTn id="15" dur="26">
+                                          <p:stCondLst>
+                                            <p:cond delay="1312"/>
+                                          </p:stCondLst>
+                                        </p:cTn>
+                                        <p:tgtEl>
+                                          <p:spTgt spid="7">
+                                            <p:txEl>
+                                              <p:pRg st="0" end="0"/>
+                                            </p:txEl>
+                                          </p:spTgt>
+                                        </p:tgtEl>
+                                      </p:cBhvr>
+                                      <p:to x="100000" y="80000"/>
+                                    </p:animScale>
+                                    <p:animScale>
+                                      <p:cBhvr>
+                                        <p:cTn id="16" dur="166" decel="50000">
+                                          <p:stCondLst>
+                                            <p:cond delay="1338"/>
+                                          </p:stCondLst>
+                                        </p:cTn>
+                                        <p:tgtEl>
+                                          <p:spTgt spid="7">
+                                            <p:txEl>
+                                              <p:pRg st="0" end="0"/>
+                                            </p:txEl>
+                                          </p:spTgt>
+                                        </p:tgtEl>
+                                      </p:cBhvr>
+                                      <p:to x="100000" y="100000"/>
+                                    </p:animScale>
+                                    <p:animScale>
+                                      <p:cBhvr>
+                                        <p:cTn id="17" dur="26">
+                                          <p:stCondLst>
+                                            <p:cond delay="1642"/>
+                                          </p:stCondLst>
+                                        </p:cTn>
+                                        <p:tgtEl>
+                                          <p:spTgt spid="7">
+                                            <p:txEl>
+                                              <p:pRg st="0" end="0"/>
+                                            </p:txEl>
+                                          </p:spTgt>
+                                        </p:tgtEl>
+                                      </p:cBhvr>
+                                      <p:to x="100000" y="90000"/>
+                                    </p:animScale>
+                                    <p:animScale>
+                                      <p:cBhvr>
+                                        <p:cTn id="18" dur="166" decel="50000">
+                                          <p:stCondLst>
+                                            <p:cond delay="1668"/>
+                                          </p:stCondLst>
+                                        </p:cTn>
+                                        <p:tgtEl>
+                                          <p:spTgt spid="7">
+                                            <p:txEl>
+                                              <p:pRg st="0" end="0"/>
+                                            </p:txEl>
+                                          </p:spTgt>
+                                        </p:tgtEl>
+                                      </p:cBhvr>
+                                      <p:to x="100000" y="100000"/>
+                                    </p:animScale>
+                                    <p:animScale>
+                                      <p:cBhvr>
+                                        <p:cTn id="19" dur="26">
+                                          <p:stCondLst>
+                                            <p:cond delay="1808"/>
+                                          </p:stCondLst>
+                                        </p:cTn>
+                                        <p:tgtEl>
+                                          <p:spTgt spid="7">
+                                            <p:txEl>
+                                              <p:pRg st="0" end="0"/>
+                                            </p:txEl>
+                                          </p:spTgt>
+                                        </p:tgtEl>
+                                      </p:cBhvr>
+                                      <p:to x="100000" y="95000"/>
+                                    </p:animScale>
+                                    <p:animScale>
+                                      <p:cBhvr>
+                                        <p:cTn id="20" dur="166" decel="50000">
+                                          <p:stCondLst>
+                                            <p:cond delay="1834"/>
+                                          </p:stCondLst>
+                                        </p:cTn>
+                                        <p:tgtEl>
+                                          <p:spTgt spid="7">
+                                            <p:txEl>
+                                              <p:pRg st="0" end="0"/>
+                                            </p:txEl>
+                                          </p:spTgt>
+                                        </p:tgtEl>
+                                      </p:cBhvr>
+                                      <p:to x="100000" y="100000"/>
+                                    </p:animScale>
+                                  </p:childTnLst>
+                                </p:cTn>
+                              </p:par>
+                            </p:childTnLst>
+                          </p:cTn>
+                        </p:par>
+                      </p:childTnLst>
+                    </p:cTn>
+                  </p:par>
+                  <p:par>
+                    <p:cTn id="21" fill="hold">
+                      <p:stCondLst>
+                        <p:cond delay="indefinite"/>
+                      </p:stCondLst>
+                      <p:childTnLst>
+                        <p:par>
+                          <p:cTn id="22" fill="hold">
+                            <p:stCondLst>
+                              <p:cond delay="0"/>
+                            </p:stCondLst>
+                            <p:childTnLst>
+                              <p:par>
+                                <p:cTn id="23" presetID="2" presetClass="entr" presetSubtype="4" fill="hold" nodeType="clickEffect">
+                                  <p:stCondLst>
+                                    <p:cond delay="0"/>
+                                  </p:stCondLst>
+                                  <p:childTnLst>
+                                    <p:set>
+                                      <p:cBhvr>
+                                        <p:cTn id="24" dur="1" fill="hold">
+                                          <p:stCondLst>
+                                            <p:cond delay="0"/>
+                                          </p:stCondLst>
+                                        </p:cTn>
+                                        <p:tgtEl>
+                                          <p:spTgt spid="2">
+                                            <p:txEl>
+                                              <p:pRg st="0" end="0"/>
+                                            </p:txEl>
+                                          </p:spTgt>
+                                        </p:tgtEl>
+                                        <p:attrNameLst>
+                                          <p:attrName>style.visibility</p:attrName>
+                                        </p:attrNameLst>
+                                      </p:cBhvr>
+                                      <p:to>
+                                        <p:strVal val="visible"/>
+                                      </p:to>
+                                    </p:set>
+                                    <p:anim calcmode="lin" valueType="num">
+                                      <p:cBhvr additive="base">
+                                        <p:cTn id="25" dur="500" fill="hold"/>
+                                        <p:tgtEl>
+                                          <p:spTgt spid="2">
+                                            <p:txEl>
+                                              <p:pRg st="0" end="0"/>
+                                            </p:txEl>
+                                          </p:spTgt>
+                                        </p:tgtEl>
+                                        <p:attrNameLst>
+                                          <p:attrName>ppt_x</p:attrName>
+                                        </p:attrNameLst>
+                                      </p:cBhvr>
+                                      <p:tavLst>
+                                        <p:tav tm="0">
+                                          <p:val>
+                                            <p:strVal val="#ppt_x"/>
+                                          </p:val>
+                                        </p:tav>
+                                        <p:tav tm="100000">
+                                          <p:val>
+                                            <p:strVal val="#ppt_x"/>
+                                          </p:val>
+                                        </p:tav>
+                                      </p:tavLst>
+                                    </p:anim>
+                                    <p:anim calcmode="lin" valueType="num">
+                                      <p:cBhvr additive="base">
+                                        <p:cTn id="26" dur="500" fill="hold"/>
+                                        <p:tgtEl>
+                                          <p:spTgt spid="2">
+                                            <p:txEl>
+                                              <p:pRg st="0" end="0"/>
+                                            </p:txEl>
+                                          </p:spTgt>
+                                        </p:tgtEl>
+                                        <p:attrNameLst>
+                                          <p:attrName>ppt_y</p:attrName>
+                                        </p:attrNameLst>
+                                      </p:cBhvr>
+                                      <p:tavLst>
+                                        <p:tav tm="0">
+                                          <p:val>
+                                            <p:strVal val="1+#ppt_h/2"/>
+                                          </p:val>
+                                        </p:tav>
+                                        <p:tav tm="100000">
+                                          <p:val>
+                                            <p:strVal val="#ppt_y"/>
+                                          </p:val>
+                                        </p:tav>
+                                      </p:tavLst>
+                                    </p:anim>
+                                  </p:childTnLst>
+                                </p:cTn>
+                              </p:par>
+                              <p:par>
+                                <p:cTn id="27" presetID="2" presetClass="entr" presetSubtype="4" fill="hold" nodeType="withEffect">
+                                  <p:stCondLst>
+                                    <p:cond delay="0"/>
+                                  </p:stCondLst>
+                                  <p:childTnLst>
+                                    <p:set>
+                                      <p:cBhvr>
+                                        <p:cTn id="28" dur="1" fill="hold">
+                                          <p:stCondLst>
+                                            <p:cond delay="0"/>
+                                          </p:stCondLst>
+                                        </p:cTn>
+                                        <p:tgtEl>
+                                          <p:spTgt spid="2">
+                                            <p:txEl>
+                                              <p:pRg st="1" end="1"/>
+                                            </p:txEl>
+                                          </p:spTgt>
+                                        </p:tgtEl>
+                                        <p:attrNameLst>
+                                          <p:attrName>style.visibility</p:attrName>
+                                        </p:attrNameLst>
+                                      </p:cBhvr>
+                                      <p:to>
+                                        <p:strVal val="visible"/>
+                                      </p:to>
+                                    </p:set>
+                                    <p:anim calcmode="lin" valueType="num">
+                                      <p:cBhvr additive="base">
+                                        <p:cTn id="29" dur="500" fill="hold"/>
+                                        <p:tgtEl>
+                                          <p:spTgt spid="2">
+                                            <p:txEl>
+                                              <p:pRg st="1" end="1"/>
+                                            </p:txEl>
+                                          </p:spTgt>
+                                        </p:tgtEl>
+                                        <p:attrNameLst>
+                                          <p:attrName>ppt_x</p:attrName>
+                                        </p:attrNameLst>
+                                      </p:cBhvr>
+                                      <p:tavLst>
+                                        <p:tav tm="0">
+                                          <p:val>
+                                            <p:strVal val="#ppt_x"/>
+                                          </p:val>
+                                        </p:tav>
+                                        <p:tav tm="100000">
+                                          <p:val>
+                                            <p:strVal val="#ppt_x"/>
+                                          </p:val>
+                                        </p:tav>
+                                      </p:tavLst>
+                                    </p:anim>
+                                    <p:anim calcmode="lin" valueType="num">
+                                      <p:cBhvr additive="base">
+                                        <p:cTn id="30" dur="500" fill="hold"/>
+                                        <p:tgtEl>
+                                          <p:spTgt spid="2">
+                                            <p:txEl>
+                                              <p:pRg st="1" end="1"/>
+                                            </p:txEl>
+                                          </p:spTgt>
+                                        </p:tgtEl>
+                                        <p:attrNameLst>
+                                          <p:attrName>ppt_y</p:attrName>
+                                        </p:attrNameLst>
+                                      </p:cBhvr>
+                                      <p:tavLst>
+                                        <p:tav tm="0">
+                                          <p:val>
+                                            <p:strVal val="1+#ppt_h/2"/>
+                                          </p:val>
+                                        </p:tav>
+                                        <p:tav tm="100000">
+                                          <p:val>
+                                            <p:strVal val="#ppt_y"/>
+                                          </p:val>
+                                        </p:tav>
+                                      </p:tavLst>
+                                    </p:anim>
+                                  </p:childTnLst>
+                                </p:cTn>
+                              </p:par>
+                            </p:childTnLst>
+                          </p:cTn>
+                        </p:par>
+                      </p:childTnLst>
+                    </p:cTn>
+                  </p:par>
+                </p:childTnLst>
+              </p:cTn>
+              <p:prevCondLst>
+                <p:cond evt="onPrev" delay="0">
+                  <p:tgtEl>
+                    <p:sldTgt/>
+                  </p:tgtEl>
+                </p:cond>
+              </p:prevCondLst>
+              <p:nextCondLst>
+                <p:cond evt="onNext" delay="0">
+                  <p:tgtEl>
+                    <p:sldTgt/>
+                  </p:tgtEl>
+                </p:cond>
+              </p:nextCondLst>
+            </p:seq>
+          </p:childTnLst>
+        </p:cTn>
+      </p:par>
+    </p:tnLst>
+  </p:timing>
 </p:sld>
 </file>
 
@@ -4663,7 +6570,7 @@
                 <a16:creationId xmlns:a16="http://schemas.microsoft.com/office/drawing/2014/main" id="{9228552E-C8B1-4A80-8448-0787CE0FC704}"/>
               </a:ext>
               <a:ext uri="{C183D7F6-B498-43B3-948B-1728B52AA6E4}">
-                <adec:decorative xmlns:adec="http://schemas.microsoft.com/office/drawing/2017/decorative" xmlns="" val="1"/>
+                <adec:decorative xmlns:adec="http://schemas.microsoft.com/office/drawing/2017/decorative" val="1"/>
               </a:ext>
             </a:extLst>
           </p:cNvPr>
@@ -5628,6 +7535,187 @@
 <file path=ppt/slides/slide5.xml><?xml version="1.0" encoding="utf-8"?>
 <p:sld xmlns:a="http://schemas.openxmlformats.org/drawingml/2006/main" xmlns:r="http://schemas.openxmlformats.org/officeDocument/2006/relationships" xmlns:p="http://schemas.openxmlformats.org/presentationml/2006/main">
   <p:cSld>
+    <p:spTree>
+      <p:nvGrpSpPr>
+        <p:cNvPr id="1" name=""/>
+        <p:cNvGrpSpPr/>
+        <p:nvPr/>
+      </p:nvGrpSpPr>
+      <p:grpSpPr>
+        <a:xfrm>
+          <a:off x="0" y="0"/>
+          <a:ext cx="0" cy="0"/>
+          <a:chOff x="0" y="0"/>
+          <a:chExt cx="0" cy="0"/>
+        </a:xfrm>
+      </p:grpSpPr>
+      <p:pic>
+        <p:nvPicPr>
+          <p:cNvPr id="10" name="Kép 9" descr="A képen bicikli, Biciklikerék, kerék, Bicikliváz látható&#10;&#10;Automatikusan generált leírás">
+            <a:extLst>
+              <a:ext uri="{FF2B5EF4-FFF2-40B4-BE49-F238E27FC236}">
+                <a16:creationId xmlns:a16="http://schemas.microsoft.com/office/drawing/2014/main" id="{66611E25-3099-AE31-C3F6-CA91CF4E89C9}"/>
+              </a:ext>
+            </a:extLst>
+          </p:cNvPr>
+          <p:cNvPicPr>
+            <a:picLocks noChangeAspect="1"/>
+          </p:cNvPicPr>
+          <p:nvPr/>
+        </p:nvPicPr>
+        <p:blipFill rotWithShape="1">
+          <a:blip r:embed="rId2">
+            <a:alphaModFix amt="35000"/>
+            <a:extLst>
+              <a:ext uri="{28A0092B-C50C-407E-A947-70E740481C1C}">
+                <a14:useLocalDpi xmlns:a14="http://schemas.microsoft.com/office/drawing/2010/main" val="0"/>
+              </a:ext>
+            </a:extLst>
+          </a:blip>
+          <a:srcRect/>
+          <a:stretch/>
+        </p:blipFill>
+        <p:spPr>
+          <a:xfrm>
+            <a:off x="20" y="0"/>
+            <a:ext cx="12191980" cy="6857990"/>
+          </a:xfrm>
+          <a:prstGeom prst="rect">
+            <a:avLst/>
+          </a:prstGeom>
+        </p:spPr>
+      </p:pic>
+      <p:sp>
+        <p:nvSpPr>
+          <p:cNvPr id="7" name="Szövegdoboz 6">
+            <a:extLst>
+              <a:ext uri="{FF2B5EF4-FFF2-40B4-BE49-F238E27FC236}">
+                <a16:creationId xmlns:a16="http://schemas.microsoft.com/office/drawing/2014/main" id="{3A615D6D-1CBA-5895-4A85-F39E0EF0F14B}"/>
+              </a:ext>
+            </a:extLst>
+          </p:cNvPr>
+          <p:cNvSpPr txBox="1"/>
+          <p:nvPr/>
+        </p:nvSpPr>
+        <p:spPr>
+          <a:xfrm>
+            <a:off x="297024" y="486423"/>
+            <a:ext cx="10515600" cy="1325563"/>
+          </a:xfrm>
+          <a:prstGeom prst="rect">
+            <a:avLst/>
+          </a:prstGeom>
+        </p:spPr>
+        <p:txBody>
+          <a:bodyPr vert="horz" lIns="91440" tIns="45720" rIns="91440" bIns="45720" rtlCol="0" anchor="ctr">
+            <a:normAutofit/>
+          </a:bodyPr>
+          <a:lstStyle/>
+          <a:p>
+            <a:pPr>
+              <a:lnSpc>
+                <a:spcPct val="90000"/>
+              </a:lnSpc>
+              <a:spcBef>
+                <a:spcPct val="0"/>
+              </a:spcBef>
+              <a:spcAft>
+                <a:spcPts val="600"/>
+              </a:spcAft>
+            </a:pPr>
+            <a:endParaRPr lang="en-US" sz="4400" dirty="0">
+              <a:solidFill>
+                <a:srgbClr val="FFFFFF"/>
+              </a:solidFill>
+              <a:latin typeface="Arial Rounded MT Bold" panose="020F0704030504030204" pitchFamily="34" charset="0"/>
+              <a:ea typeface="+mj-ea"/>
+              <a:cs typeface="+mj-cs"/>
+            </a:endParaRPr>
+          </a:p>
+        </p:txBody>
+      </p:sp>
+      <p:sp>
+        <p:nvSpPr>
+          <p:cNvPr id="8" name="Szövegdoboz 7">
+            <a:extLst>
+              <a:ext uri="{FF2B5EF4-FFF2-40B4-BE49-F238E27FC236}">
+                <a16:creationId xmlns:a16="http://schemas.microsoft.com/office/drawing/2014/main" id="{2541CE1A-BE08-DFE6-4EA5-C8934FC0C2C1}"/>
+              </a:ext>
+            </a:extLst>
+          </p:cNvPr>
+          <p:cNvSpPr txBox="1"/>
+          <p:nvPr/>
+        </p:nvSpPr>
+        <p:spPr>
+          <a:xfrm>
+            <a:off x="191146" y="1811986"/>
+            <a:ext cx="10515600" cy="4351338"/>
+          </a:xfrm>
+          <a:prstGeom prst="rect">
+            <a:avLst/>
+          </a:prstGeom>
+        </p:spPr>
+        <p:txBody>
+          <a:bodyPr vert="horz" lIns="91440" tIns="45720" rIns="91440" bIns="45720" rtlCol="0">
+            <a:normAutofit/>
+          </a:bodyPr>
+          <a:lstStyle/>
+          <a:p>
+            <a:pPr marL="57150">
+              <a:lnSpc>
+                <a:spcPct val="90000"/>
+              </a:lnSpc>
+              <a:spcAft>
+                <a:spcPts val="600"/>
+              </a:spcAft>
+            </a:pPr>
+            <a:endParaRPr lang="en-US" dirty="0">
+              <a:solidFill>
+                <a:srgbClr val="FFFFFF"/>
+              </a:solidFill>
+              <a:latin typeface="Arial Rounded MT Bold" panose="020F0704030504030204" pitchFamily="34" charset="0"/>
+            </a:endParaRPr>
+          </a:p>
+        </p:txBody>
+      </p:sp>
+      <p:graphicFrame>
+        <p:nvGraphicFramePr>
+          <p:cNvPr id="5" name="Diagram 4">
+            <a:extLst>
+              <a:ext uri="{FF2B5EF4-FFF2-40B4-BE49-F238E27FC236}">
+                <a16:creationId xmlns:a16="http://schemas.microsoft.com/office/drawing/2014/main" id="{B62E1337-0262-ED09-E1F7-A3F365EAEE1F}"/>
+              </a:ext>
+            </a:extLst>
+          </p:cNvPr>
+          <p:cNvGraphicFramePr/>
+          <p:nvPr/>
+        </p:nvGraphicFramePr>
+        <p:xfrm>
+          <a:off x="1822450" y="486423"/>
+          <a:ext cx="8136000" cy="5418667"/>
+        </p:xfrm>
+        <a:graphic>
+          <a:graphicData uri="http://schemas.openxmlformats.org/drawingml/2006/chart">
+            <c:chart xmlns:c="http://schemas.openxmlformats.org/drawingml/2006/chart" xmlns:r="http://schemas.openxmlformats.org/officeDocument/2006/relationships" r:id="rId3"/>
+          </a:graphicData>
+        </a:graphic>
+      </p:graphicFrame>
+    </p:spTree>
+    <p:extLst>
+      <p:ext uri="{BB962C8B-B14F-4D97-AF65-F5344CB8AC3E}">
+        <p14:creationId xmlns:p14="http://schemas.microsoft.com/office/powerpoint/2010/main" val="2530159231"/>
+      </p:ext>
+    </p:extLst>
+  </p:cSld>
+  <p:clrMapOvr>
+    <a:masterClrMapping/>
+  </p:clrMapOvr>
+</p:sld>
+</file>
+
+<file path=ppt/slides/slide6.xml><?xml version="1.0" encoding="utf-8"?>
+<p:sld xmlns:a="http://schemas.openxmlformats.org/drawingml/2006/main" xmlns:r="http://schemas.openxmlformats.org/officeDocument/2006/relationships" xmlns:p="http://schemas.openxmlformats.org/presentationml/2006/main">
+  <p:cSld>
     <p:bg>
       <p:bgPr>
         <a:solidFill>
@@ -5658,7 +7746,7 @@
                 <a16:creationId xmlns:a16="http://schemas.microsoft.com/office/drawing/2014/main" id="{9228552E-C8B1-4A80-8448-0787CE0FC704}"/>
               </a:ext>
               <a:ext uri="{C183D7F6-B498-43B3-948B-1728B52AA6E4}">
-                <adec:decorative xmlns:adec="http://schemas.microsoft.com/office/drawing/2017/decorative" xmlns="" val="1"/>
+                <adec:decorative xmlns:adec="http://schemas.microsoft.com/office/drawing/2017/decorative" val="1"/>
               </a:ext>
             </a:extLst>
           </p:cNvPr>
@@ -5884,7 +7972,7 @@
         </p:nvSpPr>
         <p:spPr>
           <a:xfrm>
-            <a:off x="419450" y="486422"/>
+            <a:off x="486561" y="521278"/>
             <a:ext cx="10499052" cy="769441"/>
           </a:xfrm>
           <a:prstGeom prst="rect">
@@ -5899,14 +7987,11 @@
           <a:lstStyle/>
           <a:p>
             <a:r>
-              <a:rPr lang="hu-HU" sz="4400" b="1" dirty="0" smtClean="0">
+              <a:rPr lang="hu-HU" sz="4400" b="1" dirty="0">
                 <a:latin typeface="Arial Rounded MT Bold" panose="020F0704030504030204" pitchFamily="34" charset="0"/>
               </a:rPr>
               <a:t>A projekt részletesen</a:t>
             </a:r>
-            <a:endParaRPr lang="hu-HU" sz="4400" b="1" dirty="0">
-              <a:latin typeface="Arial Rounded MT Bold" panose="020F0704030504030204" pitchFamily="34" charset="0"/>
-            </a:endParaRPr>
           </a:p>
         </p:txBody>
       </p:sp>
@@ -5933,7 +8018,7 @@
           <a:lstStyle/>
           <a:p>
             <a:r>
-              <a:rPr lang="hu-HU" dirty="0" smtClean="0">
+              <a:rPr lang="hu-HU" dirty="0">
                 <a:latin typeface="Arial Rounded MT Bold" panose="020F0704030504030204" pitchFamily="34" charset="0"/>
               </a:rPr>
               <a:t>Jelenleg a projektnek az adatbázis, belépő és regisztrációs oldala van készen. </a:t>
@@ -5941,16 +8026,40 @@
           </a:p>
           <a:p>
             <a:r>
-              <a:rPr lang="hu-HU" dirty="0" smtClean="0">
+              <a:rPr lang="hu-HU" dirty="0">
                 <a:latin typeface="Arial Rounded MT Bold" panose="020F0704030504030204" pitchFamily="34" charset="0"/>
               </a:rPr>
               <a:t>A projekt elkészítéséhez </a:t>
             </a:r>
             <a:r>
-              <a:rPr lang="hu-HU" dirty="0" err="1" smtClean="0">
+              <a:rPr lang="hu-HU" dirty="0" err="1">
                 <a:latin typeface="Arial Rounded MT Bold" panose="020F0704030504030204" pitchFamily="34" charset="0"/>
               </a:rPr>
               <a:t>Intellij</a:t>
+            </a:r>
+            <a:r>
+              <a:rPr lang="hu-HU" dirty="0">
+                <a:latin typeface="Arial Rounded MT Bold" panose="020F0704030504030204" pitchFamily="34" charset="0"/>
+              </a:rPr>
+              <a:t> IDEA, </a:t>
+            </a:r>
+            <a:r>
+              <a:rPr lang="hu-HU" dirty="0" err="1">
+                <a:latin typeface="Arial Rounded MT Bold" panose="020F0704030504030204" pitchFamily="34" charset="0"/>
+              </a:rPr>
+              <a:t>xampp</a:t>
+            </a:r>
+            <a:r>
+              <a:rPr lang="hu-HU" dirty="0">
+                <a:latin typeface="Arial Rounded MT Bold" panose="020F0704030504030204" pitchFamily="34" charset="0"/>
+              </a:rPr>
+              <a:t> és Visual </a:t>
+            </a:r>
+            <a:r>
+              <a:rPr lang="hu-HU" dirty="0" err="1">
+                <a:latin typeface="Arial Rounded MT Bold" panose="020F0704030504030204" pitchFamily="34" charset="0"/>
+              </a:rPr>
+              <a:t>Studio</a:t>
             </a:r>
             <a:r>
               <a:rPr lang="hu-HU" dirty="0">
@@ -5959,43 +8068,13 @@
               <a:t> </a:t>
             </a:r>
             <a:r>
-              <a:rPr lang="hu-HU" dirty="0" smtClean="0">
-                <a:latin typeface="Arial Rounded MT Bold" panose="020F0704030504030204" pitchFamily="34" charset="0"/>
-              </a:rPr>
-              <a:t>IDEA, </a:t>
-            </a:r>
-            <a:r>
-              <a:rPr lang="hu-HU" dirty="0" err="1" smtClean="0">
-                <a:latin typeface="Arial Rounded MT Bold" panose="020F0704030504030204" pitchFamily="34" charset="0"/>
-              </a:rPr>
-              <a:t>xampp</a:t>
-            </a:r>
-            <a:r>
-              <a:rPr lang="hu-HU" dirty="0" smtClean="0">
-                <a:latin typeface="Arial Rounded MT Bold" panose="020F0704030504030204" pitchFamily="34" charset="0"/>
-              </a:rPr>
-              <a:t> és Visual </a:t>
-            </a:r>
-            <a:r>
-              <a:rPr lang="hu-HU" dirty="0" err="1" smtClean="0">
-                <a:latin typeface="Arial Rounded MT Bold" panose="020F0704030504030204" pitchFamily="34" charset="0"/>
-              </a:rPr>
-              <a:t>Studio</a:t>
-            </a:r>
-            <a:r>
-              <a:rPr lang="hu-HU" dirty="0" smtClean="0">
-                <a:latin typeface="Arial Rounded MT Bold" panose="020F0704030504030204" pitchFamily="34" charset="0"/>
-              </a:rPr>
-              <a:t> </a:t>
-            </a:r>
-            <a:r>
-              <a:rPr lang="hu-HU" dirty="0" err="1" smtClean="0">
+              <a:rPr lang="hu-HU" dirty="0" err="1">
                 <a:latin typeface="Arial Rounded MT Bold" panose="020F0704030504030204" pitchFamily="34" charset="0"/>
               </a:rPr>
               <a:t>Code</a:t>
             </a:r>
             <a:r>
-              <a:rPr lang="hu-HU" dirty="0" smtClean="0">
+              <a:rPr lang="hu-HU" dirty="0">
                 <a:latin typeface="Arial Rounded MT Bold" panose="020F0704030504030204" pitchFamily="34" charset="0"/>
               </a:rPr>
               <a:t> programokban dolgozunk.</a:t>
@@ -6003,14 +8082,11 @@
           </a:p>
           <a:p>
             <a:r>
-              <a:rPr lang="hu-HU" dirty="0" smtClean="0">
+              <a:rPr lang="hu-HU" dirty="0">
                 <a:latin typeface="Arial Rounded MT Bold" panose="020F0704030504030204" pitchFamily="34" charset="0"/>
               </a:rPr>
               <a:t>A projektet asztali számítógépre, laptopra és mobileszközre is fejlesztjük.</a:t>
             </a:r>
-            <a:endParaRPr lang="hu-HU" dirty="0">
-              <a:latin typeface="Arial Rounded MT Bold" panose="020F0704030504030204" pitchFamily="34" charset="0"/>
-            </a:endParaRPr>
           </a:p>
         </p:txBody>
       </p:sp>
@@ -6024,10 +8100,1133 @@
   <p:clrMapOvr>
     <a:overrideClrMapping bg1="dk1" tx1="lt1" bg2="dk2" tx2="lt2" accent1="accent1" accent2="accent2" accent3="accent3" accent4="accent4" accent5="accent5" accent6="accent6" hlink="hlink" folHlink="folHlink"/>
   </p:clrMapOvr>
+  <p:timing>
+    <p:tnLst>
+      <p:par>
+        <p:cTn id="1" dur="indefinite" restart="never" nodeType="tmRoot">
+          <p:childTnLst>
+            <p:seq concurrent="1" nextAc="seek">
+              <p:cTn id="2" dur="indefinite" nodeType="mainSeq">
+                <p:childTnLst>
+                  <p:par>
+                    <p:cTn id="3" fill="hold">
+                      <p:stCondLst>
+                        <p:cond delay="indefinite"/>
+                      </p:stCondLst>
+                      <p:childTnLst>
+                        <p:par>
+                          <p:cTn id="4" fill="hold">
+                            <p:stCondLst>
+                              <p:cond delay="0"/>
+                            </p:stCondLst>
+                            <p:childTnLst>
+                              <p:par>
+                                <p:cTn id="5" presetID="16" presetClass="entr" presetSubtype="21" fill="hold" nodeType="clickEffect">
+                                  <p:stCondLst>
+                                    <p:cond delay="0"/>
+                                  </p:stCondLst>
+                                  <p:childTnLst>
+                                    <p:set>
+                                      <p:cBhvr>
+                                        <p:cTn id="6" dur="1" fill="hold">
+                                          <p:stCondLst>
+                                            <p:cond delay="0"/>
+                                          </p:stCondLst>
+                                        </p:cTn>
+                                        <p:tgtEl>
+                                          <p:spTgt spid="3">
+                                            <p:txEl>
+                                              <p:pRg st="0" end="0"/>
+                                            </p:txEl>
+                                          </p:spTgt>
+                                        </p:tgtEl>
+                                        <p:attrNameLst>
+                                          <p:attrName>style.visibility</p:attrName>
+                                        </p:attrNameLst>
+                                      </p:cBhvr>
+                                      <p:to>
+                                        <p:strVal val="visible"/>
+                                      </p:to>
+                                    </p:set>
+                                    <p:animEffect transition="in" filter="barn(inVertical)">
+                                      <p:cBhvr>
+                                        <p:cTn id="7" dur="500"/>
+                                        <p:tgtEl>
+                                          <p:spTgt spid="3">
+                                            <p:txEl>
+                                              <p:pRg st="0" end="0"/>
+                                            </p:txEl>
+                                          </p:spTgt>
+                                        </p:tgtEl>
+                                      </p:cBhvr>
+                                    </p:animEffect>
+                                  </p:childTnLst>
+                                </p:cTn>
+                              </p:par>
+                            </p:childTnLst>
+                          </p:cTn>
+                        </p:par>
+                      </p:childTnLst>
+                    </p:cTn>
+                  </p:par>
+                  <p:par>
+                    <p:cTn id="8" fill="hold">
+                      <p:stCondLst>
+                        <p:cond delay="indefinite"/>
+                      </p:stCondLst>
+                      <p:childTnLst>
+                        <p:par>
+                          <p:cTn id="9" fill="hold">
+                            <p:stCondLst>
+                              <p:cond delay="0"/>
+                            </p:stCondLst>
+                            <p:childTnLst>
+                              <p:par>
+                                <p:cTn id="10" presetID="26" presetClass="entr" presetSubtype="0" fill="hold" nodeType="clickEffect">
+                                  <p:stCondLst>
+                                    <p:cond delay="0"/>
+                                  </p:stCondLst>
+                                  <p:childTnLst>
+                                    <p:set>
+                                      <p:cBhvr>
+                                        <p:cTn id="11" dur="1" fill="hold">
+                                          <p:stCondLst>
+                                            <p:cond delay="0"/>
+                                          </p:stCondLst>
+                                        </p:cTn>
+                                        <p:tgtEl>
+                                          <p:spTgt spid="5">
+                                            <p:txEl>
+                                              <p:pRg st="0" end="0"/>
+                                            </p:txEl>
+                                          </p:spTgt>
+                                        </p:tgtEl>
+                                        <p:attrNameLst>
+                                          <p:attrName>style.visibility</p:attrName>
+                                        </p:attrNameLst>
+                                      </p:cBhvr>
+                                      <p:to>
+                                        <p:strVal val="visible"/>
+                                      </p:to>
+                                    </p:set>
+                                    <p:animEffect transition="in" filter="wipe(down)">
+                                      <p:cBhvr>
+                                        <p:cTn id="12" dur="580">
+                                          <p:stCondLst>
+                                            <p:cond delay="0"/>
+                                          </p:stCondLst>
+                                        </p:cTn>
+                                        <p:tgtEl>
+                                          <p:spTgt spid="5">
+                                            <p:txEl>
+                                              <p:pRg st="0" end="0"/>
+                                            </p:txEl>
+                                          </p:spTgt>
+                                        </p:tgtEl>
+                                      </p:cBhvr>
+                                    </p:animEffect>
+                                    <p:anim calcmode="lin" valueType="num">
+                                      <p:cBhvr>
+                                        <p:cTn id="13" dur="1822" tmFilter="0,0; 0.14,0.36; 0.43,0.73; 0.71,0.91; 1.0,1.0">
+                                          <p:stCondLst>
+                                            <p:cond delay="0"/>
+                                          </p:stCondLst>
+                                        </p:cTn>
+                                        <p:tgtEl>
+                                          <p:spTgt spid="5">
+                                            <p:txEl>
+                                              <p:pRg st="0" end="0"/>
+                                            </p:txEl>
+                                          </p:spTgt>
+                                        </p:tgtEl>
+                                        <p:attrNameLst>
+                                          <p:attrName>ppt_x</p:attrName>
+                                        </p:attrNameLst>
+                                      </p:cBhvr>
+                                      <p:tavLst>
+                                        <p:tav tm="0">
+                                          <p:val>
+                                            <p:strVal val="#ppt_x-0.25"/>
+                                          </p:val>
+                                        </p:tav>
+                                        <p:tav tm="100000">
+                                          <p:val>
+                                            <p:strVal val="#ppt_x"/>
+                                          </p:val>
+                                        </p:tav>
+                                      </p:tavLst>
+                                    </p:anim>
+                                    <p:anim calcmode="lin" valueType="num">
+                                      <p:cBhvr>
+                                        <p:cTn id="14" dur="664" tmFilter="0.0,0.0; 0.25,0.07; 0.50,0.2; 0.75,0.467; 1.0,1.0">
+                                          <p:stCondLst>
+                                            <p:cond delay="0"/>
+                                          </p:stCondLst>
+                                        </p:cTn>
+                                        <p:tgtEl>
+                                          <p:spTgt spid="5">
+                                            <p:txEl>
+                                              <p:pRg st="0" end="0"/>
+                                            </p:txEl>
+                                          </p:spTgt>
+                                        </p:tgtEl>
+                                        <p:attrNameLst>
+                                          <p:attrName>ppt_y</p:attrName>
+                                        </p:attrNameLst>
+                                      </p:cBhvr>
+                                      <p:tavLst>
+                                        <p:tav tm="0" fmla="#ppt_y-sin(pi*$)/3">
+                                          <p:val>
+                                            <p:fltVal val="0.5"/>
+                                          </p:val>
+                                        </p:tav>
+                                        <p:tav tm="100000">
+                                          <p:val>
+                                            <p:fltVal val="1"/>
+                                          </p:val>
+                                        </p:tav>
+                                      </p:tavLst>
+                                    </p:anim>
+                                    <p:anim calcmode="lin" valueType="num">
+                                      <p:cBhvr>
+                                        <p:cTn id="15" dur="664" tmFilter="0, 0; 0.125,0.2665; 0.25,0.4; 0.375,0.465; 0.5,0.5;  0.625,0.535; 0.75,0.6; 0.875,0.7335; 1,1">
+                                          <p:stCondLst>
+                                            <p:cond delay="664"/>
+                                          </p:stCondLst>
+                                        </p:cTn>
+                                        <p:tgtEl>
+                                          <p:spTgt spid="5">
+                                            <p:txEl>
+                                              <p:pRg st="0" end="0"/>
+                                            </p:txEl>
+                                          </p:spTgt>
+                                        </p:tgtEl>
+                                        <p:attrNameLst>
+                                          <p:attrName>ppt_y</p:attrName>
+                                        </p:attrNameLst>
+                                      </p:cBhvr>
+                                      <p:tavLst>
+                                        <p:tav tm="0" fmla="#ppt_y-sin(pi*$)/9">
+                                          <p:val>
+                                            <p:fltVal val="0"/>
+                                          </p:val>
+                                        </p:tav>
+                                        <p:tav tm="100000">
+                                          <p:val>
+                                            <p:fltVal val="1"/>
+                                          </p:val>
+                                        </p:tav>
+                                      </p:tavLst>
+                                    </p:anim>
+                                    <p:anim calcmode="lin" valueType="num">
+                                      <p:cBhvr>
+                                        <p:cTn id="16" dur="332" tmFilter="0, 0; 0.125,0.2665; 0.25,0.4; 0.375,0.465; 0.5,0.5;  0.625,0.535; 0.75,0.6; 0.875,0.7335; 1,1">
+                                          <p:stCondLst>
+                                            <p:cond delay="1324"/>
+                                          </p:stCondLst>
+                                        </p:cTn>
+                                        <p:tgtEl>
+                                          <p:spTgt spid="5">
+                                            <p:txEl>
+                                              <p:pRg st="0" end="0"/>
+                                            </p:txEl>
+                                          </p:spTgt>
+                                        </p:tgtEl>
+                                        <p:attrNameLst>
+                                          <p:attrName>ppt_y</p:attrName>
+                                        </p:attrNameLst>
+                                      </p:cBhvr>
+                                      <p:tavLst>
+                                        <p:tav tm="0" fmla="#ppt_y-sin(pi*$)/27">
+                                          <p:val>
+                                            <p:fltVal val="0"/>
+                                          </p:val>
+                                        </p:tav>
+                                        <p:tav tm="100000">
+                                          <p:val>
+                                            <p:fltVal val="1"/>
+                                          </p:val>
+                                        </p:tav>
+                                      </p:tavLst>
+                                    </p:anim>
+                                    <p:anim calcmode="lin" valueType="num">
+                                      <p:cBhvr>
+                                        <p:cTn id="17" dur="164" tmFilter="0, 0; 0.125,0.2665; 0.25,0.4; 0.375,0.465; 0.5,0.5;  0.625,0.535; 0.75,0.6; 0.875,0.7335; 1,1">
+                                          <p:stCondLst>
+                                            <p:cond delay="1656"/>
+                                          </p:stCondLst>
+                                        </p:cTn>
+                                        <p:tgtEl>
+                                          <p:spTgt spid="5">
+                                            <p:txEl>
+                                              <p:pRg st="0" end="0"/>
+                                            </p:txEl>
+                                          </p:spTgt>
+                                        </p:tgtEl>
+                                        <p:attrNameLst>
+                                          <p:attrName>ppt_y</p:attrName>
+                                        </p:attrNameLst>
+                                      </p:cBhvr>
+                                      <p:tavLst>
+                                        <p:tav tm="0" fmla="#ppt_y-sin(pi*$)/81">
+                                          <p:val>
+                                            <p:fltVal val="0"/>
+                                          </p:val>
+                                        </p:tav>
+                                        <p:tav tm="100000">
+                                          <p:val>
+                                            <p:fltVal val="1"/>
+                                          </p:val>
+                                        </p:tav>
+                                      </p:tavLst>
+                                    </p:anim>
+                                    <p:animScale>
+                                      <p:cBhvr>
+                                        <p:cTn id="18" dur="26">
+                                          <p:stCondLst>
+                                            <p:cond delay="650"/>
+                                          </p:stCondLst>
+                                        </p:cTn>
+                                        <p:tgtEl>
+                                          <p:spTgt spid="5">
+                                            <p:txEl>
+                                              <p:pRg st="0" end="0"/>
+                                            </p:txEl>
+                                          </p:spTgt>
+                                        </p:tgtEl>
+                                      </p:cBhvr>
+                                      <p:to x="100000" y="60000"/>
+                                    </p:animScale>
+                                    <p:animScale>
+                                      <p:cBhvr>
+                                        <p:cTn id="19" dur="166" decel="50000">
+                                          <p:stCondLst>
+                                            <p:cond delay="676"/>
+                                          </p:stCondLst>
+                                        </p:cTn>
+                                        <p:tgtEl>
+                                          <p:spTgt spid="5">
+                                            <p:txEl>
+                                              <p:pRg st="0" end="0"/>
+                                            </p:txEl>
+                                          </p:spTgt>
+                                        </p:tgtEl>
+                                      </p:cBhvr>
+                                      <p:to x="100000" y="100000"/>
+                                    </p:animScale>
+                                    <p:animScale>
+                                      <p:cBhvr>
+                                        <p:cTn id="20" dur="26">
+                                          <p:stCondLst>
+                                            <p:cond delay="1312"/>
+                                          </p:stCondLst>
+                                        </p:cTn>
+                                        <p:tgtEl>
+                                          <p:spTgt spid="5">
+                                            <p:txEl>
+                                              <p:pRg st="0" end="0"/>
+                                            </p:txEl>
+                                          </p:spTgt>
+                                        </p:tgtEl>
+                                      </p:cBhvr>
+                                      <p:to x="100000" y="80000"/>
+                                    </p:animScale>
+                                    <p:animScale>
+                                      <p:cBhvr>
+                                        <p:cTn id="21" dur="166" decel="50000">
+                                          <p:stCondLst>
+                                            <p:cond delay="1338"/>
+                                          </p:stCondLst>
+                                        </p:cTn>
+                                        <p:tgtEl>
+                                          <p:spTgt spid="5">
+                                            <p:txEl>
+                                              <p:pRg st="0" end="0"/>
+                                            </p:txEl>
+                                          </p:spTgt>
+                                        </p:tgtEl>
+                                      </p:cBhvr>
+                                      <p:to x="100000" y="100000"/>
+                                    </p:animScale>
+                                    <p:animScale>
+                                      <p:cBhvr>
+                                        <p:cTn id="22" dur="26">
+                                          <p:stCondLst>
+                                            <p:cond delay="1642"/>
+                                          </p:stCondLst>
+                                        </p:cTn>
+                                        <p:tgtEl>
+                                          <p:spTgt spid="5">
+                                            <p:txEl>
+                                              <p:pRg st="0" end="0"/>
+                                            </p:txEl>
+                                          </p:spTgt>
+                                        </p:tgtEl>
+                                      </p:cBhvr>
+                                      <p:to x="100000" y="90000"/>
+                                    </p:animScale>
+                                    <p:animScale>
+                                      <p:cBhvr>
+                                        <p:cTn id="23" dur="166" decel="50000">
+                                          <p:stCondLst>
+                                            <p:cond delay="1668"/>
+                                          </p:stCondLst>
+                                        </p:cTn>
+                                        <p:tgtEl>
+                                          <p:spTgt spid="5">
+                                            <p:txEl>
+                                              <p:pRg st="0" end="0"/>
+                                            </p:txEl>
+                                          </p:spTgt>
+                                        </p:tgtEl>
+                                      </p:cBhvr>
+                                      <p:to x="100000" y="100000"/>
+                                    </p:animScale>
+                                    <p:animScale>
+                                      <p:cBhvr>
+                                        <p:cTn id="24" dur="26">
+                                          <p:stCondLst>
+                                            <p:cond delay="1808"/>
+                                          </p:stCondLst>
+                                        </p:cTn>
+                                        <p:tgtEl>
+                                          <p:spTgt spid="5">
+                                            <p:txEl>
+                                              <p:pRg st="0" end="0"/>
+                                            </p:txEl>
+                                          </p:spTgt>
+                                        </p:tgtEl>
+                                      </p:cBhvr>
+                                      <p:to x="100000" y="95000"/>
+                                    </p:animScale>
+                                    <p:animScale>
+                                      <p:cBhvr>
+                                        <p:cTn id="25" dur="166" decel="50000">
+                                          <p:stCondLst>
+                                            <p:cond delay="1834"/>
+                                          </p:stCondLst>
+                                        </p:cTn>
+                                        <p:tgtEl>
+                                          <p:spTgt spid="5">
+                                            <p:txEl>
+                                              <p:pRg st="0" end="0"/>
+                                            </p:txEl>
+                                          </p:spTgt>
+                                        </p:tgtEl>
+                                      </p:cBhvr>
+                                      <p:to x="100000" y="100000"/>
+                                    </p:animScale>
+                                  </p:childTnLst>
+                                </p:cTn>
+                              </p:par>
+                              <p:par>
+                                <p:cTn id="26" presetID="26" presetClass="entr" presetSubtype="0" fill="hold" nodeType="withEffect">
+                                  <p:stCondLst>
+                                    <p:cond delay="0"/>
+                                  </p:stCondLst>
+                                  <p:childTnLst>
+                                    <p:set>
+                                      <p:cBhvr>
+                                        <p:cTn id="27" dur="1" fill="hold">
+                                          <p:stCondLst>
+                                            <p:cond delay="0"/>
+                                          </p:stCondLst>
+                                        </p:cTn>
+                                        <p:tgtEl>
+                                          <p:spTgt spid="5">
+                                            <p:txEl>
+                                              <p:pRg st="1" end="1"/>
+                                            </p:txEl>
+                                          </p:spTgt>
+                                        </p:tgtEl>
+                                        <p:attrNameLst>
+                                          <p:attrName>style.visibility</p:attrName>
+                                        </p:attrNameLst>
+                                      </p:cBhvr>
+                                      <p:to>
+                                        <p:strVal val="visible"/>
+                                      </p:to>
+                                    </p:set>
+                                    <p:animEffect transition="in" filter="wipe(down)">
+                                      <p:cBhvr>
+                                        <p:cTn id="28" dur="580">
+                                          <p:stCondLst>
+                                            <p:cond delay="0"/>
+                                          </p:stCondLst>
+                                        </p:cTn>
+                                        <p:tgtEl>
+                                          <p:spTgt spid="5">
+                                            <p:txEl>
+                                              <p:pRg st="1" end="1"/>
+                                            </p:txEl>
+                                          </p:spTgt>
+                                        </p:tgtEl>
+                                      </p:cBhvr>
+                                    </p:animEffect>
+                                    <p:anim calcmode="lin" valueType="num">
+                                      <p:cBhvr>
+                                        <p:cTn id="29" dur="1822" tmFilter="0,0; 0.14,0.36; 0.43,0.73; 0.71,0.91; 1.0,1.0">
+                                          <p:stCondLst>
+                                            <p:cond delay="0"/>
+                                          </p:stCondLst>
+                                        </p:cTn>
+                                        <p:tgtEl>
+                                          <p:spTgt spid="5">
+                                            <p:txEl>
+                                              <p:pRg st="1" end="1"/>
+                                            </p:txEl>
+                                          </p:spTgt>
+                                        </p:tgtEl>
+                                        <p:attrNameLst>
+                                          <p:attrName>ppt_x</p:attrName>
+                                        </p:attrNameLst>
+                                      </p:cBhvr>
+                                      <p:tavLst>
+                                        <p:tav tm="0">
+                                          <p:val>
+                                            <p:strVal val="#ppt_x-0.25"/>
+                                          </p:val>
+                                        </p:tav>
+                                        <p:tav tm="100000">
+                                          <p:val>
+                                            <p:strVal val="#ppt_x"/>
+                                          </p:val>
+                                        </p:tav>
+                                      </p:tavLst>
+                                    </p:anim>
+                                    <p:anim calcmode="lin" valueType="num">
+                                      <p:cBhvr>
+                                        <p:cTn id="30" dur="664" tmFilter="0.0,0.0; 0.25,0.07; 0.50,0.2; 0.75,0.467; 1.0,1.0">
+                                          <p:stCondLst>
+                                            <p:cond delay="0"/>
+                                          </p:stCondLst>
+                                        </p:cTn>
+                                        <p:tgtEl>
+                                          <p:spTgt spid="5">
+                                            <p:txEl>
+                                              <p:pRg st="1" end="1"/>
+                                            </p:txEl>
+                                          </p:spTgt>
+                                        </p:tgtEl>
+                                        <p:attrNameLst>
+                                          <p:attrName>ppt_y</p:attrName>
+                                        </p:attrNameLst>
+                                      </p:cBhvr>
+                                      <p:tavLst>
+                                        <p:tav tm="0" fmla="#ppt_y-sin(pi*$)/3">
+                                          <p:val>
+                                            <p:fltVal val="0.5"/>
+                                          </p:val>
+                                        </p:tav>
+                                        <p:tav tm="100000">
+                                          <p:val>
+                                            <p:fltVal val="1"/>
+                                          </p:val>
+                                        </p:tav>
+                                      </p:tavLst>
+                                    </p:anim>
+                                    <p:anim calcmode="lin" valueType="num">
+                                      <p:cBhvr>
+                                        <p:cTn id="31" dur="664" tmFilter="0, 0; 0.125,0.2665; 0.25,0.4; 0.375,0.465; 0.5,0.5;  0.625,0.535; 0.75,0.6; 0.875,0.7335; 1,1">
+                                          <p:stCondLst>
+                                            <p:cond delay="664"/>
+                                          </p:stCondLst>
+                                        </p:cTn>
+                                        <p:tgtEl>
+                                          <p:spTgt spid="5">
+                                            <p:txEl>
+                                              <p:pRg st="1" end="1"/>
+                                            </p:txEl>
+                                          </p:spTgt>
+                                        </p:tgtEl>
+                                        <p:attrNameLst>
+                                          <p:attrName>ppt_y</p:attrName>
+                                        </p:attrNameLst>
+                                      </p:cBhvr>
+                                      <p:tavLst>
+                                        <p:tav tm="0" fmla="#ppt_y-sin(pi*$)/9">
+                                          <p:val>
+                                            <p:fltVal val="0"/>
+                                          </p:val>
+                                        </p:tav>
+                                        <p:tav tm="100000">
+                                          <p:val>
+                                            <p:fltVal val="1"/>
+                                          </p:val>
+                                        </p:tav>
+                                      </p:tavLst>
+                                    </p:anim>
+                                    <p:anim calcmode="lin" valueType="num">
+                                      <p:cBhvr>
+                                        <p:cTn id="32" dur="332" tmFilter="0, 0; 0.125,0.2665; 0.25,0.4; 0.375,0.465; 0.5,0.5;  0.625,0.535; 0.75,0.6; 0.875,0.7335; 1,1">
+                                          <p:stCondLst>
+                                            <p:cond delay="1324"/>
+                                          </p:stCondLst>
+                                        </p:cTn>
+                                        <p:tgtEl>
+                                          <p:spTgt spid="5">
+                                            <p:txEl>
+                                              <p:pRg st="1" end="1"/>
+                                            </p:txEl>
+                                          </p:spTgt>
+                                        </p:tgtEl>
+                                        <p:attrNameLst>
+                                          <p:attrName>ppt_y</p:attrName>
+                                        </p:attrNameLst>
+                                      </p:cBhvr>
+                                      <p:tavLst>
+                                        <p:tav tm="0" fmla="#ppt_y-sin(pi*$)/27">
+                                          <p:val>
+                                            <p:fltVal val="0"/>
+                                          </p:val>
+                                        </p:tav>
+                                        <p:tav tm="100000">
+                                          <p:val>
+                                            <p:fltVal val="1"/>
+                                          </p:val>
+                                        </p:tav>
+                                      </p:tavLst>
+                                    </p:anim>
+                                    <p:anim calcmode="lin" valueType="num">
+                                      <p:cBhvr>
+                                        <p:cTn id="33" dur="164" tmFilter="0, 0; 0.125,0.2665; 0.25,0.4; 0.375,0.465; 0.5,0.5;  0.625,0.535; 0.75,0.6; 0.875,0.7335; 1,1">
+                                          <p:stCondLst>
+                                            <p:cond delay="1656"/>
+                                          </p:stCondLst>
+                                        </p:cTn>
+                                        <p:tgtEl>
+                                          <p:spTgt spid="5">
+                                            <p:txEl>
+                                              <p:pRg st="1" end="1"/>
+                                            </p:txEl>
+                                          </p:spTgt>
+                                        </p:tgtEl>
+                                        <p:attrNameLst>
+                                          <p:attrName>ppt_y</p:attrName>
+                                        </p:attrNameLst>
+                                      </p:cBhvr>
+                                      <p:tavLst>
+                                        <p:tav tm="0" fmla="#ppt_y-sin(pi*$)/81">
+                                          <p:val>
+                                            <p:fltVal val="0"/>
+                                          </p:val>
+                                        </p:tav>
+                                        <p:tav tm="100000">
+                                          <p:val>
+                                            <p:fltVal val="1"/>
+                                          </p:val>
+                                        </p:tav>
+                                      </p:tavLst>
+                                    </p:anim>
+                                    <p:animScale>
+                                      <p:cBhvr>
+                                        <p:cTn id="34" dur="26">
+                                          <p:stCondLst>
+                                            <p:cond delay="650"/>
+                                          </p:stCondLst>
+                                        </p:cTn>
+                                        <p:tgtEl>
+                                          <p:spTgt spid="5">
+                                            <p:txEl>
+                                              <p:pRg st="1" end="1"/>
+                                            </p:txEl>
+                                          </p:spTgt>
+                                        </p:tgtEl>
+                                      </p:cBhvr>
+                                      <p:to x="100000" y="60000"/>
+                                    </p:animScale>
+                                    <p:animScale>
+                                      <p:cBhvr>
+                                        <p:cTn id="35" dur="166" decel="50000">
+                                          <p:stCondLst>
+                                            <p:cond delay="676"/>
+                                          </p:stCondLst>
+                                        </p:cTn>
+                                        <p:tgtEl>
+                                          <p:spTgt spid="5">
+                                            <p:txEl>
+                                              <p:pRg st="1" end="1"/>
+                                            </p:txEl>
+                                          </p:spTgt>
+                                        </p:tgtEl>
+                                      </p:cBhvr>
+                                      <p:to x="100000" y="100000"/>
+                                    </p:animScale>
+                                    <p:animScale>
+                                      <p:cBhvr>
+                                        <p:cTn id="36" dur="26">
+                                          <p:stCondLst>
+                                            <p:cond delay="1312"/>
+                                          </p:stCondLst>
+                                        </p:cTn>
+                                        <p:tgtEl>
+                                          <p:spTgt spid="5">
+                                            <p:txEl>
+                                              <p:pRg st="1" end="1"/>
+                                            </p:txEl>
+                                          </p:spTgt>
+                                        </p:tgtEl>
+                                      </p:cBhvr>
+                                      <p:to x="100000" y="80000"/>
+                                    </p:animScale>
+                                    <p:animScale>
+                                      <p:cBhvr>
+                                        <p:cTn id="37" dur="166" decel="50000">
+                                          <p:stCondLst>
+                                            <p:cond delay="1338"/>
+                                          </p:stCondLst>
+                                        </p:cTn>
+                                        <p:tgtEl>
+                                          <p:spTgt spid="5">
+                                            <p:txEl>
+                                              <p:pRg st="1" end="1"/>
+                                            </p:txEl>
+                                          </p:spTgt>
+                                        </p:tgtEl>
+                                      </p:cBhvr>
+                                      <p:to x="100000" y="100000"/>
+                                    </p:animScale>
+                                    <p:animScale>
+                                      <p:cBhvr>
+                                        <p:cTn id="38" dur="26">
+                                          <p:stCondLst>
+                                            <p:cond delay="1642"/>
+                                          </p:stCondLst>
+                                        </p:cTn>
+                                        <p:tgtEl>
+                                          <p:spTgt spid="5">
+                                            <p:txEl>
+                                              <p:pRg st="1" end="1"/>
+                                            </p:txEl>
+                                          </p:spTgt>
+                                        </p:tgtEl>
+                                      </p:cBhvr>
+                                      <p:to x="100000" y="90000"/>
+                                    </p:animScale>
+                                    <p:animScale>
+                                      <p:cBhvr>
+                                        <p:cTn id="39" dur="166" decel="50000">
+                                          <p:stCondLst>
+                                            <p:cond delay="1668"/>
+                                          </p:stCondLst>
+                                        </p:cTn>
+                                        <p:tgtEl>
+                                          <p:spTgt spid="5">
+                                            <p:txEl>
+                                              <p:pRg st="1" end="1"/>
+                                            </p:txEl>
+                                          </p:spTgt>
+                                        </p:tgtEl>
+                                      </p:cBhvr>
+                                      <p:to x="100000" y="100000"/>
+                                    </p:animScale>
+                                    <p:animScale>
+                                      <p:cBhvr>
+                                        <p:cTn id="40" dur="26">
+                                          <p:stCondLst>
+                                            <p:cond delay="1808"/>
+                                          </p:stCondLst>
+                                        </p:cTn>
+                                        <p:tgtEl>
+                                          <p:spTgt spid="5">
+                                            <p:txEl>
+                                              <p:pRg st="1" end="1"/>
+                                            </p:txEl>
+                                          </p:spTgt>
+                                        </p:tgtEl>
+                                      </p:cBhvr>
+                                      <p:to x="100000" y="95000"/>
+                                    </p:animScale>
+                                    <p:animScale>
+                                      <p:cBhvr>
+                                        <p:cTn id="41" dur="166" decel="50000">
+                                          <p:stCondLst>
+                                            <p:cond delay="1834"/>
+                                          </p:stCondLst>
+                                        </p:cTn>
+                                        <p:tgtEl>
+                                          <p:spTgt spid="5">
+                                            <p:txEl>
+                                              <p:pRg st="1" end="1"/>
+                                            </p:txEl>
+                                          </p:spTgt>
+                                        </p:tgtEl>
+                                      </p:cBhvr>
+                                      <p:to x="100000" y="100000"/>
+                                    </p:animScale>
+                                  </p:childTnLst>
+                                </p:cTn>
+                              </p:par>
+                              <p:par>
+                                <p:cTn id="42" presetID="26" presetClass="entr" presetSubtype="0" fill="hold" nodeType="withEffect">
+                                  <p:stCondLst>
+                                    <p:cond delay="0"/>
+                                  </p:stCondLst>
+                                  <p:childTnLst>
+                                    <p:set>
+                                      <p:cBhvr>
+                                        <p:cTn id="43" dur="1" fill="hold">
+                                          <p:stCondLst>
+                                            <p:cond delay="0"/>
+                                          </p:stCondLst>
+                                        </p:cTn>
+                                        <p:tgtEl>
+                                          <p:spTgt spid="5">
+                                            <p:txEl>
+                                              <p:pRg st="2" end="2"/>
+                                            </p:txEl>
+                                          </p:spTgt>
+                                        </p:tgtEl>
+                                        <p:attrNameLst>
+                                          <p:attrName>style.visibility</p:attrName>
+                                        </p:attrNameLst>
+                                      </p:cBhvr>
+                                      <p:to>
+                                        <p:strVal val="visible"/>
+                                      </p:to>
+                                    </p:set>
+                                    <p:animEffect transition="in" filter="wipe(down)">
+                                      <p:cBhvr>
+                                        <p:cTn id="44" dur="580">
+                                          <p:stCondLst>
+                                            <p:cond delay="0"/>
+                                          </p:stCondLst>
+                                        </p:cTn>
+                                        <p:tgtEl>
+                                          <p:spTgt spid="5">
+                                            <p:txEl>
+                                              <p:pRg st="2" end="2"/>
+                                            </p:txEl>
+                                          </p:spTgt>
+                                        </p:tgtEl>
+                                      </p:cBhvr>
+                                    </p:animEffect>
+                                    <p:anim calcmode="lin" valueType="num">
+                                      <p:cBhvr>
+                                        <p:cTn id="45" dur="1822" tmFilter="0,0; 0.14,0.36; 0.43,0.73; 0.71,0.91; 1.0,1.0">
+                                          <p:stCondLst>
+                                            <p:cond delay="0"/>
+                                          </p:stCondLst>
+                                        </p:cTn>
+                                        <p:tgtEl>
+                                          <p:spTgt spid="5">
+                                            <p:txEl>
+                                              <p:pRg st="2" end="2"/>
+                                            </p:txEl>
+                                          </p:spTgt>
+                                        </p:tgtEl>
+                                        <p:attrNameLst>
+                                          <p:attrName>ppt_x</p:attrName>
+                                        </p:attrNameLst>
+                                      </p:cBhvr>
+                                      <p:tavLst>
+                                        <p:tav tm="0">
+                                          <p:val>
+                                            <p:strVal val="#ppt_x-0.25"/>
+                                          </p:val>
+                                        </p:tav>
+                                        <p:tav tm="100000">
+                                          <p:val>
+                                            <p:strVal val="#ppt_x"/>
+                                          </p:val>
+                                        </p:tav>
+                                      </p:tavLst>
+                                    </p:anim>
+                                    <p:anim calcmode="lin" valueType="num">
+                                      <p:cBhvr>
+                                        <p:cTn id="46" dur="664" tmFilter="0.0,0.0; 0.25,0.07; 0.50,0.2; 0.75,0.467; 1.0,1.0">
+                                          <p:stCondLst>
+                                            <p:cond delay="0"/>
+                                          </p:stCondLst>
+                                        </p:cTn>
+                                        <p:tgtEl>
+                                          <p:spTgt spid="5">
+                                            <p:txEl>
+                                              <p:pRg st="2" end="2"/>
+                                            </p:txEl>
+                                          </p:spTgt>
+                                        </p:tgtEl>
+                                        <p:attrNameLst>
+                                          <p:attrName>ppt_y</p:attrName>
+                                        </p:attrNameLst>
+                                      </p:cBhvr>
+                                      <p:tavLst>
+                                        <p:tav tm="0" fmla="#ppt_y-sin(pi*$)/3">
+                                          <p:val>
+                                            <p:fltVal val="0.5"/>
+                                          </p:val>
+                                        </p:tav>
+                                        <p:tav tm="100000">
+                                          <p:val>
+                                            <p:fltVal val="1"/>
+                                          </p:val>
+                                        </p:tav>
+                                      </p:tavLst>
+                                    </p:anim>
+                                    <p:anim calcmode="lin" valueType="num">
+                                      <p:cBhvr>
+                                        <p:cTn id="47" dur="664" tmFilter="0, 0; 0.125,0.2665; 0.25,0.4; 0.375,0.465; 0.5,0.5;  0.625,0.535; 0.75,0.6; 0.875,0.7335; 1,1">
+                                          <p:stCondLst>
+                                            <p:cond delay="664"/>
+                                          </p:stCondLst>
+                                        </p:cTn>
+                                        <p:tgtEl>
+                                          <p:spTgt spid="5">
+                                            <p:txEl>
+                                              <p:pRg st="2" end="2"/>
+                                            </p:txEl>
+                                          </p:spTgt>
+                                        </p:tgtEl>
+                                        <p:attrNameLst>
+                                          <p:attrName>ppt_y</p:attrName>
+                                        </p:attrNameLst>
+                                      </p:cBhvr>
+                                      <p:tavLst>
+                                        <p:tav tm="0" fmla="#ppt_y-sin(pi*$)/9">
+                                          <p:val>
+                                            <p:fltVal val="0"/>
+                                          </p:val>
+                                        </p:tav>
+                                        <p:tav tm="100000">
+                                          <p:val>
+                                            <p:fltVal val="1"/>
+                                          </p:val>
+                                        </p:tav>
+                                      </p:tavLst>
+                                    </p:anim>
+                                    <p:anim calcmode="lin" valueType="num">
+                                      <p:cBhvr>
+                                        <p:cTn id="48" dur="332" tmFilter="0, 0; 0.125,0.2665; 0.25,0.4; 0.375,0.465; 0.5,0.5;  0.625,0.535; 0.75,0.6; 0.875,0.7335; 1,1">
+                                          <p:stCondLst>
+                                            <p:cond delay="1324"/>
+                                          </p:stCondLst>
+                                        </p:cTn>
+                                        <p:tgtEl>
+                                          <p:spTgt spid="5">
+                                            <p:txEl>
+                                              <p:pRg st="2" end="2"/>
+                                            </p:txEl>
+                                          </p:spTgt>
+                                        </p:tgtEl>
+                                        <p:attrNameLst>
+                                          <p:attrName>ppt_y</p:attrName>
+                                        </p:attrNameLst>
+                                      </p:cBhvr>
+                                      <p:tavLst>
+                                        <p:tav tm="0" fmla="#ppt_y-sin(pi*$)/27">
+                                          <p:val>
+                                            <p:fltVal val="0"/>
+                                          </p:val>
+                                        </p:tav>
+                                        <p:tav tm="100000">
+                                          <p:val>
+                                            <p:fltVal val="1"/>
+                                          </p:val>
+                                        </p:tav>
+                                      </p:tavLst>
+                                    </p:anim>
+                                    <p:anim calcmode="lin" valueType="num">
+                                      <p:cBhvr>
+                                        <p:cTn id="49" dur="164" tmFilter="0, 0; 0.125,0.2665; 0.25,0.4; 0.375,0.465; 0.5,0.5;  0.625,0.535; 0.75,0.6; 0.875,0.7335; 1,1">
+                                          <p:stCondLst>
+                                            <p:cond delay="1656"/>
+                                          </p:stCondLst>
+                                        </p:cTn>
+                                        <p:tgtEl>
+                                          <p:spTgt spid="5">
+                                            <p:txEl>
+                                              <p:pRg st="2" end="2"/>
+                                            </p:txEl>
+                                          </p:spTgt>
+                                        </p:tgtEl>
+                                        <p:attrNameLst>
+                                          <p:attrName>ppt_y</p:attrName>
+                                        </p:attrNameLst>
+                                      </p:cBhvr>
+                                      <p:tavLst>
+                                        <p:tav tm="0" fmla="#ppt_y-sin(pi*$)/81">
+                                          <p:val>
+                                            <p:fltVal val="0"/>
+                                          </p:val>
+                                        </p:tav>
+                                        <p:tav tm="100000">
+                                          <p:val>
+                                            <p:fltVal val="1"/>
+                                          </p:val>
+                                        </p:tav>
+                                      </p:tavLst>
+                                    </p:anim>
+                                    <p:animScale>
+                                      <p:cBhvr>
+                                        <p:cTn id="50" dur="26">
+                                          <p:stCondLst>
+                                            <p:cond delay="650"/>
+                                          </p:stCondLst>
+                                        </p:cTn>
+                                        <p:tgtEl>
+                                          <p:spTgt spid="5">
+                                            <p:txEl>
+                                              <p:pRg st="2" end="2"/>
+                                            </p:txEl>
+                                          </p:spTgt>
+                                        </p:tgtEl>
+                                      </p:cBhvr>
+                                      <p:to x="100000" y="60000"/>
+                                    </p:animScale>
+                                    <p:animScale>
+                                      <p:cBhvr>
+                                        <p:cTn id="51" dur="166" decel="50000">
+                                          <p:stCondLst>
+                                            <p:cond delay="676"/>
+                                          </p:stCondLst>
+                                        </p:cTn>
+                                        <p:tgtEl>
+                                          <p:spTgt spid="5">
+                                            <p:txEl>
+                                              <p:pRg st="2" end="2"/>
+                                            </p:txEl>
+                                          </p:spTgt>
+                                        </p:tgtEl>
+                                      </p:cBhvr>
+                                      <p:to x="100000" y="100000"/>
+                                    </p:animScale>
+                                    <p:animScale>
+                                      <p:cBhvr>
+                                        <p:cTn id="52" dur="26">
+                                          <p:stCondLst>
+                                            <p:cond delay="1312"/>
+                                          </p:stCondLst>
+                                        </p:cTn>
+                                        <p:tgtEl>
+                                          <p:spTgt spid="5">
+                                            <p:txEl>
+                                              <p:pRg st="2" end="2"/>
+                                            </p:txEl>
+                                          </p:spTgt>
+                                        </p:tgtEl>
+                                      </p:cBhvr>
+                                      <p:to x="100000" y="80000"/>
+                                    </p:animScale>
+                                    <p:animScale>
+                                      <p:cBhvr>
+                                        <p:cTn id="53" dur="166" decel="50000">
+                                          <p:stCondLst>
+                                            <p:cond delay="1338"/>
+                                          </p:stCondLst>
+                                        </p:cTn>
+                                        <p:tgtEl>
+                                          <p:spTgt spid="5">
+                                            <p:txEl>
+                                              <p:pRg st="2" end="2"/>
+                                            </p:txEl>
+                                          </p:spTgt>
+                                        </p:tgtEl>
+                                      </p:cBhvr>
+                                      <p:to x="100000" y="100000"/>
+                                    </p:animScale>
+                                    <p:animScale>
+                                      <p:cBhvr>
+                                        <p:cTn id="54" dur="26">
+                                          <p:stCondLst>
+                                            <p:cond delay="1642"/>
+                                          </p:stCondLst>
+                                        </p:cTn>
+                                        <p:tgtEl>
+                                          <p:spTgt spid="5">
+                                            <p:txEl>
+                                              <p:pRg st="2" end="2"/>
+                                            </p:txEl>
+                                          </p:spTgt>
+                                        </p:tgtEl>
+                                      </p:cBhvr>
+                                      <p:to x="100000" y="90000"/>
+                                    </p:animScale>
+                                    <p:animScale>
+                                      <p:cBhvr>
+                                        <p:cTn id="55" dur="166" decel="50000">
+                                          <p:stCondLst>
+                                            <p:cond delay="1668"/>
+                                          </p:stCondLst>
+                                        </p:cTn>
+                                        <p:tgtEl>
+                                          <p:spTgt spid="5">
+                                            <p:txEl>
+                                              <p:pRg st="2" end="2"/>
+                                            </p:txEl>
+                                          </p:spTgt>
+                                        </p:tgtEl>
+                                      </p:cBhvr>
+                                      <p:to x="100000" y="100000"/>
+                                    </p:animScale>
+                                    <p:animScale>
+                                      <p:cBhvr>
+                                        <p:cTn id="56" dur="26">
+                                          <p:stCondLst>
+                                            <p:cond delay="1808"/>
+                                          </p:stCondLst>
+                                        </p:cTn>
+                                        <p:tgtEl>
+                                          <p:spTgt spid="5">
+                                            <p:txEl>
+                                              <p:pRg st="2" end="2"/>
+                                            </p:txEl>
+                                          </p:spTgt>
+                                        </p:tgtEl>
+                                      </p:cBhvr>
+                                      <p:to x="100000" y="95000"/>
+                                    </p:animScale>
+                                    <p:animScale>
+                                      <p:cBhvr>
+                                        <p:cTn id="57" dur="166" decel="50000">
+                                          <p:stCondLst>
+                                            <p:cond delay="1834"/>
+                                          </p:stCondLst>
+                                        </p:cTn>
+                                        <p:tgtEl>
+                                          <p:spTgt spid="5">
+                                            <p:txEl>
+                                              <p:pRg st="2" end="2"/>
+                                            </p:txEl>
+                                          </p:spTgt>
+                                        </p:tgtEl>
+                                      </p:cBhvr>
+                                      <p:to x="100000" y="100000"/>
+                                    </p:animScale>
+                                  </p:childTnLst>
+                                </p:cTn>
+                              </p:par>
+                            </p:childTnLst>
+                          </p:cTn>
+                        </p:par>
+                      </p:childTnLst>
+                    </p:cTn>
+                  </p:par>
+                </p:childTnLst>
+              </p:cTn>
+              <p:prevCondLst>
+                <p:cond evt="onPrev" delay="0">
+                  <p:tgtEl>
+                    <p:sldTgt/>
+                  </p:tgtEl>
+                </p:cond>
+              </p:prevCondLst>
+              <p:nextCondLst>
+                <p:cond evt="onNext" delay="0">
+                  <p:tgtEl>
+                    <p:sldTgt/>
+                  </p:tgtEl>
+                </p:cond>
+              </p:nextCondLst>
+            </p:seq>
+          </p:childTnLst>
+        </p:cTn>
+      </p:par>
+    </p:tnLst>
+  </p:timing>
 </p:sld>
 </file>
 
-<file path=ppt/slides/slide6.xml><?xml version="1.0" encoding="utf-8"?>
+<file path=ppt/slides/slide7.xml><?xml version="1.0" encoding="utf-8"?>
 <p:sld xmlns:a="http://schemas.openxmlformats.org/drawingml/2006/main" xmlns:r="http://schemas.openxmlformats.org/officeDocument/2006/relationships" xmlns:p="http://schemas.openxmlformats.org/presentationml/2006/main">
   <p:cSld>
     <p:bg>
@@ -6060,7 +9259,7 @@
                 <a16:creationId xmlns:a16="http://schemas.microsoft.com/office/drawing/2014/main" id="{9228552E-C8B1-4A80-8448-0787CE0FC704}"/>
               </a:ext>
               <a:ext uri="{C183D7F6-B498-43B3-948B-1728B52AA6E4}">
-                <adec:decorative xmlns:adec="http://schemas.microsoft.com/office/drawing/2017/decorative" xmlns="" val="1"/>
+                <adec:decorative xmlns:adec="http://schemas.microsoft.com/office/drawing/2017/decorative" val="1"/>
               </a:ext>
             </a:extLst>
           </p:cNvPr>
@@ -6301,14 +9500,11 @@
           <a:lstStyle/>
           <a:p>
             <a:r>
-              <a:rPr lang="hu-HU" sz="4400" b="1" dirty="0" smtClean="0">
+              <a:rPr lang="hu-HU" sz="4400" b="1" dirty="0">
                 <a:latin typeface="Arial Rounded MT Bold" panose="020F0704030504030204" pitchFamily="34" charset="0"/>
               </a:rPr>
               <a:t>A projekt részletesen</a:t>
             </a:r>
-            <a:endParaRPr lang="hu-HU" sz="4400" b="1" dirty="0">
-              <a:latin typeface="Arial Rounded MT Bold" panose="020F0704030504030204" pitchFamily="34" charset="0"/>
-            </a:endParaRPr>
           </a:p>
         </p:txBody>
       </p:sp>
@@ -6336,14 +9532,11 @@
           <a:p>
             <a:pPr algn="ctr"/>
             <a:r>
-              <a:rPr lang="hu-HU" dirty="0" smtClean="0">
+              <a:rPr lang="hu-HU" dirty="0">
                 <a:latin typeface="Arial Rounded MT Bold" panose="020F0704030504030204" pitchFamily="34" charset="0"/>
               </a:rPr>
               <a:t>A regisztrációs oldal.</a:t>
             </a:r>
-            <a:endParaRPr lang="hu-HU" dirty="0">
-              <a:latin typeface="Arial Rounded MT Bold" panose="020F0704030504030204" pitchFamily="34" charset="0"/>
-            </a:endParaRPr>
           </a:p>
         </p:txBody>
       </p:sp>
@@ -6381,10 +9574,162 @@
   <p:clrMapOvr>
     <a:overrideClrMapping bg1="dk1" tx1="lt1" bg2="dk2" tx2="lt2" accent1="accent1" accent2="accent2" accent3="accent3" accent4="accent4" accent5="accent5" accent6="accent6" hlink="hlink" folHlink="folHlink"/>
   </p:clrMapOvr>
+  <p:timing>
+    <p:tnLst>
+      <p:par>
+        <p:cTn id="1" dur="indefinite" restart="never" nodeType="tmRoot">
+          <p:childTnLst>
+            <p:seq concurrent="1" nextAc="seek">
+              <p:cTn id="2" dur="indefinite" nodeType="mainSeq">
+                <p:childTnLst>
+                  <p:par>
+                    <p:cTn id="3" fill="hold">
+                      <p:stCondLst>
+                        <p:cond delay="indefinite"/>
+                      </p:stCondLst>
+                      <p:childTnLst>
+                        <p:par>
+                          <p:cTn id="4" fill="hold">
+                            <p:stCondLst>
+                              <p:cond delay="0"/>
+                            </p:stCondLst>
+                            <p:childTnLst>
+                              <p:par>
+                                <p:cTn id="5" presetID="16" presetClass="entr" presetSubtype="21" fill="hold" nodeType="clickEffect">
+                                  <p:stCondLst>
+                                    <p:cond delay="0"/>
+                                  </p:stCondLst>
+                                  <p:childTnLst>
+                                    <p:set>
+                                      <p:cBhvr>
+                                        <p:cTn id="6" dur="1" fill="hold">
+                                          <p:stCondLst>
+                                            <p:cond delay="0"/>
+                                          </p:stCondLst>
+                                        </p:cTn>
+                                        <p:tgtEl>
+                                          <p:spTgt spid="3">
+                                            <p:txEl>
+                                              <p:pRg st="0" end="0"/>
+                                            </p:txEl>
+                                          </p:spTgt>
+                                        </p:tgtEl>
+                                        <p:attrNameLst>
+                                          <p:attrName>style.visibility</p:attrName>
+                                        </p:attrNameLst>
+                                      </p:cBhvr>
+                                      <p:to>
+                                        <p:strVal val="visible"/>
+                                      </p:to>
+                                    </p:set>
+                                    <p:animEffect transition="in" filter="barn(inVertical)">
+                                      <p:cBhvr>
+                                        <p:cTn id="7" dur="500"/>
+                                        <p:tgtEl>
+                                          <p:spTgt spid="3">
+                                            <p:txEl>
+                                              <p:pRg st="0" end="0"/>
+                                            </p:txEl>
+                                          </p:spTgt>
+                                        </p:tgtEl>
+                                      </p:cBhvr>
+                                    </p:animEffect>
+                                  </p:childTnLst>
+                                </p:cTn>
+                              </p:par>
+                            </p:childTnLst>
+                          </p:cTn>
+                        </p:par>
+                      </p:childTnLst>
+                    </p:cTn>
+                  </p:par>
+                  <p:par>
+                    <p:cTn id="8" fill="hold">
+                      <p:stCondLst>
+                        <p:cond delay="indefinite"/>
+                      </p:stCondLst>
+                      <p:childTnLst>
+                        <p:par>
+                          <p:cTn id="9" fill="hold">
+                            <p:stCondLst>
+                              <p:cond delay="0"/>
+                            </p:stCondLst>
+                            <p:childTnLst>
+                              <p:par>
+                                <p:cTn id="10" presetID="16" presetClass="entr" presetSubtype="21" fill="hold" nodeType="clickEffect">
+                                  <p:stCondLst>
+                                    <p:cond delay="0"/>
+                                  </p:stCondLst>
+                                  <p:childTnLst>
+                                    <p:set>
+                                      <p:cBhvr>
+                                        <p:cTn id="11" dur="1" fill="hold">
+                                          <p:stCondLst>
+                                            <p:cond delay="0"/>
+                                          </p:stCondLst>
+                                        </p:cTn>
+                                        <p:tgtEl>
+                                          <p:spTgt spid="6">
+                                            <p:txEl>
+                                              <p:pRg st="0" end="0"/>
+                                            </p:txEl>
+                                          </p:spTgt>
+                                        </p:tgtEl>
+                                        <p:attrNameLst>
+                                          <p:attrName>style.visibility</p:attrName>
+                                        </p:attrNameLst>
+                                      </p:cBhvr>
+                                      <p:to>
+                                        <p:strVal val="visible"/>
+                                      </p:to>
+                                    </p:set>
+                                    <p:animEffect transition="in" filter="barn(inVertical)">
+                                      <p:cBhvr>
+                                        <p:cTn id="12" dur="500"/>
+                                        <p:tgtEl>
+                                          <p:spTgt spid="6">
+                                            <p:txEl>
+                                              <p:pRg st="0" end="0"/>
+                                            </p:txEl>
+                                          </p:spTgt>
+                                        </p:tgtEl>
+                                      </p:cBhvr>
+                                    </p:animEffect>
+                                  </p:childTnLst>
+                                </p:cTn>
+                              </p:par>
+                            </p:childTnLst>
+                          </p:cTn>
+                        </p:par>
+                      </p:childTnLst>
+                    </p:cTn>
+                  </p:par>
+                </p:childTnLst>
+              </p:cTn>
+              <p:prevCondLst>
+                <p:cond evt="onPrev" delay="0">
+                  <p:tgtEl>
+                    <p:sldTgt/>
+                  </p:tgtEl>
+                </p:cond>
+              </p:prevCondLst>
+              <p:nextCondLst>
+                <p:cond evt="onNext" delay="0">
+                  <p:tgtEl>
+                    <p:sldTgt/>
+                  </p:tgtEl>
+                </p:cond>
+              </p:nextCondLst>
+            </p:seq>
+          </p:childTnLst>
+        </p:cTn>
+      </p:par>
+    </p:tnLst>
+  </p:timing>
 </p:sld>
 </file>
 
-<file path=ppt/slides/slide7.xml><?xml version="1.0" encoding="utf-8"?>
+<file path=ppt/slides/slide8.xml><?xml version="1.0" encoding="utf-8"?>
 <p:sld xmlns:a="http://schemas.openxmlformats.org/drawingml/2006/main" xmlns:r="http://schemas.openxmlformats.org/officeDocument/2006/relationships" xmlns:p="http://schemas.openxmlformats.org/presentationml/2006/main">
   <p:cSld>
     <p:bg>
@@ -6417,7 +9762,7 @@
                 <a16:creationId xmlns:a16="http://schemas.microsoft.com/office/drawing/2014/main" id="{9228552E-C8B1-4A80-8448-0787CE0FC704}"/>
               </a:ext>
               <a:ext uri="{C183D7F6-B498-43B3-948B-1728B52AA6E4}">
-                <adec:decorative xmlns:adec="http://schemas.microsoft.com/office/drawing/2017/decorative" xmlns="" val="1"/>
+                <adec:decorative xmlns:adec="http://schemas.microsoft.com/office/drawing/2017/decorative" val="1"/>
               </a:ext>
             </a:extLst>
           </p:cNvPr>
@@ -6658,14 +10003,11 @@
           <a:lstStyle/>
           <a:p>
             <a:r>
-              <a:rPr lang="hu-HU" sz="4400" b="1" dirty="0" smtClean="0">
+              <a:rPr lang="hu-HU" sz="4400" b="1" dirty="0">
                 <a:latin typeface="Arial Rounded MT Bold" panose="020F0704030504030204" pitchFamily="34" charset="0"/>
               </a:rPr>
               <a:t>A projekt részletesen</a:t>
             </a:r>
-            <a:endParaRPr lang="hu-HU" sz="4400" b="1" dirty="0">
-              <a:latin typeface="Arial Rounded MT Bold" panose="020F0704030504030204" pitchFamily="34" charset="0"/>
-            </a:endParaRPr>
           </a:p>
         </p:txBody>
       </p:sp>
@@ -6693,14 +10035,11 @@
           <a:p>
             <a:pPr algn="ctr"/>
             <a:r>
-              <a:rPr lang="hu-HU" dirty="0" smtClean="0">
+              <a:rPr lang="hu-HU" dirty="0">
                 <a:latin typeface="Arial Rounded MT Bold" panose="020F0704030504030204" pitchFamily="34" charset="0"/>
               </a:rPr>
               <a:t>A bejelentkezés oldal.</a:t>
             </a:r>
-            <a:endParaRPr lang="hu-HU" dirty="0">
-              <a:latin typeface="Arial Rounded MT Bold" panose="020F0704030504030204" pitchFamily="34" charset="0"/>
-            </a:endParaRPr>
           </a:p>
         </p:txBody>
       </p:sp>
@@ -6738,10 +10077,162 @@
   <p:clrMapOvr>
     <a:overrideClrMapping bg1="dk1" tx1="lt1" bg2="dk2" tx2="lt2" accent1="accent1" accent2="accent2" accent3="accent3" accent4="accent4" accent5="accent5" accent6="accent6" hlink="hlink" folHlink="folHlink"/>
   </p:clrMapOvr>
+  <p:timing>
+    <p:tnLst>
+      <p:par>
+        <p:cTn id="1" dur="indefinite" restart="never" nodeType="tmRoot">
+          <p:childTnLst>
+            <p:seq concurrent="1" nextAc="seek">
+              <p:cTn id="2" dur="indefinite" nodeType="mainSeq">
+                <p:childTnLst>
+                  <p:par>
+                    <p:cTn id="3" fill="hold">
+                      <p:stCondLst>
+                        <p:cond delay="indefinite"/>
+                      </p:stCondLst>
+                      <p:childTnLst>
+                        <p:par>
+                          <p:cTn id="4" fill="hold">
+                            <p:stCondLst>
+                              <p:cond delay="0"/>
+                            </p:stCondLst>
+                            <p:childTnLst>
+                              <p:par>
+                                <p:cTn id="5" presetID="16" presetClass="entr" presetSubtype="21" fill="hold" nodeType="clickEffect">
+                                  <p:stCondLst>
+                                    <p:cond delay="0"/>
+                                  </p:stCondLst>
+                                  <p:childTnLst>
+                                    <p:set>
+                                      <p:cBhvr>
+                                        <p:cTn id="6" dur="1" fill="hold">
+                                          <p:stCondLst>
+                                            <p:cond delay="0"/>
+                                          </p:stCondLst>
+                                        </p:cTn>
+                                        <p:tgtEl>
+                                          <p:spTgt spid="3">
+                                            <p:txEl>
+                                              <p:pRg st="0" end="0"/>
+                                            </p:txEl>
+                                          </p:spTgt>
+                                        </p:tgtEl>
+                                        <p:attrNameLst>
+                                          <p:attrName>style.visibility</p:attrName>
+                                        </p:attrNameLst>
+                                      </p:cBhvr>
+                                      <p:to>
+                                        <p:strVal val="visible"/>
+                                      </p:to>
+                                    </p:set>
+                                    <p:animEffect transition="in" filter="barn(inVertical)">
+                                      <p:cBhvr>
+                                        <p:cTn id="7" dur="500"/>
+                                        <p:tgtEl>
+                                          <p:spTgt spid="3">
+                                            <p:txEl>
+                                              <p:pRg st="0" end="0"/>
+                                            </p:txEl>
+                                          </p:spTgt>
+                                        </p:tgtEl>
+                                      </p:cBhvr>
+                                    </p:animEffect>
+                                  </p:childTnLst>
+                                </p:cTn>
+                              </p:par>
+                            </p:childTnLst>
+                          </p:cTn>
+                        </p:par>
+                      </p:childTnLst>
+                    </p:cTn>
+                  </p:par>
+                  <p:par>
+                    <p:cTn id="8" fill="hold">
+                      <p:stCondLst>
+                        <p:cond delay="indefinite"/>
+                      </p:stCondLst>
+                      <p:childTnLst>
+                        <p:par>
+                          <p:cTn id="9" fill="hold">
+                            <p:stCondLst>
+                              <p:cond delay="0"/>
+                            </p:stCondLst>
+                            <p:childTnLst>
+                              <p:par>
+                                <p:cTn id="10" presetID="16" presetClass="entr" presetSubtype="21" fill="hold" nodeType="clickEffect">
+                                  <p:stCondLst>
+                                    <p:cond delay="0"/>
+                                  </p:stCondLst>
+                                  <p:childTnLst>
+                                    <p:set>
+                                      <p:cBhvr>
+                                        <p:cTn id="11" dur="1" fill="hold">
+                                          <p:stCondLst>
+                                            <p:cond delay="0"/>
+                                          </p:stCondLst>
+                                        </p:cTn>
+                                        <p:tgtEl>
+                                          <p:spTgt spid="6">
+                                            <p:txEl>
+                                              <p:pRg st="0" end="0"/>
+                                            </p:txEl>
+                                          </p:spTgt>
+                                        </p:tgtEl>
+                                        <p:attrNameLst>
+                                          <p:attrName>style.visibility</p:attrName>
+                                        </p:attrNameLst>
+                                      </p:cBhvr>
+                                      <p:to>
+                                        <p:strVal val="visible"/>
+                                      </p:to>
+                                    </p:set>
+                                    <p:animEffect transition="in" filter="barn(inVertical)">
+                                      <p:cBhvr>
+                                        <p:cTn id="12" dur="500"/>
+                                        <p:tgtEl>
+                                          <p:spTgt spid="6">
+                                            <p:txEl>
+                                              <p:pRg st="0" end="0"/>
+                                            </p:txEl>
+                                          </p:spTgt>
+                                        </p:tgtEl>
+                                      </p:cBhvr>
+                                    </p:animEffect>
+                                  </p:childTnLst>
+                                </p:cTn>
+                              </p:par>
+                            </p:childTnLst>
+                          </p:cTn>
+                        </p:par>
+                      </p:childTnLst>
+                    </p:cTn>
+                  </p:par>
+                </p:childTnLst>
+              </p:cTn>
+              <p:prevCondLst>
+                <p:cond evt="onPrev" delay="0">
+                  <p:tgtEl>
+                    <p:sldTgt/>
+                  </p:tgtEl>
+                </p:cond>
+              </p:prevCondLst>
+              <p:nextCondLst>
+                <p:cond evt="onNext" delay="0">
+                  <p:tgtEl>
+                    <p:sldTgt/>
+                  </p:tgtEl>
+                </p:cond>
+              </p:nextCondLst>
+            </p:seq>
+          </p:childTnLst>
+        </p:cTn>
+      </p:par>
+    </p:tnLst>
+  </p:timing>
 </p:sld>
 </file>
 
-<file path=ppt/slides/slide8.xml><?xml version="1.0" encoding="utf-8"?>
+<file path=ppt/slides/slide9.xml><?xml version="1.0" encoding="utf-8"?>
 <p:sld xmlns:a="http://schemas.openxmlformats.org/drawingml/2006/main" xmlns:r="http://schemas.openxmlformats.org/officeDocument/2006/relationships" xmlns:p="http://schemas.openxmlformats.org/presentationml/2006/main">
   <p:cSld>
     <p:bg>
@@ -6774,7 +10265,7 @@
                 <a16:creationId xmlns:a16="http://schemas.microsoft.com/office/drawing/2014/main" id="{9228552E-C8B1-4A80-8448-0787CE0FC704}"/>
               </a:ext>
               <a:ext uri="{C183D7F6-B498-43B3-948B-1728B52AA6E4}">
-                <adec:decorative xmlns:adec="http://schemas.microsoft.com/office/drawing/2017/decorative" xmlns="" val="1"/>
+                <adec:decorative xmlns:adec="http://schemas.microsoft.com/office/drawing/2017/decorative" val="1"/>
               </a:ext>
             </a:extLst>
           </p:cNvPr>
@@ -7015,14 +10506,11 @@
           <a:lstStyle/>
           <a:p>
             <a:r>
-              <a:rPr lang="hu-HU" sz="4400" b="1" dirty="0" smtClean="0">
+              <a:rPr lang="hu-HU" sz="4400" b="1" dirty="0">
                 <a:latin typeface="Arial Rounded MT Bold" panose="020F0704030504030204" pitchFamily="34" charset="0"/>
               </a:rPr>
               <a:t>Köszönjük a figyelmet!</a:t>
             </a:r>
-            <a:endParaRPr lang="hu-HU" sz="4400" b="1" dirty="0">
-              <a:latin typeface="Arial Rounded MT Bold" panose="020F0704030504030204" pitchFamily="34" charset="0"/>
-            </a:endParaRPr>
           </a:p>
         </p:txBody>
       </p:sp>
@@ -7036,6 +10524,151 @@
   <p:clrMapOvr>
     <a:overrideClrMapping bg1="dk1" tx1="lt1" bg2="dk2" tx2="lt2" accent1="accent1" accent2="accent2" accent3="accent3" accent4="accent4" accent5="accent5" accent6="accent6" hlink="hlink" folHlink="folHlink"/>
   </p:clrMapOvr>
+  <p:timing>
+    <p:tnLst>
+      <p:par>
+        <p:cTn id="1" dur="indefinite" restart="never" nodeType="tmRoot">
+          <p:childTnLst>
+            <p:seq concurrent="1" nextAc="seek">
+              <p:cTn id="2" dur="indefinite" nodeType="mainSeq">
+                <p:childTnLst>
+                  <p:par>
+                    <p:cTn id="3" fill="hold">
+                      <p:stCondLst>
+                        <p:cond delay="indefinite"/>
+                      </p:stCondLst>
+                      <p:childTnLst>
+                        <p:par>
+                          <p:cTn id="4" fill="hold">
+                            <p:stCondLst>
+                              <p:cond delay="0"/>
+                            </p:stCondLst>
+                            <p:childTnLst>
+                              <p:par>
+                                <p:cTn id="5" presetID="42" presetClass="entr" presetSubtype="0" fill="hold" nodeType="clickEffect">
+                                  <p:stCondLst>
+                                    <p:cond delay="0"/>
+                                  </p:stCondLst>
+                                  <p:childTnLst>
+                                    <p:set>
+                                      <p:cBhvr>
+                                        <p:cTn id="6" dur="1" fill="hold">
+                                          <p:stCondLst>
+                                            <p:cond delay="0"/>
+                                          </p:stCondLst>
+                                        </p:cTn>
+                                        <p:tgtEl>
+                                          <p:spTgt spid="3">
+                                            <p:txEl>
+                                              <p:pRg st="0" end="0"/>
+                                            </p:txEl>
+                                          </p:spTgt>
+                                        </p:tgtEl>
+                                        <p:attrNameLst>
+                                          <p:attrName>style.visibility</p:attrName>
+                                        </p:attrNameLst>
+                                      </p:cBhvr>
+                                      <p:to>
+                                        <p:strVal val="visible"/>
+                                      </p:to>
+                                    </p:set>
+                                    <p:animEffect transition="in" filter="fade">
+                                      <p:cBhvr>
+                                        <p:cTn id="7" dur="1000"/>
+                                        <p:tgtEl>
+                                          <p:spTgt spid="3">
+                                            <p:txEl>
+                                              <p:pRg st="0" end="0"/>
+                                            </p:txEl>
+                                          </p:spTgt>
+                                        </p:tgtEl>
+                                      </p:cBhvr>
+                                    </p:animEffect>
+                                    <p:anim calcmode="lin" valueType="num">
+                                      <p:cBhvr>
+                                        <p:cTn id="8" dur="1000" fill="hold"/>
+                                        <p:tgtEl>
+                                          <p:spTgt spid="3">
+                                            <p:txEl>
+                                              <p:pRg st="0" end="0"/>
+                                            </p:txEl>
+                                          </p:spTgt>
+                                        </p:tgtEl>
+                                        <p:attrNameLst>
+                                          <p:attrName>ppt_x</p:attrName>
+                                        </p:attrNameLst>
+                                      </p:cBhvr>
+                                      <p:tavLst>
+                                        <p:tav tm="0">
+                                          <p:val>
+                                            <p:strVal val="#ppt_x"/>
+                                          </p:val>
+                                        </p:tav>
+                                        <p:tav tm="100000">
+                                          <p:val>
+                                            <p:strVal val="#ppt_x"/>
+                                          </p:val>
+                                        </p:tav>
+                                      </p:tavLst>
+                                    </p:anim>
+                                    <p:anim calcmode="lin" valueType="num">
+                                      <p:cBhvr>
+                                        <p:cTn id="9" dur="1000" fill="hold"/>
+                                        <p:tgtEl>
+                                          <p:spTgt spid="3">
+                                            <p:txEl>
+                                              <p:pRg st="0" end="0"/>
+                                            </p:txEl>
+                                          </p:spTgt>
+                                        </p:tgtEl>
+                                        <p:attrNameLst>
+                                          <p:attrName>ppt_y</p:attrName>
+                                        </p:attrNameLst>
+                                      </p:cBhvr>
+                                      <p:tavLst>
+                                        <p:tav tm="0">
+                                          <p:val>
+                                            <p:strVal val="#ppt_y+.1"/>
+                                          </p:val>
+                                        </p:tav>
+                                        <p:tav tm="100000">
+                                          <p:val>
+                                            <p:strVal val="#ppt_y"/>
+                                          </p:val>
+                                        </p:tav>
+                                      </p:tavLst>
+                                    </p:anim>
+                                  </p:childTnLst>
+                                </p:cTn>
+                              </p:par>
+                            </p:childTnLst>
+                          </p:cTn>
+                        </p:par>
+                      </p:childTnLst>
+                    </p:cTn>
+                  </p:par>
+                </p:childTnLst>
+              </p:cTn>
+              <p:prevCondLst>
+                <p:cond evt="onPrev" delay="0">
+                  <p:tgtEl>
+                    <p:sldTgt/>
+                  </p:tgtEl>
+                </p:cond>
+              </p:prevCondLst>
+              <p:nextCondLst>
+                <p:cond evt="onNext" delay="0">
+                  <p:tgtEl>
+                    <p:sldTgt/>
+                  </p:tgtEl>
+                </p:cond>
+              </p:nextCondLst>
+            </p:seq>
+          </p:childTnLst>
+        </p:cTn>
+      </p:par>
+    </p:tnLst>
+  </p:timing>
 </p:sld>
 </file>
 
